--- a/Section03/3_Geometria/Section03_Geometria.pptx
+++ b/Section03/3_Geometria/Section03_Geometria.pptx
@@ -1,18 +1,19 @@
 
 <file path=ppt/presentation.xml><?xml version="1.0" encoding="utf-8"?>
-<p:presentation xmlns:a="http://schemas.openxmlformats.org/drawingml/2006/main" xmlns:r="http://schemas.openxmlformats.org/officeDocument/2006/relationships" xmlns:p="http://schemas.openxmlformats.org/presentationml/2006/main" saveSubsetFonts="1">
+<p:presentation xmlns:a="http://schemas.openxmlformats.org/drawingml/2006/main" xmlns:r="http://schemas.openxmlformats.org/officeDocument/2006/relationships" xmlns:p="http://schemas.openxmlformats.org/presentationml/2006/main" saveSubsetFonts="1" autoCompressPictures="0">
   <p:sldMasterIdLst>
-    <p:sldMasterId id="2147483648" r:id="rId1"/>
+    <p:sldMasterId id="2147483778" r:id="rId4"/>
   </p:sldMasterIdLst>
   <p:notesMasterIdLst>
-    <p:notesMasterId r:id="rId7"/>
+    <p:notesMasterId r:id="rId8"/>
   </p:notesMasterIdLst>
+  <p:handoutMasterIdLst>
+    <p:handoutMasterId r:id="rId9"/>
+  </p:handoutMasterIdLst>
   <p:sldIdLst>
-    <p:sldId id="279" r:id="rId2"/>
-    <p:sldId id="280" r:id="rId3"/>
-    <p:sldId id="281" r:id="rId4"/>
-    <p:sldId id="282" r:id="rId5"/>
-    <p:sldId id="283" r:id="rId6"/>
+    <p:sldId id="307" r:id="rId5"/>
+    <p:sldId id="342" r:id="rId6"/>
+    <p:sldId id="341" r:id="rId7"/>
   </p:sldIdLst>
   <p:sldSz cx="12192000" cy="6858000"/>
   <p:notesSz cx="6858000" cy="9144000"/>
@@ -20,7 +21,7 @@
     <a:defPPr>
       <a:defRPr lang="en-US"/>
     </a:defPPr>
-    <a:lvl1pPr marL="0" algn="l" defTabSz="914400" rtl="0" eaLnBrk="1" latinLnBrk="0" hangingPunct="1">
+    <a:lvl1pPr marL="0" algn="l" defTabSz="457189" rtl="0" eaLnBrk="1" latinLnBrk="0" hangingPunct="1">
       <a:defRPr sz="1800" kern="1200">
         <a:solidFill>
           <a:schemeClr val="tx1"/>
@@ -30,7 +31,7 @@
         <a:cs typeface="+mn-cs"/>
       </a:defRPr>
     </a:lvl1pPr>
-    <a:lvl2pPr marL="457200" algn="l" defTabSz="914400" rtl="0" eaLnBrk="1" latinLnBrk="0" hangingPunct="1">
+    <a:lvl2pPr marL="457189" algn="l" defTabSz="457189" rtl="0" eaLnBrk="1" latinLnBrk="0" hangingPunct="1">
       <a:defRPr sz="1800" kern="1200">
         <a:solidFill>
           <a:schemeClr val="tx1"/>
@@ -40,7 +41,7 @@
         <a:cs typeface="+mn-cs"/>
       </a:defRPr>
     </a:lvl2pPr>
-    <a:lvl3pPr marL="914400" algn="l" defTabSz="914400" rtl="0" eaLnBrk="1" latinLnBrk="0" hangingPunct="1">
+    <a:lvl3pPr marL="914377" algn="l" defTabSz="457189" rtl="0" eaLnBrk="1" latinLnBrk="0" hangingPunct="1">
       <a:defRPr sz="1800" kern="1200">
         <a:solidFill>
           <a:schemeClr val="tx1"/>
@@ -50,7 +51,7 @@
         <a:cs typeface="+mn-cs"/>
       </a:defRPr>
     </a:lvl3pPr>
-    <a:lvl4pPr marL="1371600" algn="l" defTabSz="914400" rtl="0" eaLnBrk="1" latinLnBrk="0" hangingPunct="1">
+    <a:lvl4pPr marL="1371566" algn="l" defTabSz="457189" rtl="0" eaLnBrk="1" latinLnBrk="0" hangingPunct="1">
       <a:defRPr sz="1800" kern="1200">
         <a:solidFill>
           <a:schemeClr val="tx1"/>
@@ -60,7 +61,7 @@
         <a:cs typeface="+mn-cs"/>
       </a:defRPr>
     </a:lvl4pPr>
-    <a:lvl5pPr marL="1828800" algn="l" defTabSz="914400" rtl="0" eaLnBrk="1" latinLnBrk="0" hangingPunct="1">
+    <a:lvl5pPr marL="1828754" algn="l" defTabSz="457189" rtl="0" eaLnBrk="1" latinLnBrk="0" hangingPunct="1">
       <a:defRPr sz="1800" kern="1200">
         <a:solidFill>
           <a:schemeClr val="tx1"/>
@@ -70,7 +71,7 @@
         <a:cs typeface="+mn-cs"/>
       </a:defRPr>
     </a:lvl5pPr>
-    <a:lvl6pPr marL="2286000" algn="l" defTabSz="914400" rtl="0" eaLnBrk="1" latinLnBrk="0" hangingPunct="1">
+    <a:lvl6pPr marL="2285943" algn="l" defTabSz="457189" rtl="0" eaLnBrk="1" latinLnBrk="0" hangingPunct="1">
       <a:defRPr sz="1800" kern="1200">
         <a:solidFill>
           <a:schemeClr val="tx1"/>
@@ -80,7 +81,7 @@
         <a:cs typeface="+mn-cs"/>
       </a:defRPr>
     </a:lvl6pPr>
-    <a:lvl7pPr marL="2743200" algn="l" defTabSz="914400" rtl="0" eaLnBrk="1" latinLnBrk="0" hangingPunct="1">
+    <a:lvl7pPr marL="2743131" algn="l" defTabSz="457189" rtl="0" eaLnBrk="1" latinLnBrk="0" hangingPunct="1">
       <a:defRPr sz="1800" kern="1200">
         <a:solidFill>
           <a:schemeClr val="tx1"/>
@@ -90,7 +91,7 @@
         <a:cs typeface="+mn-cs"/>
       </a:defRPr>
     </a:lvl7pPr>
-    <a:lvl8pPr marL="3200400" algn="l" defTabSz="914400" rtl="0" eaLnBrk="1" latinLnBrk="0" hangingPunct="1">
+    <a:lvl8pPr marL="3200320" algn="l" defTabSz="457189" rtl="0" eaLnBrk="1" latinLnBrk="0" hangingPunct="1">
       <a:defRPr sz="1800" kern="1200">
         <a:solidFill>
           <a:schemeClr val="tx1"/>
@@ -100,7 +101,7 @@
         <a:cs typeface="+mn-cs"/>
       </a:defRPr>
     </a:lvl8pPr>
-    <a:lvl9pPr marL="3657600" algn="l" defTabSz="914400" rtl="0" eaLnBrk="1" latinLnBrk="0" hangingPunct="1">
+    <a:lvl9pPr marL="3657509" algn="l" defTabSz="457189" rtl="0" eaLnBrk="1" latinLnBrk="0" hangingPunct="1">
       <a:defRPr sz="1800" kern="1200">
         <a:solidFill>
           <a:schemeClr val="tx1"/>
@@ -112,11 +113,206 @@
     </a:lvl9pPr>
   </p:defaultTextStyle>
   <p:extLst>
+    <p:ext uri="{521415D9-36F7-43E2-AB2F-B90AF26B5E84}">
+      <p14:sectionLst xmlns:p14="http://schemas.microsoft.com/office/powerpoint/2010/main">
+        <p14:section name="Default Section" id="{A6194743-3C7C-499C-B327-CF08643433A4}">
+          <p14:sldIdLst>
+            <p14:sldId id="307"/>
+            <p14:sldId id="342"/>
+            <p14:sldId id="341"/>
+          </p14:sldIdLst>
+        </p14:section>
+      </p14:sectionLst>
+    </p:ext>
     <p:ext uri="{EFAFB233-063F-42B5-8137-9DF3F51BA10A}">
-      <p15:sldGuideLst xmlns:p15="http://schemas.microsoft.com/office/powerpoint/2012/main"/>
+      <p15:sldGuideLst xmlns:p15="http://schemas.microsoft.com/office/powerpoint/2012/main">
+        <p15:guide id="1" orient="horz" pos="2160" userDrawn="1">
+          <p15:clr>
+            <a:srgbClr val="A4A3A4"/>
+          </p15:clr>
+        </p15:guide>
+        <p15:guide id="2" pos="3840" userDrawn="1">
+          <p15:clr>
+            <a:srgbClr val="A4A3A4"/>
+          </p15:clr>
+        </p15:guide>
+      </p15:sldGuideLst>
+    </p:ext>
+    <p:ext uri="{2D200454-40CA-4A62-9FC3-DE9A4176ACB9}">
+      <p15:notesGuideLst xmlns:p15="http://schemas.microsoft.com/office/powerpoint/2012/main"/>
     </p:ext>
   </p:extLst>
 </p:presentation>
+</file>
+
+<file path=ppt/handoutMasters/handoutMaster1.xml><?xml version="1.0" encoding="utf-8"?>
+<p:handoutMaster xmlns:a="http://schemas.openxmlformats.org/drawingml/2006/main" xmlns:r="http://schemas.openxmlformats.org/officeDocument/2006/relationships" xmlns:p="http://schemas.openxmlformats.org/presentationml/2006/main">
+  <p:cSld>
+    <p:bg>
+      <p:bgRef idx="1001">
+        <a:schemeClr val="bg1"/>
+      </p:bgRef>
+    </p:bg>
+    <p:spTree>
+      <p:nvGrpSpPr>
+        <p:cNvPr id="1" name=""/>
+        <p:cNvGrpSpPr/>
+        <p:nvPr/>
+      </p:nvGrpSpPr>
+      <p:grpSpPr>
+        <a:xfrm>
+          <a:off x="0" y="0"/>
+          <a:ext cx="0" cy="0"/>
+          <a:chOff x="0" y="0"/>
+          <a:chExt cx="0" cy="0"/>
+        </a:xfrm>
+      </p:grpSpPr>
+      <p:sp>
+        <p:nvSpPr>
+          <p:cNvPr id="2" name="Marcador de encabezado 1"/>
+          <p:cNvSpPr>
+            <a:spLocks noGrp="1"/>
+          </p:cNvSpPr>
+          <p:nvPr>
+            <p:ph type="hdr" sz="quarter"/>
+          </p:nvPr>
+        </p:nvSpPr>
+        <p:spPr>
+          <a:xfrm>
+            <a:off x="0" y="0"/>
+            <a:ext cx="2971800" cy="458788"/>
+          </a:xfrm>
+          <a:prstGeom prst="rect">
+            <a:avLst/>
+          </a:prstGeom>
+        </p:spPr>
+        <p:txBody>
+          <a:bodyPr vert="horz" lIns="91440" tIns="45720" rIns="91440" bIns="45720" rtlCol="0"/>
+          <a:lstStyle>
+            <a:lvl1pPr algn="l">
+              <a:defRPr sz="1200"/>
+            </a:lvl1pPr>
+          </a:lstStyle>
+          <a:p>
+            <a:pPr rtl="0"/>
+            <a:endParaRPr lang="es-ES" dirty="0"/>
+          </a:p>
+        </p:txBody>
+      </p:sp>
+      <p:sp>
+        <p:nvSpPr>
+          <p:cNvPr id="3" name="Marcador de posición de fecha 2"/>
+          <p:cNvSpPr>
+            <a:spLocks noGrp="1"/>
+          </p:cNvSpPr>
+          <p:nvPr>
+            <p:ph type="dt" sz="quarter" idx="1"/>
+          </p:nvPr>
+        </p:nvSpPr>
+        <p:spPr>
+          <a:xfrm>
+            <a:off x="3884613" y="0"/>
+            <a:ext cx="2971800" cy="458788"/>
+          </a:xfrm>
+          <a:prstGeom prst="rect">
+            <a:avLst/>
+          </a:prstGeom>
+        </p:spPr>
+        <p:txBody>
+          <a:bodyPr vert="horz" lIns="91440" tIns="45720" rIns="91440" bIns="45720" rtlCol="0"/>
+          <a:lstStyle>
+            <a:lvl1pPr algn="r">
+              <a:defRPr sz="1200"/>
+            </a:lvl1pPr>
+          </a:lstStyle>
+          <a:p>
+            <a:pPr rtl="0"/>
+            <a:fld id="{FAB3E6E3-061B-41A2-BBDC-C5312A04A40A}" type="datetime1">
+              <a:rPr lang="es-ES" smtClean="0"/>
+              <a:t>20/01/2023</a:t>
+            </a:fld>
+            <a:endParaRPr lang="es-ES" dirty="0"/>
+          </a:p>
+        </p:txBody>
+      </p:sp>
+      <p:sp>
+        <p:nvSpPr>
+          <p:cNvPr id="4" name="Marcador de posición de pie de página 3"/>
+          <p:cNvSpPr>
+            <a:spLocks noGrp="1"/>
+          </p:cNvSpPr>
+          <p:nvPr>
+            <p:ph type="ftr" sz="quarter" idx="2"/>
+          </p:nvPr>
+        </p:nvSpPr>
+        <p:spPr>
+          <a:xfrm>
+            <a:off x="0" y="8685213"/>
+            <a:ext cx="2971800" cy="458787"/>
+          </a:xfrm>
+          <a:prstGeom prst="rect">
+            <a:avLst/>
+          </a:prstGeom>
+        </p:spPr>
+        <p:txBody>
+          <a:bodyPr vert="horz" lIns="91440" tIns="45720" rIns="91440" bIns="45720" rtlCol="0" anchor="b"/>
+          <a:lstStyle>
+            <a:lvl1pPr algn="l">
+              <a:defRPr sz="1200"/>
+            </a:lvl1pPr>
+          </a:lstStyle>
+          <a:p>
+            <a:pPr rtl="0"/>
+            <a:endParaRPr lang="es-ES" dirty="0"/>
+          </a:p>
+        </p:txBody>
+      </p:sp>
+      <p:sp>
+        <p:nvSpPr>
+          <p:cNvPr id="5" name="Marcador de número de diapositiva 4"/>
+          <p:cNvSpPr>
+            <a:spLocks noGrp="1"/>
+          </p:cNvSpPr>
+          <p:nvPr>
+            <p:ph type="sldNum" sz="quarter" idx="3"/>
+          </p:nvPr>
+        </p:nvSpPr>
+        <p:spPr>
+          <a:xfrm>
+            <a:off x="3884613" y="8685213"/>
+            <a:ext cx="2971800" cy="458787"/>
+          </a:xfrm>
+          <a:prstGeom prst="rect">
+            <a:avLst/>
+          </a:prstGeom>
+        </p:spPr>
+        <p:txBody>
+          <a:bodyPr vert="horz" lIns="91440" tIns="45720" rIns="91440" bIns="45720" rtlCol="0" anchor="b"/>
+          <a:lstStyle>
+            <a:lvl1pPr algn="r">
+              <a:defRPr sz="1200"/>
+            </a:lvl1pPr>
+          </a:lstStyle>
+          <a:p>
+            <a:pPr rtl="0"/>
+            <a:fld id="{B78FE58C-C1A6-4C4C-90C2-B7F5B0504B2D}" type="slidenum">
+              <a:rPr lang="es-ES" smtClean="0"/>
+              <a:t>‹Nº›</a:t>
+            </a:fld>
+            <a:endParaRPr lang="es-ES" dirty="0"/>
+          </a:p>
+        </p:txBody>
+      </p:sp>
+    </p:spTree>
+    <p:extLst>
+      <p:ext uri="{BB962C8B-B14F-4D97-AF65-F5344CB8AC3E}">
+        <p14:creationId xmlns:p14="http://schemas.microsoft.com/office/powerpoint/2010/main" val="4034605036"/>
+      </p:ext>
+    </p:extLst>
+  </p:cSld>
+  <p:clrMap bg1="lt1" tx1="dk1" bg2="lt2" tx2="dk2" accent1="accent1" accent2="accent2" accent3="accent3" accent4="accent4" accent5="accent5" accent6="accent6" hlink="hlink" folHlink="folHlink"/>
+  <p:hf hdr="0" ftr="0" dt="0"/>
+</p:handoutMaster>
 </file>
 
 <file path=ppt/notesMasters/notesMaster1.xml><?xml version="1.0" encoding="utf-8"?>
@@ -168,13 +364,14 @@
             </a:lvl1pPr>
           </a:lstStyle>
           <a:p>
-            <a:endParaRPr lang="en-US"/>
-          </a:p>
-        </p:txBody>
-      </p:sp>
-      <p:sp>
-        <p:nvSpPr>
-          <p:cNvPr id="3" name="Marcador de fecha 2"/>
+            <a:pPr rtl="0"/>
+            <a:endParaRPr lang="es-ES" noProof="0" dirty="0"/>
+          </a:p>
+        </p:txBody>
+      </p:sp>
+      <p:sp>
+        <p:nvSpPr>
+          <p:cNvPr id="3" name="Marcador de posición de fecha 2"/>
           <p:cNvSpPr>
             <a:spLocks noGrp="1"/>
           </p:cNvSpPr>
@@ -199,17 +396,18 @@
             </a:lvl1pPr>
           </a:lstStyle>
           <a:p>
-            <a:fld id="{1F8A4C29-C830-4B9E-A1E4-B5E2AE1D7869}" type="datetimeFigureOut">
-              <a:rPr lang="en-US" smtClean="0"/>
-              <a:t>12/5/2022</a:t>
+            <a:pPr rtl="0"/>
+            <a:fld id="{2145992C-CBBF-4F24-8325-F5CB0EAAC0E9}" type="datetime1">
+              <a:rPr lang="es-ES" noProof="0" smtClean="0"/>
+              <a:t>20/01/2023</a:t>
             </a:fld>
-            <a:endParaRPr lang="en-US"/>
-          </a:p>
-        </p:txBody>
-      </p:sp>
-      <p:sp>
-        <p:nvSpPr>
-          <p:cNvPr id="4" name="Marcador de imagen de diapositiva 3"/>
+            <a:endParaRPr lang="es-ES" noProof="0" dirty="0"/>
+          </a:p>
+        </p:txBody>
+      </p:sp>
+      <p:sp>
+        <p:nvSpPr>
+          <p:cNvPr id="4" name="Marcador de posición de imagen de diapositiva 3"/>
           <p:cNvSpPr>
             <a:spLocks noGrp="1" noRot="1" noChangeAspect="1"/>
           </p:cNvSpPr>
@@ -236,7 +434,8 @@
           <a:bodyPr vert="horz" lIns="91440" tIns="45720" rIns="91440" bIns="45720" rtlCol="0" anchor="ctr"/>
           <a:lstStyle/>
           <a:p>
-            <a:endParaRPr lang="en-US"/>
+            <a:pPr rtl="0"/>
+            <a:endParaRPr lang="es-ES_tradnl" dirty="0"/>
           </a:p>
         </p:txBody>
       </p:sp>
@@ -263,40 +462,39 @@
           <a:bodyPr vert="horz" lIns="91440" tIns="45720" rIns="91440" bIns="45720" rtlCol="0"/>
           <a:lstStyle/>
           <a:p>
-            <a:pPr lvl="0"/>
-            <a:r>
-              <a:rPr lang="es-ES"/>
-              <a:t>Haga clic para modificar los estilos de texto del patrón</a:t>
-            </a:r>
-          </a:p>
-          <a:p>
-            <a:pPr lvl="1"/>
-            <a:r>
-              <a:rPr lang="es-ES"/>
+            <a:pPr lvl="0" rtl="0"/>
+            <a:r>
+              <a:rPr lang="es-ES" noProof="0" dirty="0"/>
+              <a:t>Editar el estilo de texto del patrón</a:t>
+            </a:r>
+          </a:p>
+          <a:p>
+            <a:pPr lvl="1" rtl="0"/>
+            <a:r>
+              <a:rPr lang="es-ES" noProof="0" dirty="0"/>
               <a:t>Segundo nivel</a:t>
             </a:r>
           </a:p>
           <a:p>
-            <a:pPr lvl="2"/>
-            <a:r>
-              <a:rPr lang="es-ES"/>
+            <a:pPr lvl="2" rtl="0"/>
+            <a:r>
+              <a:rPr lang="es-ES" noProof="0" dirty="0"/>
               <a:t>Tercer nivel</a:t>
             </a:r>
           </a:p>
           <a:p>
-            <a:pPr lvl="3"/>
-            <a:r>
-              <a:rPr lang="es-ES"/>
+            <a:pPr lvl="3" rtl="0"/>
+            <a:r>
+              <a:rPr lang="es-ES" noProof="0" dirty="0"/>
               <a:t>Cuarto nivel</a:t>
             </a:r>
           </a:p>
           <a:p>
-            <a:pPr lvl="4"/>
-            <a:r>
-              <a:rPr lang="es-ES"/>
+            <a:pPr lvl="4" rtl="0"/>
+            <a:r>
+              <a:rPr lang="es-ES" noProof="0" dirty="0"/>
               <a:t>Quinto nivel</a:t>
             </a:r>
-            <a:endParaRPr lang="en-US"/>
           </a:p>
         </p:txBody>
       </p:sp>
@@ -327,7 +525,8 @@
             </a:lvl1pPr>
           </a:lstStyle>
           <a:p>
-            <a:endParaRPr lang="en-US"/>
+            <a:pPr rtl="0"/>
+            <a:endParaRPr lang="es-ES" noProof="0" dirty="0"/>
           </a:p>
         </p:txBody>
       </p:sp>
@@ -358,24 +557,26 @@
             </a:lvl1pPr>
           </a:lstStyle>
           <a:p>
-            <a:fld id="{9191AE8A-4ED6-411D-A727-C223135B0E27}" type="slidenum">
-              <a:rPr lang="en-US" smtClean="0"/>
+            <a:pPr rtl="0"/>
+            <a:fld id="{810E1E9A-E921-4174-A0FC-51868D7AC568}" type="slidenum">
+              <a:rPr lang="es-ES" noProof="0" smtClean="0"/>
               <a:t>‹Nº›</a:t>
             </a:fld>
-            <a:endParaRPr lang="en-US"/>
+            <a:endParaRPr lang="es-ES" noProof="0" dirty="0"/>
           </a:p>
         </p:txBody>
       </p:sp>
     </p:spTree>
     <p:extLst>
       <p:ext uri="{BB962C8B-B14F-4D97-AF65-F5344CB8AC3E}">
-        <p14:creationId xmlns:p14="http://schemas.microsoft.com/office/powerpoint/2010/main" val="112963761"/>
+        <p14:creationId xmlns:p14="http://schemas.microsoft.com/office/powerpoint/2010/main" val="373786009"/>
       </p:ext>
     </p:extLst>
   </p:cSld>
   <p:clrMap bg1="lt1" tx1="dk1" bg2="lt2" tx2="dk2" accent1="accent1" accent2="accent2" accent3="accent3" accent4="accent4" accent5="accent5" accent6="accent6" hlink="hlink" folHlink="folHlink"/>
+  <p:hf hdr="0" ftr="0" dt="0"/>
   <p:notesStyle>
-    <a:lvl1pPr marL="0" algn="l" defTabSz="914400" rtl="0" eaLnBrk="1" latinLnBrk="0" hangingPunct="1">
+    <a:lvl1pPr marL="0" algn="l" defTabSz="914377" rtl="0" eaLnBrk="1" latinLnBrk="0" hangingPunct="1">
       <a:defRPr sz="1200" kern="1200">
         <a:solidFill>
           <a:schemeClr val="tx1"/>
@@ -385,7 +586,7 @@
         <a:cs typeface="+mn-cs"/>
       </a:defRPr>
     </a:lvl1pPr>
-    <a:lvl2pPr marL="457200" algn="l" defTabSz="914400" rtl="0" eaLnBrk="1" latinLnBrk="0" hangingPunct="1">
+    <a:lvl2pPr marL="457189" algn="l" defTabSz="914377" rtl="0" eaLnBrk="1" latinLnBrk="0" hangingPunct="1">
       <a:defRPr sz="1200" kern="1200">
         <a:solidFill>
           <a:schemeClr val="tx1"/>
@@ -395,7 +596,7 @@
         <a:cs typeface="+mn-cs"/>
       </a:defRPr>
     </a:lvl2pPr>
-    <a:lvl3pPr marL="914400" algn="l" defTabSz="914400" rtl="0" eaLnBrk="1" latinLnBrk="0" hangingPunct="1">
+    <a:lvl3pPr marL="914377" algn="l" defTabSz="914377" rtl="0" eaLnBrk="1" latinLnBrk="0" hangingPunct="1">
       <a:defRPr sz="1200" kern="1200">
         <a:solidFill>
           <a:schemeClr val="tx1"/>
@@ -405,7 +606,7 @@
         <a:cs typeface="+mn-cs"/>
       </a:defRPr>
     </a:lvl3pPr>
-    <a:lvl4pPr marL="1371600" algn="l" defTabSz="914400" rtl="0" eaLnBrk="1" latinLnBrk="0" hangingPunct="1">
+    <a:lvl4pPr marL="1371566" algn="l" defTabSz="914377" rtl="0" eaLnBrk="1" latinLnBrk="0" hangingPunct="1">
       <a:defRPr sz="1200" kern="1200">
         <a:solidFill>
           <a:schemeClr val="tx1"/>
@@ -415,7 +616,7 @@
         <a:cs typeface="+mn-cs"/>
       </a:defRPr>
     </a:lvl4pPr>
-    <a:lvl5pPr marL="1828800" algn="l" defTabSz="914400" rtl="0" eaLnBrk="1" latinLnBrk="0" hangingPunct="1">
+    <a:lvl5pPr marL="1828754" algn="l" defTabSz="914377" rtl="0" eaLnBrk="1" latinLnBrk="0" hangingPunct="1">
       <a:defRPr sz="1200" kern="1200">
         <a:solidFill>
           <a:schemeClr val="tx1"/>
@@ -425,7 +626,7 @@
         <a:cs typeface="+mn-cs"/>
       </a:defRPr>
     </a:lvl5pPr>
-    <a:lvl6pPr marL="2286000" algn="l" defTabSz="914400" rtl="0" eaLnBrk="1" latinLnBrk="0" hangingPunct="1">
+    <a:lvl6pPr marL="2285943" algn="l" defTabSz="914377" rtl="0" eaLnBrk="1" latinLnBrk="0" hangingPunct="1">
       <a:defRPr sz="1200" kern="1200">
         <a:solidFill>
           <a:schemeClr val="tx1"/>
@@ -435,7 +636,7 @@
         <a:cs typeface="+mn-cs"/>
       </a:defRPr>
     </a:lvl6pPr>
-    <a:lvl7pPr marL="2743200" algn="l" defTabSz="914400" rtl="0" eaLnBrk="1" latinLnBrk="0" hangingPunct="1">
+    <a:lvl7pPr marL="2743131" algn="l" defTabSz="914377" rtl="0" eaLnBrk="1" latinLnBrk="0" hangingPunct="1">
       <a:defRPr sz="1200" kern="1200">
         <a:solidFill>
           <a:schemeClr val="tx1"/>
@@ -445,7 +646,7 @@
         <a:cs typeface="+mn-cs"/>
       </a:defRPr>
     </a:lvl7pPr>
-    <a:lvl8pPr marL="3200400" algn="l" defTabSz="914400" rtl="0" eaLnBrk="1" latinLnBrk="0" hangingPunct="1">
+    <a:lvl8pPr marL="3200320" algn="l" defTabSz="914377" rtl="0" eaLnBrk="1" latinLnBrk="0" hangingPunct="1">
       <a:defRPr sz="1200" kern="1200">
         <a:solidFill>
           <a:schemeClr val="tx1"/>
@@ -455,7 +656,7 @@
         <a:cs typeface="+mn-cs"/>
       </a:defRPr>
     </a:lvl8pPr>
-    <a:lvl9pPr marL="3657600" algn="l" defTabSz="914400" rtl="0" eaLnBrk="1" latinLnBrk="0" hangingPunct="1">
+    <a:lvl9pPr marL="3657509" algn="l" defTabSz="914377" rtl="0" eaLnBrk="1" latinLnBrk="0" hangingPunct="1">
       <a:defRPr sz="1200" kern="1200">
         <a:solidFill>
           <a:schemeClr val="tx1"/>
@@ -467,6 +668,350 @@
     </a:lvl9pPr>
   </p:notesStyle>
 </p:notesMaster>
+</file>
+
+<file path=ppt/notesSlides/notesSlide1.xml><?xml version="1.0" encoding="utf-8"?>
+<p:notes xmlns:a="http://schemas.openxmlformats.org/drawingml/2006/main" xmlns:r="http://schemas.openxmlformats.org/officeDocument/2006/relationships" xmlns:p="http://schemas.openxmlformats.org/presentationml/2006/main">
+  <p:cSld>
+    <p:spTree>
+      <p:nvGrpSpPr>
+        <p:cNvPr id="1" name=""/>
+        <p:cNvGrpSpPr/>
+        <p:nvPr/>
+      </p:nvGrpSpPr>
+      <p:grpSpPr>
+        <a:xfrm>
+          <a:off x="0" y="0"/>
+          <a:ext cx="0" cy="0"/>
+          <a:chOff x="0" y="0"/>
+          <a:chExt cx="0" cy="0"/>
+        </a:xfrm>
+      </p:grpSpPr>
+      <p:sp>
+        <p:nvSpPr>
+          <p:cNvPr id="2" name="Slide Image Placeholder 1"/>
+          <p:cNvSpPr>
+            <a:spLocks noGrp="1" noRot="1" noChangeAspect="1"/>
+          </p:cNvSpPr>
+          <p:nvPr>
+            <p:ph type="sldImg"/>
+          </p:nvPr>
+        </p:nvSpPr>
+        <p:spPr/>
+      </p:sp>
+      <p:sp>
+        <p:nvSpPr>
+          <p:cNvPr id="3" name="Notes Placeholder 2"/>
+          <p:cNvSpPr>
+            <a:spLocks noGrp="1"/>
+          </p:cNvSpPr>
+          <p:nvPr>
+            <p:ph type="body" idx="1"/>
+          </p:nvPr>
+        </p:nvSpPr>
+        <p:spPr/>
+        <p:txBody>
+          <a:bodyPr/>
+          <a:lstStyle/>
+          <a:p>
+            <a:pPr marL="0" marR="0" lvl="0" indent="0" algn="l" defTabSz="914377" rtl="0" eaLnBrk="1" fontAlgn="auto" latinLnBrk="0" hangingPunct="1">
+              <a:lnSpc>
+                <a:spcPct val="100000"/>
+              </a:lnSpc>
+              <a:spcBef>
+                <a:spcPts val="0"/>
+              </a:spcBef>
+              <a:spcAft>
+                <a:spcPts val="0"/>
+              </a:spcAft>
+              <a:buClrTx/>
+              <a:buSzTx/>
+              <a:buFontTx/>
+              <a:buNone/>
+              <a:tabLst/>
+              <a:defRPr/>
+            </a:pPr>
+            <a:r>
+              <a:rPr lang="en-US" dirty="0" err="1"/>
+              <a:t>Diapositiva</a:t>
+            </a:r>
+            <a:r>
+              <a:rPr lang="en-US" dirty="0"/>
+              <a:t> para </a:t>
+            </a:r>
+            <a:r>
+              <a:rPr lang="en-US" dirty="0" err="1"/>
+              <a:t>introducción</a:t>
+            </a:r>
+            <a:r>
+              <a:rPr lang="en-US" dirty="0"/>
+              <a:t> </a:t>
+            </a:r>
+            <a:r>
+              <a:rPr lang="en-US" dirty="0" err="1"/>
+              <a:t>ejemplo</a:t>
+            </a:r>
+            <a:r>
+              <a:rPr lang="en-US" dirty="0"/>
+              <a:t>.</a:t>
+            </a:r>
+            <a:endParaRPr lang="es-CO" dirty="0"/>
+          </a:p>
+        </p:txBody>
+      </p:sp>
+      <p:sp>
+        <p:nvSpPr>
+          <p:cNvPr id="4" name="Slide Number Placeholder 3"/>
+          <p:cNvSpPr>
+            <a:spLocks noGrp="1"/>
+          </p:cNvSpPr>
+          <p:nvPr>
+            <p:ph type="sldNum" sz="quarter" idx="5"/>
+          </p:nvPr>
+        </p:nvSpPr>
+        <p:spPr/>
+        <p:txBody>
+          <a:bodyPr/>
+          <a:lstStyle/>
+          <a:p>
+            <a:pPr rtl="0"/>
+            <a:fld id="{810E1E9A-E921-4174-A0FC-51868D7AC568}" type="slidenum">
+              <a:rPr lang="es-ES" noProof="0" smtClean="0"/>
+              <a:t>1</a:t>
+            </a:fld>
+            <a:endParaRPr lang="es-ES" noProof="0" dirty="0"/>
+          </a:p>
+        </p:txBody>
+      </p:sp>
+    </p:spTree>
+    <p:extLst>
+      <p:ext uri="{BB962C8B-B14F-4D97-AF65-F5344CB8AC3E}">
+        <p14:creationId xmlns:p14="http://schemas.microsoft.com/office/powerpoint/2010/main" val="1306954466"/>
+      </p:ext>
+    </p:extLst>
+  </p:cSld>
+  <p:clrMapOvr>
+    <a:masterClrMapping/>
+  </p:clrMapOvr>
+</p:notes>
+</file>
+
+<file path=ppt/notesSlides/notesSlide2.xml><?xml version="1.0" encoding="utf-8"?>
+<p:notes xmlns:a="http://schemas.openxmlformats.org/drawingml/2006/main" xmlns:r="http://schemas.openxmlformats.org/officeDocument/2006/relationships" xmlns:p="http://schemas.openxmlformats.org/presentationml/2006/main">
+  <p:cSld>
+    <p:spTree>
+      <p:nvGrpSpPr>
+        <p:cNvPr id="1" name=""/>
+        <p:cNvGrpSpPr/>
+        <p:nvPr/>
+      </p:nvGrpSpPr>
+      <p:grpSpPr>
+        <a:xfrm>
+          <a:off x="0" y="0"/>
+          <a:ext cx="0" cy="0"/>
+          <a:chOff x="0" y="0"/>
+          <a:chExt cx="0" cy="0"/>
+        </a:xfrm>
+      </p:grpSpPr>
+      <p:sp>
+        <p:nvSpPr>
+          <p:cNvPr id="2" name="Slide Image Placeholder 1"/>
+          <p:cNvSpPr>
+            <a:spLocks noGrp="1" noRot="1" noChangeAspect="1"/>
+          </p:cNvSpPr>
+          <p:nvPr>
+            <p:ph type="sldImg"/>
+          </p:nvPr>
+        </p:nvSpPr>
+        <p:spPr/>
+      </p:sp>
+      <p:sp>
+        <p:nvSpPr>
+          <p:cNvPr id="3" name="Notes Placeholder 2"/>
+          <p:cNvSpPr>
+            <a:spLocks noGrp="1"/>
+          </p:cNvSpPr>
+          <p:nvPr>
+            <p:ph type="body" idx="1"/>
+          </p:nvPr>
+        </p:nvSpPr>
+        <p:spPr/>
+        <p:txBody>
+          <a:bodyPr/>
+          <a:lstStyle/>
+          <a:p>
+            <a:pPr marL="0" marR="0" lvl="0" indent="0" algn="l" defTabSz="914377" rtl="0" eaLnBrk="1" fontAlgn="auto" latinLnBrk="0" hangingPunct="1">
+              <a:lnSpc>
+                <a:spcPct val="100000"/>
+              </a:lnSpc>
+              <a:spcBef>
+                <a:spcPts val="0"/>
+              </a:spcBef>
+              <a:spcAft>
+                <a:spcPts val="0"/>
+              </a:spcAft>
+              <a:buClrTx/>
+              <a:buSzTx/>
+              <a:buFontTx/>
+              <a:buNone/>
+              <a:tabLst/>
+              <a:defRPr/>
+            </a:pPr>
+            <a:r>
+              <a:rPr lang="en-US" dirty="0" err="1"/>
+              <a:t>Diapositiva</a:t>
+            </a:r>
+            <a:r>
+              <a:rPr lang="en-US" dirty="0"/>
+              <a:t> para </a:t>
+            </a:r>
+            <a:r>
+              <a:rPr lang="en-US" dirty="0" err="1"/>
+              <a:t>introducción</a:t>
+            </a:r>
+            <a:r>
+              <a:rPr lang="en-US" dirty="0"/>
+              <a:t> </a:t>
+            </a:r>
+            <a:r>
+              <a:rPr lang="en-US" dirty="0" err="1"/>
+              <a:t>ejemplo</a:t>
+            </a:r>
+            <a:r>
+              <a:rPr lang="en-US" dirty="0"/>
+              <a:t>.</a:t>
+            </a:r>
+            <a:endParaRPr lang="es-CO" dirty="0"/>
+          </a:p>
+        </p:txBody>
+      </p:sp>
+      <p:sp>
+        <p:nvSpPr>
+          <p:cNvPr id="4" name="Slide Number Placeholder 3"/>
+          <p:cNvSpPr>
+            <a:spLocks noGrp="1"/>
+          </p:cNvSpPr>
+          <p:nvPr>
+            <p:ph type="sldNum" sz="quarter" idx="5"/>
+          </p:nvPr>
+        </p:nvSpPr>
+        <p:spPr/>
+        <p:txBody>
+          <a:bodyPr/>
+          <a:lstStyle/>
+          <a:p>
+            <a:pPr rtl="0"/>
+            <a:fld id="{810E1E9A-E921-4174-A0FC-51868D7AC568}" type="slidenum">
+              <a:rPr lang="es-ES" noProof="0" smtClean="0"/>
+              <a:t>2</a:t>
+            </a:fld>
+            <a:endParaRPr lang="es-ES" noProof="0" dirty="0"/>
+          </a:p>
+        </p:txBody>
+      </p:sp>
+    </p:spTree>
+    <p:extLst>
+      <p:ext uri="{BB962C8B-B14F-4D97-AF65-F5344CB8AC3E}">
+        <p14:creationId xmlns:p14="http://schemas.microsoft.com/office/powerpoint/2010/main" val="1325204723"/>
+      </p:ext>
+    </p:extLst>
+  </p:cSld>
+  <p:clrMapOvr>
+    <a:masterClrMapping/>
+  </p:clrMapOvr>
+</p:notes>
+</file>
+
+<file path=ppt/notesSlides/notesSlide3.xml><?xml version="1.0" encoding="utf-8"?>
+<p:notes xmlns:a="http://schemas.openxmlformats.org/drawingml/2006/main" xmlns:r="http://schemas.openxmlformats.org/officeDocument/2006/relationships" xmlns:p="http://schemas.openxmlformats.org/presentationml/2006/main">
+  <p:cSld>
+    <p:spTree>
+      <p:nvGrpSpPr>
+        <p:cNvPr id="1" name=""/>
+        <p:cNvGrpSpPr/>
+        <p:nvPr/>
+      </p:nvGrpSpPr>
+      <p:grpSpPr>
+        <a:xfrm>
+          <a:off x="0" y="0"/>
+          <a:ext cx="0" cy="0"/>
+          <a:chOff x="0" y="0"/>
+          <a:chExt cx="0" cy="0"/>
+        </a:xfrm>
+      </p:grpSpPr>
+      <p:sp>
+        <p:nvSpPr>
+          <p:cNvPr id="2" name="Slide Image Placeholder 1"/>
+          <p:cNvSpPr>
+            <a:spLocks noGrp="1" noRot="1" noChangeAspect="1"/>
+          </p:cNvSpPr>
+          <p:nvPr>
+            <p:ph type="sldImg"/>
+          </p:nvPr>
+        </p:nvSpPr>
+        <p:spPr/>
+      </p:sp>
+      <p:sp>
+        <p:nvSpPr>
+          <p:cNvPr id="3" name="Notes Placeholder 2"/>
+          <p:cNvSpPr>
+            <a:spLocks noGrp="1"/>
+          </p:cNvSpPr>
+          <p:nvPr>
+            <p:ph type="body" idx="1"/>
+          </p:nvPr>
+        </p:nvSpPr>
+        <p:spPr/>
+        <p:txBody>
+          <a:bodyPr/>
+          <a:lstStyle/>
+          <a:p>
+            <a:endParaRPr lang="es-CO" sz="1200" b="0" i="0" dirty="0">
+              <a:solidFill>
+                <a:srgbClr val="24292F"/>
+              </a:solidFill>
+              <a:effectLst/>
+              <a:latin typeface="-apple-system"/>
+              <a:cs typeface="Segoe UI Light" panose="020B0502040204020203" pitchFamily="34" charset="0"/>
+            </a:endParaRPr>
+          </a:p>
+        </p:txBody>
+      </p:sp>
+      <p:sp>
+        <p:nvSpPr>
+          <p:cNvPr id="4" name="Slide Number Placeholder 3"/>
+          <p:cNvSpPr>
+            <a:spLocks noGrp="1"/>
+          </p:cNvSpPr>
+          <p:nvPr>
+            <p:ph type="sldNum" sz="quarter" idx="5"/>
+          </p:nvPr>
+        </p:nvSpPr>
+        <p:spPr/>
+        <p:txBody>
+          <a:bodyPr/>
+          <a:lstStyle/>
+          <a:p>
+            <a:pPr rtl="0"/>
+            <a:fld id="{810E1E9A-E921-4174-A0FC-51868D7AC568}" type="slidenum">
+              <a:rPr lang="es-ES" noProof="0" smtClean="0"/>
+              <a:t>3</a:t>
+            </a:fld>
+            <a:endParaRPr lang="es-ES" noProof="0" dirty="0"/>
+          </a:p>
+        </p:txBody>
+      </p:sp>
+    </p:spTree>
+    <p:extLst>
+      <p:ext uri="{BB962C8B-B14F-4D97-AF65-F5344CB8AC3E}">
+        <p14:creationId xmlns:p14="http://schemas.microsoft.com/office/powerpoint/2010/main" val="3690597260"/>
+      </p:ext>
+    </p:extLst>
+  </p:cSld>
+  <p:clrMapOvr>
+    <a:masterClrMapping/>
+  </p:clrMapOvr>
+</p:notes>
 </file>
 
 <file path=ppt/slideLayouts/slideLayout1.xml><?xml version="1.0" encoding="utf-8"?>
@@ -488,13 +1033,7 @@
       </p:grpSpPr>
       <p:sp>
         <p:nvSpPr>
-          <p:cNvPr id="2" name="Título 1">
-            <a:extLst>
-              <a:ext uri="{FF2B5EF4-FFF2-40B4-BE49-F238E27FC236}">
-                <a16:creationId xmlns:a16="http://schemas.microsoft.com/office/drawing/2014/main" id="{314D079F-9CBD-C115-C95A-CE045AC3B5CE}"/>
-              </a:ext>
-            </a:extLst>
-          </p:cNvPr>
+          <p:cNvPr id="2" name="Title 1"/>
           <p:cNvSpPr>
             <a:spLocks noGrp="1"/>
           </p:cNvSpPr>
@@ -520,19 +1059,13 @@
               <a:rPr lang="es-ES"/>
               <a:t>Haga clic para modificar el estilo de título del patrón</a:t>
             </a:r>
-            <a:endParaRPr lang="en-US"/>
-          </a:p>
-        </p:txBody>
-      </p:sp>
-      <p:sp>
-        <p:nvSpPr>
-          <p:cNvPr id="3" name="Subtítulo 2">
-            <a:extLst>
-              <a:ext uri="{FF2B5EF4-FFF2-40B4-BE49-F238E27FC236}">
-                <a16:creationId xmlns:a16="http://schemas.microsoft.com/office/drawing/2014/main" id="{7C27FA5A-808D-3285-3559-A2C069398A67}"/>
-              </a:ext>
-            </a:extLst>
-          </p:cNvPr>
+            <a:endParaRPr lang="en-US" dirty="0"/>
+          </a:p>
+        </p:txBody>
+      </p:sp>
+      <p:sp>
+        <p:nvSpPr>
+          <p:cNvPr id="3" name="Subtitle 2"/>
           <p:cNvSpPr>
             <a:spLocks noGrp="1"/>
           </p:cNvSpPr>
@@ -542,8 +1075,8 @@
         </p:nvSpPr>
         <p:spPr>
           <a:xfrm>
-            <a:off x="1524000" y="3602038"/>
-            <a:ext cx="9144000" cy="1655762"/>
+            <a:off x="1524000" y="3602037"/>
+            <a:ext cx="9144000" cy="1655763"/>
           </a:xfrm>
         </p:spPr>
         <p:txBody>
@@ -553,35 +1086,35 @@
               <a:buNone/>
               <a:defRPr sz="2400"/>
             </a:lvl1pPr>
-            <a:lvl2pPr marL="457200" indent="0" algn="ctr">
+            <a:lvl2pPr marL="457189" indent="0" algn="ctr">
               <a:buNone/>
               <a:defRPr sz="2000"/>
             </a:lvl2pPr>
-            <a:lvl3pPr marL="914400" indent="0" algn="ctr">
+            <a:lvl3pPr marL="914377" indent="0" algn="ctr">
               <a:buNone/>
               <a:defRPr sz="1800"/>
             </a:lvl3pPr>
-            <a:lvl4pPr marL="1371600" indent="0" algn="ctr">
+            <a:lvl4pPr marL="1371566" indent="0" algn="ctr">
               <a:buNone/>
               <a:defRPr sz="1600"/>
             </a:lvl4pPr>
-            <a:lvl5pPr marL="1828800" indent="0" algn="ctr">
+            <a:lvl5pPr marL="1828754" indent="0" algn="ctr">
               <a:buNone/>
               <a:defRPr sz="1600"/>
             </a:lvl5pPr>
-            <a:lvl6pPr marL="2286000" indent="0" algn="ctr">
+            <a:lvl6pPr marL="2285943" indent="0" algn="ctr">
               <a:buNone/>
               <a:defRPr sz="1600"/>
             </a:lvl6pPr>
-            <a:lvl7pPr marL="2743200" indent="0" algn="ctr">
+            <a:lvl7pPr marL="2743131" indent="0" algn="ctr">
               <a:buNone/>
               <a:defRPr sz="1600"/>
             </a:lvl7pPr>
-            <a:lvl8pPr marL="3200400" indent="0" algn="ctr">
+            <a:lvl8pPr marL="3200320" indent="0" algn="ctr">
               <a:buNone/>
               <a:defRPr sz="1600"/>
             </a:lvl8pPr>
-            <a:lvl9pPr marL="3657600" indent="0" algn="ctr">
+            <a:lvl9pPr marL="3657509" indent="0" algn="ctr">
               <a:buNone/>
               <a:defRPr sz="1600"/>
             </a:lvl9pPr>
@@ -591,19 +1124,13 @@
               <a:rPr lang="es-ES"/>
               <a:t>Haga clic para modificar el estilo de subtítulo del patrón</a:t>
             </a:r>
-            <a:endParaRPr lang="en-US"/>
-          </a:p>
-        </p:txBody>
-      </p:sp>
-      <p:sp>
-        <p:nvSpPr>
-          <p:cNvPr id="4" name="Marcador de fecha 3">
-            <a:extLst>
-              <a:ext uri="{FF2B5EF4-FFF2-40B4-BE49-F238E27FC236}">
-                <a16:creationId xmlns:a16="http://schemas.microsoft.com/office/drawing/2014/main" id="{3DFA879B-384B-3131-E9B8-B9EC16A6C3D5}"/>
-              </a:ext>
-            </a:extLst>
-          </p:cNvPr>
+            <a:endParaRPr lang="en-US" dirty="0"/>
+          </a:p>
+        </p:txBody>
+      </p:sp>
+      <p:sp>
+        <p:nvSpPr>
+          <p:cNvPr id="4" name="Date Placeholder 3"/>
           <p:cNvSpPr>
             <a:spLocks noGrp="1"/>
           </p:cNvSpPr>
@@ -616,23 +1143,18 @@
           <a:bodyPr/>
           <a:lstStyle/>
           <a:p>
-            <a:fld id="{1D34F2E3-3545-4AD3-A31E-9231ACC12138}" type="datetimeFigureOut">
-              <a:rPr lang="en-US" smtClean="0"/>
-              <a:t>12/5/2022</a:t>
+            <a:pPr rtl="0"/>
+            <a:fld id="{95732FF5-B762-47CF-A667-C95E437C256E}" type="datetime1">
+              <a:rPr lang="es-ES" noProof="0" smtClean="0"/>
+              <a:t>20/01/2023</a:t>
             </a:fld>
-            <a:endParaRPr lang="en-US"/>
-          </a:p>
-        </p:txBody>
-      </p:sp>
-      <p:sp>
-        <p:nvSpPr>
-          <p:cNvPr id="5" name="Marcador de pie de página 4">
-            <a:extLst>
-              <a:ext uri="{FF2B5EF4-FFF2-40B4-BE49-F238E27FC236}">
-                <a16:creationId xmlns:a16="http://schemas.microsoft.com/office/drawing/2014/main" id="{12541B54-39E3-3597-5D33-8DA55B32915D}"/>
-              </a:ext>
-            </a:extLst>
-          </p:cNvPr>
+            <a:endParaRPr lang="es-ES" noProof="0" dirty="0"/>
+          </a:p>
+        </p:txBody>
+      </p:sp>
+      <p:sp>
+        <p:nvSpPr>
+          <p:cNvPr id="5" name="Footer Placeholder 4"/>
           <p:cNvSpPr>
             <a:spLocks noGrp="1"/>
           </p:cNvSpPr>
@@ -645,19 +1167,18 @@
           <a:bodyPr/>
           <a:lstStyle/>
           <a:p>
-            <a:endParaRPr lang="en-US"/>
-          </a:p>
-        </p:txBody>
-      </p:sp>
-      <p:sp>
-        <p:nvSpPr>
-          <p:cNvPr id="6" name="Marcador de número de diapositiva 5">
-            <a:extLst>
-              <a:ext uri="{FF2B5EF4-FFF2-40B4-BE49-F238E27FC236}">
-                <a16:creationId xmlns:a16="http://schemas.microsoft.com/office/drawing/2014/main" id="{80E75357-9DCD-2988-4A8B-C1517BD2CB33}"/>
-              </a:ext>
-            </a:extLst>
-          </p:cNvPr>
+            <a:pPr rtl="0"/>
+            <a:r>
+              <a:rPr lang="es-ES" noProof="0"/>
+              <a:t>Agregar un pie de página</a:t>
+            </a:r>
+            <a:endParaRPr lang="es-ES" noProof="0" dirty="0"/>
+          </a:p>
+        </p:txBody>
+      </p:sp>
+      <p:sp>
+        <p:nvSpPr>
+          <p:cNvPr id="6" name="Slide Number Placeholder 5"/>
           <p:cNvSpPr>
             <a:spLocks noGrp="1"/>
           </p:cNvSpPr>
@@ -670,24 +1191,37 @@
           <a:bodyPr/>
           <a:lstStyle/>
           <a:p>
-            <a:fld id="{D1C87DC4-5DE9-4148-B016-2EF5AD9E5B24}" type="slidenum">
-              <a:rPr lang="en-US" smtClean="0"/>
+            <a:pPr rtl="0"/>
+            <a:fld id="{71B7BAC7-FE87-40F6-AA24-4F4685D1B022}" type="slidenum">
+              <a:rPr lang="es-ES" noProof="0" smtClean="0"/>
               <a:t>‹Nº›</a:t>
             </a:fld>
-            <a:endParaRPr lang="en-US"/>
+            <a:endParaRPr lang="es-ES" noProof="0" dirty="0"/>
           </a:p>
         </p:txBody>
       </p:sp>
     </p:spTree>
     <p:extLst>
       <p:ext uri="{BB962C8B-B14F-4D97-AF65-F5344CB8AC3E}">
-        <p14:creationId xmlns:p14="http://schemas.microsoft.com/office/powerpoint/2010/main" val="1293340848"/>
+        <p14:creationId xmlns:p14="http://schemas.microsoft.com/office/powerpoint/2010/main" val="3292397555"/>
       </p:ext>
     </p:extLst>
   </p:cSld>
   <p:clrMapOvr>
     <a:masterClrMapping/>
   </p:clrMapOvr>
+  <mc:AlternateContent xmlns:mc="http://schemas.openxmlformats.org/markup-compatibility/2006" xmlns:p14="http://schemas.microsoft.com/office/powerpoint/2010/main">
+    <mc:Choice Requires="p14">
+      <p:transition spd="med" p14:dur="700">
+        <p:fade/>
+      </p:transition>
+    </mc:Choice>
+    <mc:Fallback xmlns="">
+      <p:transition spd="med">
+        <p:fade/>
+      </p:transition>
+    </mc:Fallback>
+  </mc:AlternateContent>
 </p:sldLayout>
 </file>
 
@@ -710,13 +1244,7 @@
       </p:grpSpPr>
       <p:sp>
         <p:nvSpPr>
-          <p:cNvPr id="2" name="Título 1">
-            <a:extLst>
-              <a:ext uri="{FF2B5EF4-FFF2-40B4-BE49-F238E27FC236}">
-                <a16:creationId xmlns:a16="http://schemas.microsoft.com/office/drawing/2014/main" id="{A0A0C413-90F9-08D9-7079-1725DD4ED1B7}"/>
-              </a:ext>
-            </a:extLst>
-          </p:cNvPr>
+          <p:cNvPr id="2" name="Title 1"/>
           <p:cNvSpPr>
             <a:spLocks noGrp="1"/>
           </p:cNvSpPr>
@@ -733,19 +1261,13 @@
               <a:rPr lang="es-ES"/>
               <a:t>Haga clic para modificar el estilo de título del patrón</a:t>
             </a:r>
-            <a:endParaRPr lang="en-US"/>
-          </a:p>
-        </p:txBody>
-      </p:sp>
-      <p:sp>
-        <p:nvSpPr>
-          <p:cNvPr id="3" name="Marcador de texto vertical 2">
-            <a:extLst>
-              <a:ext uri="{FF2B5EF4-FFF2-40B4-BE49-F238E27FC236}">
-                <a16:creationId xmlns:a16="http://schemas.microsoft.com/office/drawing/2014/main" id="{387DD7F1-D718-AA4D-7703-74F7BC493E8B}"/>
-              </a:ext>
-            </a:extLst>
-          </p:cNvPr>
+            <a:endParaRPr lang="en-US" dirty="0"/>
+          </a:p>
+        </p:txBody>
+      </p:sp>
+      <p:sp>
+        <p:nvSpPr>
+          <p:cNvPr id="3" name="Vertical Text Placeholder 2"/>
           <p:cNvSpPr>
             <a:spLocks noGrp="1"/>
           </p:cNvSpPr>
@@ -791,19 +1313,13 @@
               <a:rPr lang="es-ES"/>
               <a:t>Quinto nivel</a:t>
             </a:r>
-            <a:endParaRPr lang="en-US"/>
-          </a:p>
-        </p:txBody>
-      </p:sp>
-      <p:sp>
-        <p:nvSpPr>
-          <p:cNvPr id="4" name="Marcador de fecha 3">
-            <a:extLst>
-              <a:ext uri="{FF2B5EF4-FFF2-40B4-BE49-F238E27FC236}">
-                <a16:creationId xmlns:a16="http://schemas.microsoft.com/office/drawing/2014/main" id="{A5928168-DE55-C99A-D03A-873013282860}"/>
-              </a:ext>
-            </a:extLst>
-          </p:cNvPr>
+            <a:endParaRPr lang="en-US" dirty="0"/>
+          </a:p>
+        </p:txBody>
+      </p:sp>
+      <p:sp>
+        <p:nvSpPr>
+          <p:cNvPr id="4" name="Date Placeholder 3"/>
           <p:cNvSpPr>
             <a:spLocks noGrp="1"/>
           </p:cNvSpPr>
@@ -816,23 +1332,18 @@
           <a:bodyPr/>
           <a:lstStyle/>
           <a:p>
-            <a:fld id="{1D34F2E3-3545-4AD3-A31E-9231ACC12138}" type="datetimeFigureOut">
-              <a:rPr lang="en-US" smtClean="0"/>
-              <a:t>12/5/2022</a:t>
+            <a:pPr rtl="0"/>
+            <a:fld id="{3DDDD12C-A2E5-4D32-A8D5-4FBA4A9916EE}" type="datetime1">
+              <a:rPr lang="es-ES" noProof="0" smtClean="0"/>
+              <a:t>20/01/2023</a:t>
             </a:fld>
-            <a:endParaRPr lang="en-US"/>
-          </a:p>
-        </p:txBody>
-      </p:sp>
-      <p:sp>
-        <p:nvSpPr>
-          <p:cNvPr id="5" name="Marcador de pie de página 4">
-            <a:extLst>
-              <a:ext uri="{FF2B5EF4-FFF2-40B4-BE49-F238E27FC236}">
-                <a16:creationId xmlns:a16="http://schemas.microsoft.com/office/drawing/2014/main" id="{F2AED0AD-5C26-F370-6C44-CF9252DE9274}"/>
-              </a:ext>
-            </a:extLst>
-          </p:cNvPr>
+            <a:endParaRPr lang="es-ES" noProof="0" dirty="0"/>
+          </a:p>
+        </p:txBody>
+      </p:sp>
+      <p:sp>
+        <p:nvSpPr>
+          <p:cNvPr id="5" name="Footer Placeholder 4"/>
           <p:cNvSpPr>
             <a:spLocks noGrp="1"/>
           </p:cNvSpPr>
@@ -845,19 +1356,18 @@
           <a:bodyPr/>
           <a:lstStyle/>
           <a:p>
-            <a:endParaRPr lang="en-US"/>
-          </a:p>
-        </p:txBody>
-      </p:sp>
-      <p:sp>
-        <p:nvSpPr>
-          <p:cNvPr id="6" name="Marcador de número de diapositiva 5">
-            <a:extLst>
-              <a:ext uri="{FF2B5EF4-FFF2-40B4-BE49-F238E27FC236}">
-                <a16:creationId xmlns:a16="http://schemas.microsoft.com/office/drawing/2014/main" id="{06D7CDC8-3010-F63C-F3F9-9E2180DCAB3E}"/>
-              </a:ext>
-            </a:extLst>
-          </p:cNvPr>
+            <a:pPr rtl="0"/>
+            <a:r>
+              <a:rPr lang="es-ES" noProof="0"/>
+              <a:t>Agregar un pie de página</a:t>
+            </a:r>
+            <a:endParaRPr lang="es-ES" noProof="0" dirty="0"/>
+          </a:p>
+        </p:txBody>
+      </p:sp>
+      <p:sp>
+        <p:nvSpPr>
+          <p:cNvPr id="6" name="Slide Number Placeholder 5"/>
           <p:cNvSpPr>
             <a:spLocks noGrp="1"/>
           </p:cNvSpPr>
@@ -870,24 +1380,27 @@
           <a:bodyPr/>
           <a:lstStyle/>
           <a:p>
-            <a:fld id="{D1C87DC4-5DE9-4148-B016-2EF5AD9E5B24}" type="slidenum">
-              <a:rPr lang="en-US" smtClean="0"/>
+            <a:pPr rtl="0"/>
+            <a:fld id="{71B7BAC7-FE87-40F6-AA24-4F4685D1B022}" type="slidenum">
+              <a:rPr lang="es-ES" noProof="0" smtClean="0"/>
+              <a:pPr rtl="0"/>
               <a:t>‹Nº›</a:t>
             </a:fld>
-            <a:endParaRPr lang="en-US"/>
+            <a:endParaRPr lang="es-ES" noProof="0" dirty="0"/>
           </a:p>
         </p:txBody>
       </p:sp>
     </p:spTree>
     <p:extLst>
       <p:ext uri="{BB962C8B-B14F-4D97-AF65-F5344CB8AC3E}">
-        <p14:creationId xmlns:p14="http://schemas.microsoft.com/office/powerpoint/2010/main" val="2100038759"/>
+        <p14:creationId xmlns:p14="http://schemas.microsoft.com/office/powerpoint/2010/main" val="1875724714"/>
       </p:ext>
     </p:extLst>
   </p:cSld>
   <p:clrMapOvr>
     <a:masterClrMapping/>
   </p:clrMapOvr>
+  <p:hf sldNum="0" hdr="0" ftr="0" dt="0"/>
 </p:sldLayout>
 </file>
 
@@ -910,13 +1423,7 @@
       </p:grpSpPr>
       <p:sp>
         <p:nvSpPr>
-          <p:cNvPr id="2" name="Título vertical 1">
-            <a:extLst>
-              <a:ext uri="{FF2B5EF4-FFF2-40B4-BE49-F238E27FC236}">
-                <a16:creationId xmlns:a16="http://schemas.microsoft.com/office/drawing/2014/main" id="{D6C7ADE9-9A1C-57ED-2171-4A620A011C53}"/>
-              </a:ext>
-            </a:extLst>
-          </p:cNvPr>
+          <p:cNvPr id="2" name="Vertical Title 1"/>
           <p:cNvSpPr>
             <a:spLocks noGrp="1"/>
           </p:cNvSpPr>
@@ -926,8 +1433,8 @@
         </p:nvSpPr>
         <p:spPr>
           <a:xfrm>
-            <a:off x="8724900" y="365125"/>
-            <a:ext cx="2628900" cy="5811838"/>
+            <a:off x="8724901" y="365126"/>
+            <a:ext cx="2628900" cy="5811839"/>
           </a:xfrm>
         </p:spPr>
         <p:txBody>
@@ -938,19 +1445,13 @@
               <a:rPr lang="es-ES"/>
               <a:t>Haga clic para modificar el estilo de título del patrón</a:t>
             </a:r>
-            <a:endParaRPr lang="en-US"/>
-          </a:p>
-        </p:txBody>
-      </p:sp>
-      <p:sp>
-        <p:nvSpPr>
-          <p:cNvPr id="3" name="Marcador de texto vertical 2">
-            <a:extLst>
-              <a:ext uri="{FF2B5EF4-FFF2-40B4-BE49-F238E27FC236}">
-                <a16:creationId xmlns:a16="http://schemas.microsoft.com/office/drawing/2014/main" id="{3DECEB99-D9E2-B668-665D-3399F9981B78}"/>
-              </a:ext>
-            </a:extLst>
-          </p:cNvPr>
+            <a:endParaRPr lang="en-US" dirty="0"/>
+          </a:p>
+        </p:txBody>
+      </p:sp>
+      <p:sp>
+        <p:nvSpPr>
+          <p:cNvPr id="3" name="Vertical Text Placeholder 2"/>
           <p:cNvSpPr>
             <a:spLocks noGrp="1"/>
           </p:cNvSpPr>
@@ -960,8 +1461,8 @@
         </p:nvSpPr>
         <p:spPr>
           <a:xfrm>
-            <a:off x="838200" y="365125"/>
-            <a:ext cx="7734300" cy="5811838"/>
+            <a:off x="838201" y="365126"/>
+            <a:ext cx="7734300" cy="5811839"/>
           </a:xfrm>
         </p:spPr>
         <p:txBody>
@@ -1001,19 +1502,13 @@
               <a:rPr lang="es-ES"/>
               <a:t>Quinto nivel</a:t>
             </a:r>
-            <a:endParaRPr lang="en-US"/>
-          </a:p>
-        </p:txBody>
-      </p:sp>
-      <p:sp>
-        <p:nvSpPr>
-          <p:cNvPr id="4" name="Marcador de fecha 3">
-            <a:extLst>
-              <a:ext uri="{FF2B5EF4-FFF2-40B4-BE49-F238E27FC236}">
-                <a16:creationId xmlns:a16="http://schemas.microsoft.com/office/drawing/2014/main" id="{DD9C35F1-1305-5F9E-20E6-985E1073C52A}"/>
-              </a:ext>
-            </a:extLst>
-          </p:cNvPr>
+            <a:endParaRPr lang="en-US" dirty="0"/>
+          </a:p>
+        </p:txBody>
+      </p:sp>
+      <p:sp>
+        <p:nvSpPr>
+          <p:cNvPr id="4" name="Date Placeholder 3"/>
           <p:cNvSpPr>
             <a:spLocks noGrp="1"/>
           </p:cNvSpPr>
@@ -1026,23 +1521,18 @@
           <a:bodyPr/>
           <a:lstStyle/>
           <a:p>
-            <a:fld id="{1D34F2E3-3545-4AD3-A31E-9231ACC12138}" type="datetimeFigureOut">
-              <a:rPr lang="en-US" smtClean="0"/>
-              <a:t>12/5/2022</a:t>
+            <a:pPr rtl="0"/>
+            <a:fld id="{3DDDD12C-A2E5-4D32-A8D5-4FBA4A9916EE}" type="datetime1">
+              <a:rPr lang="es-ES" noProof="0" smtClean="0"/>
+              <a:t>20/01/2023</a:t>
             </a:fld>
-            <a:endParaRPr lang="en-US"/>
-          </a:p>
-        </p:txBody>
-      </p:sp>
-      <p:sp>
-        <p:nvSpPr>
-          <p:cNvPr id="5" name="Marcador de pie de página 4">
-            <a:extLst>
-              <a:ext uri="{FF2B5EF4-FFF2-40B4-BE49-F238E27FC236}">
-                <a16:creationId xmlns:a16="http://schemas.microsoft.com/office/drawing/2014/main" id="{7E078728-9DA0-A44D-4D16-53A746CCAEE3}"/>
-              </a:ext>
-            </a:extLst>
-          </p:cNvPr>
+            <a:endParaRPr lang="es-ES" noProof="0" dirty="0"/>
+          </a:p>
+        </p:txBody>
+      </p:sp>
+      <p:sp>
+        <p:nvSpPr>
+          <p:cNvPr id="5" name="Footer Placeholder 4"/>
           <p:cNvSpPr>
             <a:spLocks noGrp="1"/>
           </p:cNvSpPr>
@@ -1055,19 +1545,18 @@
           <a:bodyPr/>
           <a:lstStyle/>
           <a:p>
-            <a:endParaRPr lang="en-US"/>
-          </a:p>
-        </p:txBody>
-      </p:sp>
-      <p:sp>
-        <p:nvSpPr>
-          <p:cNvPr id="6" name="Marcador de número de diapositiva 5">
-            <a:extLst>
-              <a:ext uri="{FF2B5EF4-FFF2-40B4-BE49-F238E27FC236}">
-                <a16:creationId xmlns:a16="http://schemas.microsoft.com/office/drawing/2014/main" id="{CD4C23C8-F2D6-0FE1-C1AF-BC0D88741A04}"/>
-              </a:ext>
-            </a:extLst>
-          </p:cNvPr>
+            <a:pPr rtl="0"/>
+            <a:r>
+              <a:rPr lang="es-ES" noProof="0"/>
+              <a:t>Agregar un pie de página</a:t>
+            </a:r>
+            <a:endParaRPr lang="es-ES" noProof="0" dirty="0"/>
+          </a:p>
+        </p:txBody>
+      </p:sp>
+      <p:sp>
+        <p:nvSpPr>
+          <p:cNvPr id="6" name="Slide Number Placeholder 5"/>
           <p:cNvSpPr>
             <a:spLocks noGrp="1"/>
           </p:cNvSpPr>
@@ -1080,24 +1569,304 @@
           <a:bodyPr/>
           <a:lstStyle/>
           <a:p>
-            <a:fld id="{D1C87DC4-5DE9-4148-B016-2EF5AD9E5B24}" type="slidenum">
-              <a:rPr lang="en-US" smtClean="0"/>
+            <a:pPr rtl="0"/>
+            <a:fld id="{71B7BAC7-FE87-40F6-AA24-4F4685D1B022}" type="slidenum">
+              <a:rPr lang="es-ES" noProof="0" smtClean="0"/>
+              <a:pPr rtl="0"/>
               <a:t>‹Nº›</a:t>
             </a:fld>
-            <a:endParaRPr lang="en-US"/>
+            <a:endParaRPr lang="es-ES" noProof="0" dirty="0"/>
           </a:p>
         </p:txBody>
       </p:sp>
     </p:spTree>
     <p:extLst>
       <p:ext uri="{BB962C8B-B14F-4D97-AF65-F5344CB8AC3E}">
-        <p14:creationId xmlns:p14="http://schemas.microsoft.com/office/powerpoint/2010/main" val="2390737418"/>
+        <p14:creationId xmlns:p14="http://schemas.microsoft.com/office/powerpoint/2010/main" val="1858931708"/>
       </p:ext>
     </p:extLst>
   </p:cSld>
   <p:clrMapOvr>
     <a:masterClrMapping/>
   </p:clrMapOvr>
+  <p:hf sldNum="0" hdr="0" ftr="0" dt="0"/>
+</p:sldLayout>
+</file>
+
+<file path=ppt/slideLayouts/slideLayout12.xml><?xml version="1.0" encoding="utf-8"?>
+<p:sldLayout xmlns:a="http://schemas.openxmlformats.org/drawingml/2006/main" xmlns:r="http://schemas.openxmlformats.org/officeDocument/2006/relationships" xmlns:p="http://schemas.openxmlformats.org/presentationml/2006/main" preserve="1" userDrawn="1">
+  <p:cSld name="1_Imagen con leyenda">
+    <p:spTree>
+      <p:nvGrpSpPr>
+        <p:cNvPr id="1" name=""/>
+        <p:cNvGrpSpPr/>
+        <p:nvPr/>
+      </p:nvGrpSpPr>
+      <p:grpSpPr>
+        <a:xfrm>
+          <a:off x="0" y="0"/>
+          <a:ext cx="0" cy="0"/>
+          <a:chOff x="0" y="0"/>
+          <a:chExt cx="0" cy="0"/>
+        </a:xfrm>
+      </p:grpSpPr>
+      <p:sp>
+        <p:nvSpPr>
+          <p:cNvPr id="9" name="Título 1"/>
+          <p:cNvSpPr>
+            <a:spLocks noGrp="1"/>
+          </p:cNvSpPr>
+          <p:nvPr>
+            <p:ph type="title"/>
+          </p:nvPr>
+        </p:nvSpPr>
+        <p:spPr>
+          <a:xfrm>
+            <a:off x="1562100" y="457200"/>
+            <a:ext cx="3932237" cy="1600200"/>
+          </a:xfrm>
+        </p:spPr>
+        <p:txBody>
+          <a:bodyPr rtlCol="0" anchor="b"/>
+          <a:lstStyle>
+            <a:lvl1pPr rtl="0">
+              <a:defRPr sz="3200"/>
+            </a:lvl1pPr>
+          </a:lstStyle>
+          <a:p>
+            <a:pPr rtl="0"/>
+            <a:r>
+              <a:rPr lang="es-ES" noProof="0"/>
+              <a:t>Haga clic para modificar el estilo de título del patrón</a:t>
+            </a:r>
+            <a:endParaRPr lang="es-ES" noProof="0" dirty="0"/>
+          </a:p>
+        </p:txBody>
+      </p:sp>
+      <p:sp>
+        <p:nvSpPr>
+          <p:cNvPr id="3" name="Marcador de posición de imagen 2" descr="Marcador de posición vacío para agregar una imagen. Haga clic en el marcador de posición y seleccione la imagen que desee agregar"/>
+          <p:cNvSpPr>
+            <a:spLocks noGrp="1"/>
+          </p:cNvSpPr>
+          <p:nvPr>
+            <p:ph type="pic" idx="1"/>
+          </p:nvPr>
+        </p:nvSpPr>
+        <p:spPr>
+          <a:xfrm>
+            <a:off x="5678904" y="987426"/>
+            <a:ext cx="5678424" cy="4873625"/>
+          </a:xfrm>
+        </p:spPr>
+        <p:txBody>
+          <a:bodyPr rtlCol="0"/>
+          <a:lstStyle>
+            <a:lvl1pPr marL="0" indent="0">
+              <a:buNone/>
+              <a:defRPr sz="3200"/>
+            </a:lvl1pPr>
+            <a:lvl2pPr marL="457189" indent="0">
+              <a:buNone/>
+              <a:defRPr sz="2800"/>
+            </a:lvl2pPr>
+            <a:lvl3pPr marL="914377" indent="0">
+              <a:buNone/>
+              <a:defRPr sz="2400"/>
+            </a:lvl3pPr>
+            <a:lvl4pPr marL="1371566" indent="0">
+              <a:buNone/>
+              <a:defRPr sz="2000"/>
+            </a:lvl4pPr>
+            <a:lvl5pPr marL="1828754" indent="0">
+              <a:buNone/>
+              <a:defRPr sz="2000"/>
+            </a:lvl5pPr>
+            <a:lvl6pPr marL="2285943" indent="0">
+              <a:buNone/>
+              <a:defRPr sz="2000"/>
+            </a:lvl6pPr>
+            <a:lvl7pPr marL="2743131" indent="0">
+              <a:buNone/>
+              <a:defRPr sz="2000"/>
+            </a:lvl7pPr>
+            <a:lvl8pPr marL="3200320" indent="0">
+              <a:buNone/>
+              <a:defRPr sz="2000"/>
+            </a:lvl8pPr>
+            <a:lvl9pPr marL="3657509" indent="0">
+              <a:buNone/>
+              <a:defRPr sz="2000"/>
+            </a:lvl9pPr>
+          </a:lstStyle>
+          <a:p>
+            <a:pPr rtl="0"/>
+            <a:r>
+              <a:rPr lang="es-ES" noProof="0"/>
+              <a:t>Haga clic en el icono para agregar una imagen</a:t>
+            </a:r>
+            <a:endParaRPr lang="es-ES" noProof="0" dirty="0"/>
+          </a:p>
+        </p:txBody>
+      </p:sp>
+      <p:sp>
+        <p:nvSpPr>
+          <p:cNvPr id="8" name="Marcador de posición de texto 3"/>
+          <p:cNvSpPr>
+            <a:spLocks noGrp="1"/>
+          </p:cNvSpPr>
+          <p:nvPr>
+            <p:ph type="body" sz="half" idx="2"/>
+          </p:nvPr>
+        </p:nvSpPr>
+        <p:spPr>
+          <a:xfrm>
+            <a:off x="1562100" y="2101851"/>
+            <a:ext cx="3932237" cy="3759200"/>
+          </a:xfrm>
+        </p:spPr>
+        <p:txBody>
+          <a:bodyPr rtlCol="0"/>
+          <a:lstStyle>
+            <a:lvl1pPr marL="0" indent="0" rtl="0">
+              <a:buNone/>
+              <a:defRPr sz="1600"/>
+            </a:lvl1pPr>
+            <a:lvl2pPr marL="457189" indent="0">
+              <a:buNone/>
+              <a:defRPr sz="1400"/>
+            </a:lvl2pPr>
+            <a:lvl3pPr marL="914377" indent="0">
+              <a:buNone/>
+              <a:defRPr sz="1200"/>
+            </a:lvl3pPr>
+            <a:lvl4pPr marL="1371566" indent="0">
+              <a:buNone/>
+              <a:defRPr sz="1000"/>
+            </a:lvl4pPr>
+            <a:lvl5pPr marL="1828754" indent="0">
+              <a:buNone/>
+              <a:defRPr sz="1000"/>
+            </a:lvl5pPr>
+            <a:lvl6pPr marL="2285943" indent="0">
+              <a:buNone/>
+              <a:defRPr sz="1000"/>
+            </a:lvl6pPr>
+            <a:lvl7pPr marL="2743131" indent="0">
+              <a:buNone/>
+              <a:defRPr sz="1000"/>
+            </a:lvl7pPr>
+            <a:lvl8pPr marL="3200320" indent="0">
+              <a:buNone/>
+              <a:defRPr sz="1000"/>
+            </a:lvl8pPr>
+            <a:lvl9pPr marL="3657509" indent="0">
+              <a:buNone/>
+              <a:defRPr sz="1000"/>
+            </a:lvl9pPr>
+          </a:lstStyle>
+          <a:p>
+            <a:pPr lvl="0" rtl="0"/>
+            <a:r>
+              <a:rPr lang="es-ES" noProof="0"/>
+              <a:t>Haga clic para modificar los estilos de texto del patrón</a:t>
+            </a:r>
+          </a:p>
+        </p:txBody>
+      </p:sp>
+      <p:sp>
+        <p:nvSpPr>
+          <p:cNvPr id="5" name="Marcador de posición de fecha 4"/>
+          <p:cNvSpPr>
+            <a:spLocks noGrp="1"/>
+          </p:cNvSpPr>
+          <p:nvPr>
+            <p:ph type="dt" sz="half" idx="10"/>
+          </p:nvPr>
+        </p:nvSpPr>
+        <p:spPr/>
+        <p:txBody>
+          <a:bodyPr rtlCol="0"/>
+          <a:lstStyle/>
+          <a:p>
+            <a:pPr rtl="0"/>
+            <a:fld id="{50407472-54D5-485E-8ACB-6D04E47D95CF}" type="datetime1">
+              <a:rPr lang="es-ES" noProof="0" smtClean="0"/>
+              <a:t>20/01/2023</a:t>
+            </a:fld>
+            <a:endParaRPr lang="es-ES" noProof="0" dirty="0"/>
+          </a:p>
+        </p:txBody>
+      </p:sp>
+      <p:sp>
+        <p:nvSpPr>
+          <p:cNvPr id="6" name="Marcador de posición de pie de página 5"/>
+          <p:cNvSpPr>
+            <a:spLocks noGrp="1"/>
+          </p:cNvSpPr>
+          <p:nvPr>
+            <p:ph type="ftr" sz="quarter" idx="11"/>
+          </p:nvPr>
+        </p:nvSpPr>
+        <p:spPr/>
+        <p:txBody>
+          <a:bodyPr rtlCol="0"/>
+          <a:lstStyle/>
+          <a:p>
+            <a:pPr rtl="0"/>
+            <a:r>
+              <a:rPr lang="es-ES" noProof="0" dirty="0"/>
+              <a:t>Agregar un pie de página</a:t>
+            </a:r>
+          </a:p>
+        </p:txBody>
+      </p:sp>
+      <p:sp>
+        <p:nvSpPr>
+          <p:cNvPr id="7" name="Marcador de número de diapositiva 6"/>
+          <p:cNvSpPr>
+            <a:spLocks noGrp="1"/>
+          </p:cNvSpPr>
+          <p:nvPr>
+            <p:ph type="sldNum" sz="quarter" idx="12"/>
+          </p:nvPr>
+        </p:nvSpPr>
+        <p:spPr/>
+        <p:txBody>
+          <a:bodyPr rtlCol="0"/>
+          <a:lstStyle/>
+          <a:p>
+            <a:pPr rtl="0"/>
+            <a:fld id="{71B7BAC7-FE87-40F6-AA24-4F4685D1B022}" type="slidenum">
+              <a:rPr lang="es-ES" noProof="0" smtClean="0"/>
+              <a:t>‹Nº›</a:t>
+            </a:fld>
+            <a:endParaRPr lang="es-ES" noProof="0" dirty="0"/>
+          </a:p>
+        </p:txBody>
+      </p:sp>
+    </p:spTree>
+    <p:extLst>
+      <p:ext uri="{BB962C8B-B14F-4D97-AF65-F5344CB8AC3E}">
+        <p14:creationId xmlns:p14="http://schemas.microsoft.com/office/powerpoint/2010/main" val="3413888850"/>
+      </p:ext>
+    </p:extLst>
+  </p:cSld>
+  <p:clrMapOvr>
+    <a:masterClrMapping/>
+  </p:clrMapOvr>
+  <mc:AlternateContent xmlns:mc="http://schemas.openxmlformats.org/markup-compatibility/2006" xmlns:p14="http://schemas.microsoft.com/office/powerpoint/2010/main">
+    <mc:Choice Requires="p14">
+      <p:transition spd="med" p14:dur="700">
+        <p:fade/>
+      </p:transition>
+    </mc:Choice>
+    <mc:Fallback xmlns="">
+      <p:transition spd="med">
+        <p:fade/>
+      </p:transition>
+    </mc:Fallback>
+  </mc:AlternateContent>
 </p:sldLayout>
 </file>
 
@@ -1120,13 +1889,7 @@
       </p:grpSpPr>
       <p:sp>
         <p:nvSpPr>
-          <p:cNvPr id="2" name="Título 1">
-            <a:extLst>
-              <a:ext uri="{FF2B5EF4-FFF2-40B4-BE49-F238E27FC236}">
-                <a16:creationId xmlns:a16="http://schemas.microsoft.com/office/drawing/2014/main" id="{FDF84D53-A44C-B375-A7E7-6BC577FE3687}"/>
-              </a:ext>
-            </a:extLst>
-          </p:cNvPr>
+          <p:cNvPr id="2" name="Title 1"/>
           <p:cNvSpPr>
             <a:spLocks noGrp="1"/>
           </p:cNvSpPr>
@@ -1143,19 +1906,13 @@
               <a:rPr lang="es-ES"/>
               <a:t>Haga clic para modificar el estilo de título del patrón</a:t>
             </a:r>
-            <a:endParaRPr lang="en-US"/>
-          </a:p>
-        </p:txBody>
-      </p:sp>
-      <p:sp>
-        <p:nvSpPr>
-          <p:cNvPr id="3" name="Marcador de contenido 2">
-            <a:extLst>
-              <a:ext uri="{FF2B5EF4-FFF2-40B4-BE49-F238E27FC236}">
-                <a16:creationId xmlns:a16="http://schemas.microsoft.com/office/drawing/2014/main" id="{69F54207-06E7-2356-7508-1C4DD3D1FE9F}"/>
-              </a:ext>
-            </a:extLst>
-          </p:cNvPr>
+            <a:endParaRPr lang="en-US" dirty="0"/>
+          </a:p>
+        </p:txBody>
+      </p:sp>
+      <p:sp>
+        <p:nvSpPr>
+          <p:cNvPr id="3" name="Content Placeholder 2"/>
           <p:cNvSpPr>
             <a:spLocks noGrp="1"/>
           </p:cNvSpPr>
@@ -1201,19 +1958,13 @@
               <a:rPr lang="es-ES"/>
               <a:t>Quinto nivel</a:t>
             </a:r>
-            <a:endParaRPr lang="en-US"/>
-          </a:p>
-        </p:txBody>
-      </p:sp>
-      <p:sp>
-        <p:nvSpPr>
-          <p:cNvPr id="4" name="Marcador de fecha 3">
-            <a:extLst>
-              <a:ext uri="{FF2B5EF4-FFF2-40B4-BE49-F238E27FC236}">
-                <a16:creationId xmlns:a16="http://schemas.microsoft.com/office/drawing/2014/main" id="{84E16A0B-459A-05DA-9845-4D95A7F79724}"/>
-              </a:ext>
-            </a:extLst>
-          </p:cNvPr>
+            <a:endParaRPr lang="en-US" dirty="0"/>
+          </a:p>
+        </p:txBody>
+      </p:sp>
+      <p:sp>
+        <p:nvSpPr>
+          <p:cNvPr id="4" name="Date Placeholder 3"/>
           <p:cNvSpPr>
             <a:spLocks noGrp="1"/>
           </p:cNvSpPr>
@@ -1226,23 +1977,18 @@
           <a:bodyPr/>
           <a:lstStyle/>
           <a:p>
-            <a:fld id="{1D34F2E3-3545-4AD3-A31E-9231ACC12138}" type="datetimeFigureOut">
-              <a:rPr lang="en-US" smtClean="0"/>
-              <a:t>12/5/2022</a:t>
+            <a:pPr rtl="0"/>
+            <a:fld id="{3DDDD12C-A2E5-4D32-A8D5-4FBA4A9916EE}" type="datetime1">
+              <a:rPr lang="es-ES" noProof="0" smtClean="0"/>
+              <a:t>20/01/2023</a:t>
             </a:fld>
-            <a:endParaRPr lang="en-US"/>
-          </a:p>
-        </p:txBody>
-      </p:sp>
-      <p:sp>
-        <p:nvSpPr>
-          <p:cNvPr id="5" name="Marcador de pie de página 4">
-            <a:extLst>
-              <a:ext uri="{FF2B5EF4-FFF2-40B4-BE49-F238E27FC236}">
-                <a16:creationId xmlns:a16="http://schemas.microsoft.com/office/drawing/2014/main" id="{D4740623-4979-9356-1FD4-5F23EE343EE2}"/>
-              </a:ext>
-            </a:extLst>
-          </p:cNvPr>
+            <a:endParaRPr lang="es-ES" noProof="0" dirty="0"/>
+          </a:p>
+        </p:txBody>
+      </p:sp>
+      <p:sp>
+        <p:nvSpPr>
+          <p:cNvPr id="5" name="Footer Placeholder 4"/>
           <p:cNvSpPr>
             <a:spLocks noGrp="1"/>
           </p:cNvSpPr>
@@ -1255,19 +2001,18 @@
           <a:bodyPr/>
           <a:lstStyle/>
           <a:p>
-            <a:endParaRPr lang="en-US"/>
-          </a:p>
-        </p:txBody>
-      </p:sp>
-      <p:sp>
-        <p:nvSpPr>
-          <p:cNvPr id="6" name="Marcador de número de diapositiva 5">
-            <a:extLst>
-              <a:ext uri="{FF2B5EF4-FFF2-40B4-BE49-F238E27FC236}">
-                <a16:creationId xmlns:a16="http://schemas.microsoft.com/office/drawing/2014/main" id="{2F1BADA6-FAEF-BA1C-AEC6-491B94B9CEEB}"/>
-              </a:ext>
-            </a:extLst>
-          </p:cNvPr>
+            <a:pPr rtl="0"/>
+            <a:r>
+              <a:rPr lang="es-ES" noProof="0"/>
+              <a:t>Agregar un pie de página</a:t>
+            </a:r>
+            <a:endParaRPr lang="es-ES" noProof="0" dirty="0"/>
+          </a:p>
+        </p:txBody>
+      </p:sp>
+      <p:sp>
+        <p:nvSpPr>
+          <p:cNvPr id="6" name="Slide Number Placeholder 5"/>
           <p:cNvSpPr>
             <a:spLocks noGrp="1"/>
           </p:cNvSpPr>
@@ -1280,24 +2025,27 @@
           <a:bodyPr/>
           <a:lstStyle/>
           <a:p>
-            <a:fld id="{D1C87DC4-5DE9-4148-B016-2EF5AD9E5B24}" type="slidenum">
-              <a:rPr lang="en-US" smtClean="0"/>
+            <a:pPr rtl="0"/>
+            <a:fld id="{71B7BAC7-FE87-40F6-AA24-4F4685D1B022}" type="slidenum">
+              <a:rPr lang="es-ES" noProof="0" smtClean="0"/>
+              <a:pPr rtl="0"/>
               <a:t>‹Nº›</a:t>
             </a:fld>
-            <a:endParaRPr lang="en-US"/>
+            <a:endParaRPr lang="es-ES" noProof="0" dirty="0"/>
           </a:p>
         </p:txBody>
       </p:sp>
     </p:spTree>
     <p:extLst>
       <p:ext uri="{BB962C8B-B14F-4D97-AF65-F5344CB8AC3E}">
-        <p14:creationId xmlns:p14="http://schemas.microsoft.com/office/powerpoint/2010/main" val="1834401118"/>
+        <p14:creationId xmlns:p14="http://schemas.microsoft.com/office/powerpoint/2010/main" val="815808747"/>
       </p:ext>
     </p:extLst>
   </p:cSld>
   <p:clrMapOvr>
     <a:masterClrMapping/>
   </p:clrMapOvr>
+  <p:hf sldNum="0" hdr="0" ftr="0" dt="0"/>
 </p:sldLayout>
 </file>
 
@@ -1320,13 +2068,7 @@
       </p:grpSpPr>
       <p:sp>
         <p:nvSpPr>
-          <p:cNvPr id="2" name="Título 1">
-            <a:extLst>
-              <a:ext uri="{FF2B5EF4-FFF2-40B4-BE49-F238E27FC236}">
-                <a16:creationId xmlns:a16="http://schemas.microsoft.com/office/drawing/2014/main" id="{E3D293F2-160D-114D-6DEC-CC62B98A5956}"/>
-              </a:ext>
-            </a:extLst>
-          </p:cNvPr>
+          <p:cNvPr id="2" name="Title 1"/>
           <p:cNvSpPr>
             <a:spLocks noGrp="1"/>
           </p:cNvSpPr>
@@ -1336,7 +2078,7 @@
         </p:nvSpPr>
         <p:spPr>
           <a:xfrm>
-            <a:off x="831850" y="1709738"/>
+            <a:off x="831851" y="1709740"/>
             <a:ext cx="10515600" cy="2852737"/>
           </a:xfrm>
         </p:spPr>
@@ -1352,19 +2094,13 @@
               <a:rPr lang="es-ES"/>
               <a:t>Haga clic para modificar el estilo de título del patrón</a:t>
             </a:r>
-            <a:endParaRPr lang="en-US"/>
-          </a:p>
-        </p:txBody>
-      </p:sp>
-      <p:sp>
-        <p:nvSpPr>
-          <p:cNvPr id="3" name="Marcador de texto 2">
-            <a:extLst>
-              <a:ext uri="{FF2B5EF4-FFF2-40B4-BE49-F238E27FC236}">
-                <a16:creationId xmlns:a16="http://schemas.microsoft.com/office/drawing/2014/main" id="{F795ACE1-F94E-8C16-9FE2-4F0A980DA428}"/>
-              </a:ext>
-            </a:extLst>
-          </p:cNvPr>
+            <a:endParaRPr lang="en-US" dirty="0"/>
+          </a:p>
+        </p:txBody>
+      </p:sp>
+      <p:sp>
+        <p:nvSpPr>
+          <p:cNvPr id="3" name="Text Placeholder 2"/>
           <p:cNvSpPr>
             <a:spLocks noGrp="1"/>
           </p:cNvSpPr>
@@ -1374,7 +2110,7 @@
         </p:nvSpPr>
         <p:spPr>
           <a:xfrm>
-            <a:off x="831850" y="4589463"/>
+            <a:off x="831851" y="4589464"/>
             <a:ext cx="10515600" cy="1500187"/>
           </a:xfrm>
         </p:spPr>
@@ -1391,7 +2127,7 @@
                 </a:solidFill>
               </a:defRPr>
             </a:lvl1pPr>
-            <a:lvl2pPr marL="457200" indent="0">
+            <a:lvl2pPr marL="457189" indent="0">
               <a:buNone/>
               <a:defRPr sz="2000">
                 <a:solidFill>
@@ -1401,7 +2137,7 @@
                 </a:solidFill>
               </a:defRPr>
             </a:lvl2pPr>
-            <a:lvl3pPr marL="914400" indent="0">
+            <a:lvl3pPr marL="914377" indent="0">
               <a:buNone/>
               <a:defRPr sz="1800">
                 <a:solidFill>
@@ -1411,7 +2147,7 @@
                 </a:solidFill>
               </a:defRPr>
             </a:lvl3pPr>
-            <a:lvl4pPr marL="1371600" indent="0">
+            <a:lvl4pPr marL="1371566" indent="0">
               <a:buNone/>
               <a:defRPr sz="1600">
                 <a:solidFill>
@@ -1421,7 +2157,7 @@
                 </a:solidFill>
               </a:defRPr>
             </a:lvl4pPr>
-            <a:lvl5pPr marL="1828800" indent="0">
+            <a:lvl5pPr marL="1828754" indent="0">
               <a:buNone/>
               <a:defRPr sz="1600">
                 <a:solidFill>
@@ -1431,7 +2167,7 @@
                 </a:solidFill>
               </a:defRPr>
             </a:lvl5pPr>
-            <a:lvl6pPr marL="2286000" indent="0">
+            <a:lvl6pPr marL="2285943" indent="0">
               <a:buNone/>
               <a:defRPr sz="1600">
                 <a:solidFill>
@@ -1441,7 +2177,7 @@
                 </a:solidFill>
               </a:defRPr>
             </a:lvl6pPr>
-            <a:lvl7pPr marL="2743200" indent="0">
+            <a:lvl7pPr marL="2743131" indent="0">
               <a:buNone/>
               <a:defRPr sz="1600">
                 <a:solidFill>
@@ -1451,7 +2187,7 @@
                 </a:solidFill>
               </a:defRPr>
             </a:lvl7pPr>
-            <a:lvl8pPr marL="3200400" indent="0">
+            <a:lvl8pPr marL="3200320" indent="0">
               <a:buNone/>
               <a:defRPr sz="1600">
                 <a:solidFill>
@@ -1461,7 +2197,7 @@
                 </a:solidFill>
               </a:defRPr>
             </a:lvl8pPr>
-            <a:lvl9pPr marL="3657600" indent="0">
+            <a:lvl9pPr marL="3657509" indent="0">
               <a:buNone/>
               <a:defRPr sz="1600">
                 <a:solidFill>
@@ -1483,13 +2219,7 @@
       </p:sp>
       <p:sp>
         <p:nvSpPr>
-          <p:cNvPr id="4" name="Marcador de fecha 3">
-            <a:extLst>
-              <a:ext uri="{FF2B5EF4-FFF2-40B4-BE49-F238E27FC236}">
-                <a16:creationId xmlns:a16="http://schemas.microsoft.com/office/drawing/2014/main" id="{CF3CAF41-161A-79A0-71A2-6D3D8AF62AFE}"/>
-              </a:ext>
-            </a:extLst>
-          </p:cNvPr>
+          <p:cNvPr id="4" name="Date Placeholder 3"/>
           <p:cNvSpPr>
             <a:spLocks noGrp="1"/>
           </p:cNvSpPr>
@@ -1502,23 +2232,18 @@
           <a:bodyPr/>
           <a:lstStyle/>
           <a:p>
-            <a:fld id="{1D34F2E3-3545-4AD3-A31E-9231ACC12138}" type="datetimeFigureOut">
-              <a:rPr lang="en-US" smtClean="0"/>
-              <a:t>12/5/2022</a:t>
+            <a:pPr rtl="0"/>
+            <a:fld id="{F128A7A1-E52A-4367-BE3E-105C0C9F4921}" type="datetime1">
+              <a:rPr lang="es-ES" noProof="0" smtClean="0"/>
+              <a:t>20/01/2023</a:t>
             </a:fld>
-            <a:endParaRPr lang="en-US"/>
-          </a:p>
-        </p:txBody>
-      </p:sp>
-      <p:sp>
-        <p:nvSpPr>
-          <p:cNvPr id="5" name="Marcador de pie de página 4">
-            <a:extLst>
-              <a:ext uri="{FF2B5EF4-FFF2-40B4-BE49-F238E27FC236}">
-                <a16:creationId xmlns:a16="http://schemas.microsoft.com/office/drawing/2014/main" id="{80735D4B-5978-0BEB-1C71-51F45E3F2F4E}"/>
-              </a:ext>
-            </a:extLst>
-          </p:cNvPr>
+            <a:endParaRPr lang="es-ES" noProof="0" dirty="0"/>
+          </a:p>
+        </p:txBody>
+      </p:sp>
+      <p:sp>
+        <p:nvSpPr>
+          <p:cNvPr id="5" name="Footer Placeholder 4"/>
           <p:cNvSpPr>
             <a:spLocks noGrp="1"/>
           </p:cNvSpPr>
@@ -1531,19 +2256,18 @@
           <a:bodyPr/>
           <a:lstStyle/>
           <a:p>
-            <a:endParaRPr lang="en-US"/>
-          </a:p>
-        </p:txBody>
-      </p:sp>
-      <p:sp>
-        <p:nvSpPr>
-          <p:cNvPr id="6" name="Marcador de número de diapositiva 5">
-            <a:extLst>
-              <a:ext uri="{FF2B5EF4-FFF2-40B4-BE49-F238E27FC236}">
-                <a16:creationId xmlns:a16="http://schemas.microsoft.com/office/drawing/2014/main" id="{EE1CBF6D-0964-B4F9-B7D4-9AED06DE56E9}"/>
-              </a:ext>
-            </a:extLst>
-          </p:cNvPr>
+            <a:pPr rtl="0"/>
+            <a:r>
+              <a:rPr lang="es-ES" noProof="0"/>
+              <a:t>Agregar un pie de página</a:t>
+            </a:r>
+            <a:endParaRPr lang="es-ES" noProof="0" dirty="0"/>
+          </a:p>
+        </p:txBody>
+      </p:sp>
+      <p:sp>
+        <p:nvSpPr>
+          <p:cNvPr id="6" name="Slide Number Placeholder 5"/>
           <p:cNvSpPr>
             <a:spLocks noGrp="1"/>
           </p:cNvSpPr>
@@ -1556,24 +2280,37 @@
           <a:bodyPr/>
           <a:lstStyle/>
           <a:p>
-            <a:fld id="{D1C87DC4-5DE9-4148-B016-2EF5AD9E5B24}" type="slidenum">
-              <a:rPr lang="en-US" smtClean="0"/>
+            <a:pPr rtl="0"/>
+            <a:fld id="{71B7BAC7-FE87-40F6-AA24-4F4685D1B022}" type="slidenum">
+              <a:rPr lang="es-ES" noProof="0" smtClean="0"/>
               <a:t>‹Nº›</a:t>
             </a:fld>
-            <a:endParaRPr lang="en-US"/>
+            <a:endParaRPr lang="es-ES" noProof="0" dirty="0"/>
           </a:p>
         </p:txBody>
       </p:sp>
     </p:spTree>
     <p:extLst>
       <p:ext uri="{BB962C8B-B14F-4D97-AF65-F5344CB8AC3E}">
-        <p14:creationId xmlns:p14="http://schemas.microsoft.com/office/powerpoint/2010/main" val="1531718426"/>
+        <p14:creationId xmlns:p14="http://schemas.microsoft.com/office/powerpoint/2010/main" val="333937200"/>
       </p:ext>
     </p:extLst>
   </p:cSld>
   <p:clrMapOvr>
     <a:masterClrMapping/>
   </p:clrMapOvr>
+  <mc:AlternateContent xmlns:mc="http://schemas.openxmlformats.org/markup-compatibility/2006" xmlns:p14="http://schemas.microsoft.com/office/powerpoint/2010/main">
+    <mc:Choice Requires="p14">
+      <p:transition spd="med" p14:dur="700">
+        <p:fade/>
+      </p:transition>
+    </mc:Choice>
+    <mc:Fallback xmlns="">
+      <p:transition spd="med">
+        <p:fade/>
+      </p:transition>
+    </mc:Fallback>
+  </mc:AlternateContent>
 </p:sldLayout>
 </file>
 
@@ -1596,13 +2333,7 @@
       </p:grpSpPr>
       <p:sp>
         <p:nvSpPr>
-          <p:cNvPr id="2" name="Título 1">
-            <a:extLst>
-              <a:ext uri="{FF2B5EF4-FFF2-40B4-BE49-F238E27FC236}">
-                <a16:creationId xmlns:a16="http://schemas.microsoft.com/office/drawing/2014/main" id="{EBFAA4F1-F99B-EB3E-D667-0A5DE114122B}"/>
-              </a:ext>
-            </a:extLst>
-          </p:cNvPr>
+          <p:cNvPr id="2" name="Title 1"/>
           <p:cNvSpPr>
             <a:spLocks noGrp="1"/>
           </p:cNvSpPr>
@@ -1619,19 +2350,13 @@
               <a:rPr lang="es-ES"/>
               <a:t>Haga clic para modificar el estilo de título del patrón</a:t>
             </a:r>
-            <a:endParaRPr lang="en-US"/>
-          </a:p>
-        </p:txBody>
-      </p:sp>
-      <p:sp>
-        <p:nvSpPr>
-          <p:cNvPr id="3" name="Marcador de contenido 2">
-            <a:extLst>
-              <a:ext uri="{FF2B5EF4-FFF2-40B4-BE49-F238E27FC236}">
-                <a16:creationId xmlns:a16="http://schemas.microsoft.com/office/drawing/2014/main" id="{B3461C12-98D0-47C5-EDC8-6A175A97802F}"/>
-              </a:ext>
-            </a:extLst>
-          </p:cNvPr>
+            <a:endParaRPr lang="en-US" dirty="0"/>
+          </a:p>
+        </p:txBody>
+      </p:sp>
+      <p:sp>
+        <p:nvSpPr>
+          <p:cNvPr id="3" name="Content Placeholder 2"/>
           <p:cNvSpPr>
             <a:spLocks noGrp="1"/>
           </p:cNvSpPr>
@@ -1642,7 +2367,7 @@
         <p:spPr>
           <a:xfrm>
             <a:off x="838200" y="1825625"/>
-            <a:ext cx="5181600" cy="4351338"/>
+            <a:ext cx="5181600" cy="4351339"/>
           </a:xfrm>
         </p:spPr>
         <p:txBody>
@@ -1682,19 +2407,13 @@
               <a:rPr lang="es-ES"/>
               <a:t>Quinto nivel</a:t>
             </a:r>
-            <a:endParaRPr lang="en-US"/>
-          </a:p>
-        </p:txBody>
-      </p:sp>
-      <p:sp>
-        <p:nvSpPr>
-          <p:cNvPr id="4" name="Marcador de contenido 3">
-            <a:extLst>
-              <a:ext uri="{FF2B5EF4-FFF2-40B4-BE49-F238E27FC236}">
-                <a16:creationId xmlns:a16="http://schemas.microsoft.com/office/drawing/2014/main" id="{805873C7-0EE5-043C-6723-14B12753DB7F}"/>
-              </a:ext>
-            </a:extLst>
-          </p:cNvPr>
+            <a:endParaRPr lang="en-US" dirty="0"/>
+          </a:p>
+        </p:txBody>
+      </p:sp>
+      <p:sp>
+        <p:nvSpPr>
+          <p:cNvPr id="4" name="Content Placeholder 3"/>
           <p:cNvSpPr>
             <a:spLocks noGrp="1"/>
           </p:cNvSpPr>
@@ -1705,7 +2424,7 @@
         <p:spPr>
           <a:xfrm>
             <a:off x="6172200" y="1825625"/>
-            <a:ext cx="5181600" cy="4351338"/>
+            <a:ext cx="5181600" cy="4351339"/>
           </a:xfrm>
         </p:spPr>
         <p:txBody>
@@ -1745,19 +2464,13 @@
               <a:rPr lang="es-ES"/>
               <a:t>Quinto nivel</a:t>
             </a:r>
-            <a:endParaRPr lang="en-US"/>
-          </a:p>
-        </p:txBody>
-      </p:sp>
-      <p:sp>
-        <p:nvSpPr>
-          <p:cNvPr id="5" name="Marcador de fecha 4">
-            <a:extLst>
-              <a:ext uri="{FF2B5EF4-FFF2-40B4-BE49-F238E27FC236}">
-                <a16:creationId xmlns:a16="http://schemas.microsoft.com/office/drawing/2014/main" id="{8A77D125-D16F-4458-511F-F900A8F6EE30}"/>
-              </a:ext>
-            </a:extLst>
-          </p:cNvPr>
+            <a:endParaRPr lang="en-US" dirty="0"/>
+          </a:p>
+        </p:txBody>
+      </p:sp>
+      <p:sp>
+        <p:nvSpPr>
+          <p:cNvPr id="5" name="Date Placeholder 4"/>
           <p:cNvSpPr>
             <a:spLocks noGrp="1"/>
           </p:cNvSpPr>
@@ -1770,23 +2483,18 @@
           <a:bodyPr/>
           <a:lstStyle/>
           <a:p>
-            <a:fld id="{1D34F2E3-3545-4AD3-A31E-9231ACC12138}" type="datetimeFigureOut">
-              <a:rPr lang="en-US" smtClean="0"/>
-              <a:t>12/5/2022</a:t>
+            <a:pPr rtl="0"/>
+            <a:fld id="{3DDDD12C-A2E5-4D32-A8D5-4FBA4A9916EE}" type="datetime1">
+              <a:rPr lang="es-ES" noProof="0" smtClean="0"/>
+              <a:t>20/01/2023</a:t>
             </a:fld>
-            <a:endParaRPr lang="en-US"/>
-          </a:p>
-        </p:txBody>
-      </p:sp>
-      <p:sp>
-        <p:nvSpPr>
-          <p:cNvPr id="6" name="Marcador de pie de página 5">
-            <a:extLst>
-              <a:ext uri="{FF2B5EF4-FFF2-40B4-BE49-F238E27FC236}">
-                <a16:creationId xmlns:a16="http://schemas.microsoft.com/office/drawing/2014/main" id="{C09586B0-C9E1-99D6-FA5D-BEB43B8BA9CC}"/>
-              </a:ext>
-            </a:extLst>
-          </p:cNvPr>
+            <a:endParaRPr lang="es-ES" noProof="0" dirty="0"/>
+          </a:p>
+        </p:txBody>
+      </p:sp>
+      <p:sp>
+        <p:nvSpPr>
+          <p:cNvPr id="6" name="Footer Placeholder 5"/>
           <p:cNvSpPr>
             <a:spLocks noGrp="1"/>
           </p:cNvSpPr>
@@ -1799,19 +2507,18 @@
           <a:bodyPr/>
           <a:lstStyle/>
           <a:p>
-            <a:endParaRPr lang="en-US"/>
-          </a:p>
-        </p:txBody>
-      </p:sp>
-      <p:sp>
-        <p:nvSpPr>
-          <p:cNvPr id="7" name="Marcador de número de diapositiva 6">
-            <a:extLst>
-              <a:ext uri="{FF2B5EF4-FFF2-40B4-BE49-F238E27FC236}">
-                <a16:creationId xmlns:a16="http://schemas.microsoft.com/office/drawing/2014/main" id="{A9F422D9-24D7-26DC-32D7-72D06E415431}"/>
-              </a:ext>
-            </a:extLst>
-          </p:cNvPr>
+            <a:pPr rtl="0"/>
+            <a:r>
+              <a:rPr lang="es-ES" noProof="0"/>
+              <a:t>Agregar un pie de página</a:t>
+            </a:r>
+            <a:endParaRPr lang="es-ES" noProof="0" dirty="0"/>
+          </a:p>
+        </p:txBody>
+      </p:sp>
+      <p:sp>
+        <p:nvSpPr>
+          <p:cNvPr id="7" name="Slide Number Placeholder 6"/>
           <p:cNvSpPr>
             <a:spLocks noGrp="1"/>
           </p:cNvSpPr>
@@ -1824,24 +2531,27 @@
           <a:bodyPr/>
           <a:lstStyle/>
           <a:p>
-            <a:fld id="{D1C87DC4-5DE9-4148-B016-2EF5AD9E5B24}" type="slidenum">
-              <a:rPr lang="en-US" smtClean="0"/>
+            <a:pPr rtl="0"/>
+            <a:fld id="{71B7BAC7-FE87-40F6-AA24-4F4685D1B022}" type="slidenum">
+              <a:rPr lang="es-ES" noProof="0" smtClean="0"/>
+              <a:pPr rtl="0"/>
               <a:t>‹Nº›</a:t>
             </a:fld>
-            <a:endParaRPr lang="en-US"/>
+            <a:endParaRPr lang="es-ES" noProof="0" dirty="0"/>
           </a:p>
         </p:txBody>
       </p:sp>
     </p:spTree>
     <p:extLst>
       <p:ext uri="{BB962C8B-B14F-4D97-AF65-F5344CB8AC3E}">
-        <p14:creationId xmlns:p14="http://schemas.microsoft.com/office/powerpoint/2010/main" val="521562555"/>
+        <p14:creationId xmlns:p14="http://schemas.microsoft.com/office/powerpoint/2010/main" val="3126167975"/>
       </p:ext>
     </p:extLst>
   </p:cSld>
   <p:clrMapOvr>
     <a:masterClrMapping/>
   </p:clrMapOvr>
+  <p:hf sldNum="0" hdr="0" ftr="0" dt="0"/>
 </p:sldLayout>
 </file>
 
@@ -1864,13 +2574,7 @@
       </p:grpSpPr>
       <p:sp>
         <p:nvSpPr>
-          <p:cNvPr id="2" name="Título 1">
-            <a:extLst>
-              <a:ext uri="{FF2B5EF4-FFF2-40B4-BE49-F238E27FC236}">
-                <a16:creationId xmlns:a16="http://schemas.microsoft.com/office/drawing/2014/main" id="{D1589A08-3ECB-440D-D972-CAB88804AB52}"/>
-              </a:ext>
-            </a:extLst>
-          </p:cNvPr>
+          <p:cNvPr id="2" name="Title 1"/>
           <p:cNvSpPr>
             <a:spLocks noGrp="1"/>
           </p:cNvSpPr>
@@ -1892,19 +2596,13 @@
               <a:rPr lang="es-ES"/>
               <a:t>Haga clic para modificar el estilo de título del patrón</a:t>
             </a:r>
-            <a:endParaRPr lang="en-US"/>
-          </a:p>
-        </p:txBody>
-      </p:sp>
-      <p:sp>
-        <p:nvSpPr>
-          <p:cNvPr id="3" name="Marcador de texto 2">
-            <a:extLst>
-              <a:ext uri="{FF2B5EF4-FFF2-40B4-BE49-F238E27FC236}">
-                <a16:creationId xmlns:a16="http://schemas.microsoft.com/office/drawing/2014/main" id="{D4C8961B-373B-9004-16D3-2D3638B41385}"/>
-              </a:ext>
-            </a:extLst>
-          </p:cNvPr>
+            <a:endParaRPr lang="en-US" dirty="0"/>
+          </a:p>
+        </p:txBody>
+      </p:sp>
+      <p:sp>
+        <p:nvSpPr>
+          <p:cNvPr id="3" name="Text Placeholder 2"/>
           <p:cNvSpPr>
             <a:spLocks noGrp="1"/>
           </p:cNvSpPr>
@@ -1914,7 +2612,7 @@
         </p:nvSpPr>
         <p:spPr>
           <a:xfrm>
-            <a:off x="839788" y="1681163"/>
+            <a:off x="839789" y="1681163"/>
             <a:ext cx="5157787" cy="823912"/>
           </a:xfrm>
         </p:spPr>
@@ -1925,35 +2623,35 @@
               <a:buNone/>
               <a:defRPr sz="2400" b="1"/>
             </a:lvl1pPr>
-            <a:lvl2pPr marL="457200" indent="0">
+            <a:lvl2pPr marL="457189" indent="0">
               <a:buNone/>
               <a:defRPr sz="2000" b="1"/>
             </a:lvl2pPr>
-            <a:lvl3pPr marL="914400" indent="0">
+            <a:lvl3pPr marL="914377" indent="0">
               <a:buNone/>
               <a:defRPr sz="1800" b="1"/>
             </a:lvl3pPr>
-            <a:lvl4pPr marL="1371600" indent="0">
+            <a:lvl4pPr marL="1371566" indent="0">
               <a:buNone/>
               <a:defRPr sz="1600" b="1"/>
             </a:lvl4pPr>
-            <a:lvl5pPr marL="1828800" indent="0">
+            <a:lvl5pPr marL="1828754" indent="0">
               <a:buNone/>
               <a:defRPr sz="1600" b="1"/>
             </a:lvl5pPr>
-            <a:lvl6pPr marL="2286000" indent="0">
+            <a:lvl6pPr marL="2285943" indent="0">
               <a:buNone/>
               <a:defRPr sz="1600" b="1"/>
             </a:lvl6pPr>
-            <a:lvl7pPr marL="2743200" indent="0">
+            <a:lvl7pPr marL="2743131" indent="0">
               <a:buNone/>
               <a:defRPr sz="1600" b="1"/>
             </a:lvl7pPr>
-            <a:lvl8pPr marL="3200400" indent="0">
+            <a:lvl8pPr marL="3200320" indent="0">
               <a:buNone/>
               <a:defRPr sz="1600" b="1"/>
             </a:lvl8pPr>
-            <a:lvl9pPr marL="3657600" indent="0">
+            <a:lvl9pPr marL="3657509" indent="0">
               <a:buNone/>
               <a:defRPr sz="1600" b="1"/>
             </a:lvl9pPr>
@@ -1969,13 +2667,7 @@
       </p:sp>
       <p:sp>
         <p:nvSpPr>
-          <p:cNvPr id="4" name="Marcador de contenido 3">
-            <a:extLst>
-              <a:ext uri="{FF2B5EF4-FFF2-40B4-BE49-F238E27FC236}">
-                <a16:creationId xmlns:a16="http://schemas.microsoft.com/office/drawing/2014/main" id="{3A8C2DFF-41B9-6A09-A9D1-969D2D662750}"/>
-              </a:ext>
-            </a:extLst>
-          </p:cNvPr>
+          <p:cNvPr id="4" name="Content Placeholder 3"/>
           <p:cNvSpPr>
             <a:spLocks noGrp="1"/>
           </p:cNvSpPr>
@@ -1985,7 +2677,7 @@
         </p:nvSpPr>
         <p:spPr>
           <a:xfrm>
-            <a:off x="839788" y="2505075"/>
+            <a:off x="839789" y="2505075"/>
             <a:ext cx="5157787" cy="3684588"/>
           </a:xfrm>
         </p:spPr>
@@ -2026,19 +2718,13 @@
               <a:rPr lang="es-ES"/>
               <a:t>Quinto nivel</a:t>
             </a:r>
-            <a:endParaRPr lang="en-US"/>
-          </a:p>
-        </p:txBody>
-      </p:sp>
-      <p:sp>
-        <p:nvSpPr>
-          <p:cNvPr id="5" name="Marcador de texto 4">
-            <a:extLst>
-              <a:ext uri="{FF2B5EF4-FFF2-40B4-BE49-F238E27FC236}">
-                <a16:creationId xmlns:a16="http://schemas.microsoft.com/office/drawing/2014/main" id="{45930DD3-7450-68B4-2091-FF0C80ACC3E7}"/>
-              </a:ext>
-            </a:extLst>
-          </p:cNvPr>
+            <a:endParaRPr lang="en-US" dirty="0"/>
+          </a:p>
+        </p:txBody>
+      </p:sp>
+      <p:sp>
+        <p:nvSpPr>
+          <p:cNvPr id="5" name="Text Placeholder 4"/>
           <p:cNvSpPr>
             <a:spLocks noGrp="1"/>
           </p:cNvSpPr>
@@ -2048,7 +2734,7 @@
         </p:nvSpPr>
         <p:spPr>
           <a:xfrm>
-            <a:off x="6172200" y="1681163"/>
+            <a:off x="6172201" y="1681163"/>
             <a:ext cx="5183188" cy="823912"/>
           </a:xfrm>
         </p:spPr>
@@ -2059,35 +2745,35 @@
               <a:buNone/>
               <a:defRPr sz="2400" b="1"/>
             </a:lvl1pPr>
-            <a:lvl2pPr marL="457200" indent="0">
+            <a:lvl2pPr marL="457189" indent="0">
               <a:buNone/>
               <a:defRPr sz="2000" b="1"/>
             </a:lvl2pPr>
-            <a:lvl3pPr marL="914400" indent="0">
+            <a:lvl3pPr marL="914377" indent="0">
               <a:buNone/>
               <a:defRPr sz="1800" b="1"/>
             </a:lvl3pPr>
-            <a:lvl4pPr marL="1371600" indent="0">
+            <a:lvl4pPr marL="1371566" indent="0">
               <a:buNone/>
               <a:defRPr sz="1600" b="1"/>
             </a:lvl4pPr>
-            <a:lvl5pPr marL="1828800" indent="0">
+            <a:lvl5pPr marL="1828754" indent="0">
               <a:buNone/>
               <a:defRPr sz="1600" b="1"/>
             </a:lvl5pPr>
-            <a:lvl6pPr marL="2286000" indent="0">
+            <a:lvl6pPr marL="2285943" indent="0">
               <a:buNone/>
               <a:defRPr sz="1600" b="1"/>
             </a:lvl6pPr>
-            <a:lvl7pPr marL="2743200" indent="0">
+            <a:lvl7pPr marL="2743131" indent="0">
               <a:buNone/>
               <a:defRPr sz="1600" b="1"/>
             </a:lvl7pPr>
-            <a:lvl8pPr marL="3200400" indent="0">
+            <a:lvl8pPr marL="3200320" indent="0">
               <a:buNone/>
               <a:defRPr sz="1600" b="1"/>
             </a:lvl8pPr>
-            <a:lvl9pPr marL="3657600" indent="0">
+            <a:lvl9pPr marL="3657509" indent="0">
               <a:buNone/>
               <a:defRPr sz="1600" b="1"/>
             </a:lvl9pPr>
@@ -2103,13 +2789,7 @@
       </p:sp>
       <p:sp>
         <p:nvSpPr>
-          <p:cNvPr id="6" name="Marcador de contenido 5">
-            <a:extLst>
-              <a:ext uri="{FF2B5EF4-FFF2-40B4-BE49-F238E27FC236}">
-                <a16:creationId xmlns:a16="http://schemas.microsoft.com/office/drawing/2014/main" id="{26C4C41B-3AFD-61FE-CE88-2EEE9C2D1F5C}"/>
-              </a:ext>
-            </a:extLst>
-          </p:cNvPr>
+          <p:cNvPr id="6" name="Content Placeholder 5"/>
           <p:cNvSpPr>
             <a:spLocks noGrp="1"/>
           </p:cNvSpPr>
@@ -2119,7 +2799,7 @@
         </p:nvSpPr>
         <p:spPr>
           <a:xfrm>
-            <a:off x="6172200" y="2505075"/>
+            <a:off x="6172201" y="2505075"/>
             <a:ext cx="5183188" cy="3684588"/>
           </a:xfrm>
         </p:spPr>
@@ -2160,19 +2840,13 @@
               <a:rPr lang="es-ES"/>
               <a:t>Quinto nivel</a:t>
             </a:r>
-            <a:endParaRPr lang="en-US"/>
-          </a:p>
-        </p:txBody>
-      </p:sp>
-      <p:sp>
-        <p:nvSpPr>
-          <p:cNvPr id="7" name="Marcador de fecha 6">
-            <a:extLst>
-              <a:ext uri="{FF2B5EF4-FFF2-40B4-BE49-F238E27FC236}">
-                <a16:creationId xmlns:a16="http://schemas.microsoft.com/office/drawing/2014/main" id="{CEE6B1B9-D7CF-28E1-BB5C-D931101D0672}"/>
-              </a:ext>
-            </a:extLst>
-          </p:cNvPr>
+            <a:endParaRPr lang="en-US" dirty="0"/>
+          </a:p>
+        </p:txBody>
+      </p:sp>
+      <p:sp>
+        <p:nvSpPr>
+          <p:cNvPr id="7" name="Date Placeholder 6"/>
           <p:cNvSpPr>
             <a:spLocks noGrp="1"/>
           </p:cNvSpPr>
@@ -2185,23 +2859,18 @@
           <a:bodyPr/>
           <a:lstStyle/>
           <a:p>
-            <a:fld id="{1D34F2E3-3545-4AD3-A31E-9231ACC12138}" type="datetimeFigureOut">
-              <a:rPr lang="en-US" smtClean="0"/>
-              <a:t>12/5/2022</a:t>
+            <a:pPr rtl="0"/>
+            <a:fld id="{3DDDD12C-A2E5-4D32-A8D5-4FBA4A9916EE}" type="datetime1">
+              <a:rPr lang="es-ES" noProof="0" smtClean="0"/>
+              <a:t>20/01/2023</a:t>
             </a:fld>
-            <a:endParaRPr lang="en-US"/>
-          </a:p>
-        </p:txBody>
-      </p:sp>
-      <p:sp>
-        <p:nvSpPr>
-          <p:cNvPr id="8" name="Marcador de pie de página 7">
-            <a:extLst>
-              <a:ext uri="{FF2B5EF4-FFF2-40B4-BE49-F238E27FC236}">
-                <a16:creationId xmlns:a16="http://schemas.microsoft.com/office/drawing/2014/main" id="{7A9B6781-B790-9063-1631-98D3EFF7B143}"/>
-              </a:ext>
-            </a:extLst>
-          </p:cNvPr>
+            <a:endParaRPr lang="es-ES" noProof="0" dirty="0"/>
+          </a:p>
+        </p:txBody>
+      </p:sp>
+      <p:sp>
+        <p:nvSpPr>
+          <p:cNvPr id="8" name="Footer Placeholder 7"/>
           <p:cNvSpPr>
             <a:spLocks noGrp="1"/>
           </p:cNvSpPr>
@@ -2214,19 +2883,18 @@
           <a:bodyPr/>
           <a:lstStyle/>
           <a:p>
-            <a:endParaRPr lang="en-US"/>
-          </a:p>
-        </p:txBody>
-      </p:sp>
-      <p:sp>
-        <p:nvSpPr>
-          <p:cNvPr id="9" name="Marcador de número de diapositiva 8">
-            <a:extLst>
-              <a:ext uri="{FF2B5EF4-FFF2-40B4-BE49-F238E27FC236}">
-                <a16:creationId xmlns:a16="http://schemas.microsoft.com/office/drawing/2014/main" id="{FE8DA8CC-A158-CBD8-E587-5EB9E16DE15B}"/>
-              </a:ext>
-            </a:extLst>
-          </p:cNvPr>
+            <a:pPr rtl="0"/>
+            <a:r>
+              <a:rPr lang="es-ES" noProof="0"/>
+              <a:t>Agregar un pie de página</a:t>
+            </a:r>
+            <a:endParaRPr lang="es-ES" noProof="0" dirty="0"/>
+          </a:p>
+        </p:txBody>
+      </p:sp>
+      <p:sp>
+        <p:nvSpPr>
+          <p:cNvPr id="9" name="Slide Number Placeholder 8"/>
           <p:cNvSpPr>
             <a:spLocks noGrp="1"/>
           </p:cNvSpPr>
@@ -2239,24 +2907,27 @@
           <a:bodyPr/>
           <a:lstStyle/>
           <a:p>
-            <a:fld id="{D1C87DC4-5DE9-4148-B016-2EF5AD9E5B24}" type="slidenum">
-              <a:rPr lang="en-US" smtClean="0"/>
+            <a:pPr rtl="0"/>
+            <a:fld id="{71B7BAC7-FE87-40F6-AA24-4F4685D1B022}" type="slidenum">
+              <a:rPr lang="es-ES" noProof="0" smtClean="0"/>
+              <a:pPr rtl="0"/>
               <a:t>‹Nº›</a:t>
             </a:fld>
-            <a:endParaRPr lang="en-US"/>
+            <a:endParaRPr lang="es-ES" noProof="0" dirty="0"/>
           </a:p>
         </p:txBody>
       </p:sp>
     </p:spTree>
     <p:extLst>
       <p:ext uri="{BB962C8B-B14F-4D97-AF65-F5344CB8AC3E}">
-        <p14:creationId xmlns:p14="http://schemas.microsoft.com/office/powerpoint/2010/main" val="263373263"/>
+        <p14:creationId xmlns:p14="http://schemas.microsoft.com/office/powerpoint/2010/main" val="3460816323"/>
       </p:ext>
     </p:extLst>
   </p:cSld>
   <p:clrMapOvr>
     <a:masterClrMapping/>
   </p:clrMapOvr>
+  <p:hf sldNum="0" hdr="0" ftr="0" dt="0"/>
 </p:sldLayout>
 </file>
 
@@ -2279,13 +2950,7 @@
       </p:grpSpPr>
       <p:sp>
         <p:nvSpPr>
-          <p:cNvPr id="2" name="Título 1">
-            <a:extLst>
-              <a:ext uri="{FF2B5EF4-FFF2-40B4-BE49-F238E27FC236}">
-                <a16:creationId xmlns:a16="http://schemas.microsoft.com/office/drawing/2014/main" id="{357E0E9E-E5B9-EE05-33DC-F3F2EEE40A03}"/>
-              </a:ext>
-            </a:extLst>
-          </p:cNvPr>
+          <p:cNvPr id="2" name="Title 1"/>
           <p:cNvSpPr>
             <a:spLocks noGrp="1"/>
           </p:cNvSpPr>
@@ -2302,19 +2967,13 @@
               <a:rPr lang="es-ES"/>
               <a:t>Haga clic para modificar el estilo de título del patrón</a:t>
             </a:r>
-            <a:endParaRPr lang="en-US"/>
-          </a:p>
-        </p:txBody>
-      </p:sp>
-      <p:sp>
-        <p:nvSpPr>
-          <p:cNvPr id="3" name="Marcador de fecha 2">
-            <a:extLst>
-              <a:ext uri="{FF2B5EF4-FFF2-40B4-BE49-F238E27FC236}">
-                <a16:creationId xmlns:a16="http://schemas.microsoft.com/office/drawing/2014/main" id="{46262C0C-9305-9979-95B9-53E968AC3CBA}"/>
-              </a:ext>
-            </a:extLst>
-          </p:cNvPr>
+            <a:endParaRPr lang="en-US" dirty="0"/>
+          </a:p>
+        </p:txBody>
+      </p:sp>
+      <p:sp>
+        <p:nvSpPr>
+          <p:cNvPr id="3" name="Date Placeholder 2"/>
           <p:cNvSpPr>
             <a:spLocks noGrp="1"/>
           </p:cNvSpPr>
@@ -2327,23 +2986,18 @@
           <a:bodyPr/>
           <a:lstStyle/>
           <a:p>
-            <a:fld id="{1D34F2E3-3545-4AD3-A31E-9231ACC12138}" type="datetimeFigureOut">
-              <a:rPr lang="en-US" smtClean="0"/>
-              <a:t>12/5/2022</a:t>
+            <a:pPr rtl="0"/>
+            <a:fld id="{A3120DF6-1B4A-4B6C-B500-7840816C7764}" type="datetime1">
+              <a:rPr lang="es-ES" noProof="0" smtClean="0"/>
+              <a:t>20/01/2023</a:t>
             </a:fld>
-            <a:endParaRPr lang="en-US"/>
-          </a:p>
-        </p:txBody>
-      </p:sp>
-      <p:sp>
-        <p:nvSpPr>
-          <p:cNvPr id="4" name="Marcador de pie de página 3">
-            <a:extLst>
-              <a:ext uri="{FF2B5EF4-FFF2-40B4-BE49-F238E27FC236}">
-                <a16:creationId xmlns:a16="http://schemas.microsoft.com/office/drawing/2014/main" id="{EF3B3ED9-E333-114E-B3F7-9799C9B7783D}"/>
-              </a:ext>
-            </a:extLst>
-          </p:cNvPr>
+            <a:endParaRPr lang="es-ES" noProof="0" dirty="0"/>
+          </a:p>
+        </p:txBody>
+      </p:sp>
+      <p:sp>
+        <p:nvSpPr>
+          <p:cNvPr id="4" name="Footer Placeholder 3"/>
           <p:cNvSpPr>
             <a:spLocks noGrp="1"/>
           </p:cNvSpPr>
@@ -2356,19 +3010,18 @@
           <a:bodyPr/>
           <a:lstStyle/>
           <a:p>
-            <a:endParaRPr lang="en-US"/>
-          </a:p>
-        </p:txBody>
-      </p:sp>
-      <p:sp>
-        <p:nvSpPr>
-          <p:cNvPr id="5" name="Marcador de número de diapositiva 4">
-            <a:extLst>
-              <a:ext uri="{FF2B5EF4-FFF2-40B4-BE49-F238E27FC236}">
-                <a16:creationId xmlns:a16="http://schemas.microsoft.com/office/drawing/2014/main" id="{9A52353C-F5D5-DFB3-A161-1BE652D50586}"/>
-              </a:ext>
-            </a:extLst>
-          </p:cNvPr>
+            <a:pPr rtl="0"/>
+            <a:r>
+              <a:rPr lang="es-ES" noProof="0"/>
+              <a:t>Agregar un pie de página</a:t>
+            </a:r>
+            <a:endParaRPr lang="es-ES" noProof="0" dirty="0"/>
+          </a:p>
+        </p:txBody>
+      </p:sp>
+      <p:sp>
+        <p:nvSpPr>
+          <p:cNvPr id="5" name="Slide Number Placeholder 4"/>
           <p:cNvSpPr>
             <a:spLocks noGrp="1"/>
           </p:cNvSpPr>
@@ -2381,24 +3034,37 @@
           <a:bodyPr/>
           <a:lstStyle/>
           <a:p>
-            <a:fld id="{D1C87DC4-5DE9-4148-B016-2EF5AD9E5B24}" type="slidenum">
-              <a:rPr lang="en-US" smtClean="0"/>
+            <a:pPr rtl="0"/>
+            <a:fld id="{71B7BAC7-FE87-40F6-AA24-4F4685D1B022}" type="slidenum">
+              <a:rPr lang="es-ES" noProof="0" smtClean="0"/>
               <a:t>‹Nº›</a:t>
             </a:fld>
-            <a:endParaRPr lang="en-US"/>
+            <a:endParaRPr lang="es-ES" noProof="0" dirty="0"/>
           </a:p>
         </p:txBody>
       </p:sp>
     </p:spTree>
     <p:extLst>
       <p:ext uri="{BB962C8B-B14F-4D97-AF65-F5344CB8AC3E}">
-        <p14:creationId xmlns:p14="http://schemas.microsoft.com/office/powerpoint/2010/main" val="3199535849"/>
+        <p14:creationId xmlns:p14="http://schemas.microsoft.com/office/powerpoint/2010/main" val="1536668684"/>
       </p:ext>
     </p:extLst>
   </p:cSld>
   <p:clrMapOvr>
     <a:masterClrMapping/>
   </p:clrMapOvr>
+  <mc:AlternateContent xmlns:mc="http://schemas.openxmlformats.org/markup-compatibility/2006" xmlns:p14="http://schemas.microsoft.com/office/powerpoint/2010/main">
+    <mc:Choice Requires="p14">
+      <p:transition spd="med" p14:dur="700">
+        <p:fade/>
+      </p:transition>
+    </mc:Choice>
+    <mc:Fallback xmlns="">
+      <p:transition spd="med">
+        <p:fade/>
+      </p:transition>
+    </mc:Fallback>
+  </mc:AlternateContent>
 </p:sldLayout>
 </file>
 
@@ -2421,13 +3087,7 @@
       </p:grpSpPr>
       <p:sp>
         <p:nvSpPr>
-          <p:cNvPr id="2" name="Marcador de fecha 1">
-            <a:extLst>
-              <a:ext uri="{FF2B5EF4-FFF2-40B4-BE49-F238E27FC236}">
-                <a16:creationId xmlns:a16="http://schemas.microsoft.com/office/drawing/2014/main" id="{D4469B00-59EC-E508-A5C9-24DF99A36714}"/>
-              </a:ext>
-            </a:extLst>
-          </p:cNvPr>
+          <p:cNvPr id="2" name="Date Placeholder 1"/>
           <p:cNvSpPr>
             <a:spLocks noGrp="1"/>
           </p:cNvSpPr>
@@ -2440,23 +3100,18 @@
           <a:bodyPr/>
           <a:lstStyle/>
           <a:p>
-            <a:fld id="{1D34F2E3-3545-4AD3-A31E-9231ACC12138}" type="datetimeFigureOut">
-              <a:rPr lang="en-US" smtClean="0"/>
-              <a:t>12/5/2022</a:t>
+            <a:pPr rtl="0"/>
+            <a:fld id="{52134D8D-99E7-4CF1-858E-66F4FE6BE361}" type="datetime1">
+              <a:rPr lang="es-ES" noProof="0" smtClean="0"/>
+              <a:t>20/01/2023</a:t>
             </a:fld>
-            <a:endParaRPr lang="en-US"/>
-          </a:p>
-        </p:txBody>
-      </p:sp>
-      <p:sp>
-        <p:nvSpPr>
-          <p:cNvPr id="3" name="Marcador de pie de página 2">
-            <a:extLst>
-              <a:ext uri="{FF2B5EF4-FFF2-40B4-BE49-F238E27FC236}">
-                <a16:creationId xmlns:a16="http://schemas.microsoft.com/office/drawing/2014/main" id="{2F13B736-FBB2-F39A-BB0C-6D9CBF802398}"/>
-              </a:ext>
-            </a:extLst>
-          </p:cNvPr>
+            <a:endParaRPr lang="es-ES" noProof="0" dirty="0"/>
+          </a:p>
+        </p:txBody>
+      </p:sp>
+      <p:sp>
+        <p:nvSpPr>
+          <p:cNvPr id="3" name="Footer Placeholder 2"/>
           <p:cNvSpPr>
             <a:spLocks noGrp="1"/>
           </p:cNvSpPr>
@@ -2469,19 +3124,18 @@
           <a:bodyPr/>
           <a:lstStyle/>
           <a:p>
-            <a:endParaRPr lang="en-US"/>
-          </a:p>
-        </p:txBody>
-      </p:sp>
-      <p:sp>
-        <p:nvSpPr>
-          <p:cNvPr id="4" name="Marcador de número de diapositiva 3">
-            <a:extLst>
-              <a:ext uri="{FF2B5EF4-FFF2-40B4-BE49-F238E27FC236}">
-                <a16:creationId xmlns:a16="http://schemas.microsoft.com/office/drawing/2014/main" id="{CCB481D4-21FC-0A58-722A-E03FB0A0B497}"/>
-              </a:ext>
-            </a:extLst>
-          </p:cNvPr>
+            <a:pPr rtl="0"/>
+            <a:r>
+              <a:rPr lang="es-ES" noProof="0"/>
+              <a:t>Agregar un pie de página</a:t>
+            </a:r>
+            <a:endParaRPr lang="es-ES" noProof="0" dirty="0"/>
+          </a:p>
+        </p:txBody>
+      </p:sp>
+      <p:sp>
+        <p:nvSpPr>
+          <p:cNvPr id="4" name="Slide Number Placeholder 3"/>
           <p:cNvSpPr>
             <a:spLocks noGrp="1"/>
           </p:cNvSpPr>
@@ -2494,24 +3148,37 @@
           <a:bodyPr/>
           <a:lstStyle/>
           <a:p>
-            <a:fld id="{D1C87DC4-5DE9-4148-B016-2EF5AD9E5B24}" type="slidenum">
-              <a:rPr lang="en-US" smtClean="0"/>
+            <a:pPr rtl="0"/>
+            <a:fld id="{71B7BAC7-FE87-40F6-AA24-4F4685D1B022}" type="slidenum">
+              <a:rPr lang="es-ES" noProof="0" smtClean="0"/>
               <a:t>‹Nº›</a:t>
             </a:fld>
-            <a:endParaRPr lang="en-US"/>
+            <a:endParaRPr lang="es-ES" noProof="0" dirty="0"/>
           </a:p>
         </p:txBody>
       </p:sp>
     </p:spTree>
     <p:extLst>
       <p:ext uri="{BB962C8B-B14F-4D97-AF65-F5344CB8AC3E}">
-        <p14:creationId xmlns:p14="http://schemas.microsoft.com/office/powerpoint/2010/main" val="3139510352"/>
+        <p14:creationId xmlns:p14="http://schemas.microsoft.com/office/powerpoint/2010/main" val="1491661037"/>
       </p:ext>
     </p:extLst>
   </p:cSld>
   <p:clrMapOvr>
     <a:masterClrMapping/>
   </p:clrMapOvr>
+  <mc:AlternateContent xmlns:mc="http://schemas.openxmlformats.org/markup-compatibility/2006" xmlns:p14="http://schemas.microsoft.com/office/powerpoint/2010/main">
+    <mc:Choice Requires="p14">
+      <p:transition spd="med" p14:dur="700">
+        <p:fade/>
+      </p:transition>
+    </mc:Choice>
+    <mc:Fallback xmlns="">
+      <p:transition spd="med">
+        <p:fade/>
+      </p:transition>
+    </mc:Fallback>
+  </mc:AlternateContent>
 </p:sldLayout>
 </file>
 
@@ -2534,13 +3201,7 @@
       </p:grpSpPr>
       <p:sp>
         <p:nvSpPr>
-          <p:cNvPr id="2" name="Título 1">
-            <a:extLst>
-              <a:ext uri="{FF2B5EF4-FFF2-40B4-BE49-F238E27FC236}">
-                <a16:creationId xmlns:a16="http://schemas.microsoft.com/office/drawing/2014/main" id="{4D3D757C-0683-6442-1B4C-F94BE6CCC005}"/>
-              </a:ext>
-            </a:extLst>
-          </p:cNvPr>
+          <p:cNvPr id="2" name="Title 1"/>
           <p:cNvSpPr>
             <a:spLocks noGrp="1"/>
           </p:cNvSpPr>
@@ -2566,19 +3227,13 @@
               <a:rPr lang="es-ES"/>
               <a:t>Haga clic para modificar el estilo de título del patrón</a:t>
             </a:r>
-            <a:endParaRPr lang="en-US"/>
-          </a:p>
-        </p:txBody>
-      </p:sp>
-      <p:sp>
-        <p:nvSpPr>
-          <p:cNvPr id="3" name="Marcador de contenido 2">
-            <a:extLst>
-              <a:ext uri="{FF2B5EF4-FFF2-40B4-BE49-F238E27FC236}">
-                <a16:creationId xmlns:a16="http://schemas.microsoft.com/office/drawing/2014/main" id="{83D189E9-98E5-545A-A1E3-9CCA6D384654}"/>
-              </a:ext>
-            </a:extLst>
-          </p:cNvPr>
+            <a:endParaRPr lang="en-US" dirty="0"/>
+          </a:p>
+        </p:txBody>
+      </p:sp>
+      <p:sp>
+        <p:nvSpPr>
+          <p:cNvPr id="3" name="Content Placeholder 2"/>
           <p:cNvSpPr>
             <a:spLocks noGrp="1"/>
           </p:cNvSpPr>
@@ -2588,7 +3243,7 @@
         </p:nvSpPr>
         <p:spPr>
           <a:xfrm>
-            <a:off x="5183188" y="987425"/>
+            <a:off x="5183188" y="987426"/>
             <a:ext cx="6172200" cy="4873625"/>
           </a:xfrm>
         </p:spPr>
@@ -2657,19 +3312,13 @@
               <a:rPr lang="es-ES"/>
               <a:t>Quinto nivel</a:t>
             </a:r>
-            <a:endParaRPr lang="en-US"/>
-          </a:p>
-        </p:txBody>
-      </p:sp>
-      <p:sp>
-        <p:nvSpPr>
-          <p:cNvPr id="4" name="Marcador de texto 3">
-            <a:extLst>
-              <a:ext uri="{FF2B5EF4-FFF2-40B4-BE49-F238E27FC236}">
-                <a16:creationId xmlns:a16="http://schemas.microsoft.com/office/drawing/2014/main" id="{B605BE47-EE77-99A6-1FCE-CDC7728EBEB0}"/>
-              </a:ext>
-            </a:extLst>
-          </p:cNvPr>
+            <a:endParaRPr lang="en-US" dirty="0"/>
+          </a:p>
+        </p:txBody>
+      </p:sp>
+      <p:sp>
+        <p:nvSpPr>
+          <p:cNvPr id="4" name="Text Placeholder 3"/>
           <p:cNvSpPr>
             <a:spLocks noGrp="1"/>
           </p:cNvSpPr>
@@ -2679,7 +3328,7 @@
         </p:nvSpPr>
         <p:spPr>
           <a:xfrm>
-            <a:off x="839788" y="2057400"/>
+            <a:off x="839788" y="2057401"/>
             <a:ext cx="3932237" cy="3811588"/>
           </a:xfrm>
         </p:spPr>
@@ -2690,35 +3339,35 @@
               <a:buNone/>
               <a:defRPr sz="1600"/>
             </a:lvl1pPr>
-            <a:lvl2pPr marL="457200" indent="0">
+            <a:lvl2pPr marL="457189" indent="0">
               <a:buNone/>
               <a:defRPr sz="1400"/>
             </a:lvl2pPr>
-            <a:lvl3pPr marL="914400" indent="0">
+            <a:lvl3pPr marL="914377" indent="0">
               <a:buNone/>
               <a:defRPr sz="1200"/>
             </a:lvl3pPr>
-            <a:lvl4pPr marL="1371600" indent="0">
+            <a:lvl4pPr marL="1371566" indent="0">
               <a:buNone/>
               <a:defRPr sz="1000"/>
             </a:lvl4pPr>
-            <a:lvl5pPr marL="1828800" indent="0">
+            <a:lvl5pPr marL="1828754" indent="0">
               <a:buNone/>
               <a:defRPr sz="1000"/>
             </a:lvl5pPr>
-            <a:lvl6pPr marL="2286000" indent="0">
+            <a:lvl6pPr marL="2285943" indent="0">
               <a:buNone/>
               <a:defRPr sz="1000"/>
             </a:lvl6pPr>
-            <a:lvl7pPr marL="2743200" indent="0">
+            <a:lvl7pPr marL="2743131" indent="0">
               <a:buNone/>
               <a:defRPr sz="1000"/>
             </a:lvl7pPr>
-            <a:lvl8pPr marL="3200400" indent="0">
+            <a:lvl8pPr marL="3200320" indent="0">
               <a:buNone/>
               <a:defRPr sz="1000"/>
             </a:lvl8pPr>
-            <a:lvl9pPr marL="3657600" indent="0">
+            <a:lvl9pPr marL="3657509" indent="0">
               <a:buNone/>
               <a:defRPr sz="1000"/>
             </a:lvl9pPr>
@@ -2734,13 +3383,7 @@
       </p:sp>
       <p:sp>
         <p:nvSpPr>
-          <p:cNvPr id="5" name="Marcador de fecha 4">
-            <a:extLst>
-              <a:ext uri="{FF2B5EF4-FFF2-40B4-BE49-F238E27FC236}">
-                <a16:creationId xmlns:a16="http://schemas.microsoft.com/office/drawing/2014/main" id="{716F3804-5F8D-7D1F-E7EA-A39A4EBF1FF4}"/>
-              </a:ext>
-            </a:extLst>
-          </p:cNvPr>
+          <p:cNvPr id="5" name="Date Placeholder 4"/>
           <p:cNvSpPr>
             <a:spLocks noGrp="1"/>
           </p:cNvSpPr>
@@ -2753,23 +3396,18 @@
           <a:bodyPr/>
           <a:lstStyle/>
           <a:p>
-            <a:fld id="{1D34F2E3-3545-4AD3-A31E-9231ACC12138}" type="datetimeFigureOut">
-              <a:rPr lang="en-US" smtClean="0"/>
-              <a:t>12/5/2022</a:t>
+            <a:pPr rtl="0"/>
+            <a:fld id="{3DDDD12C-A2E5-4D32-A8D5-4FBA4A9916EE}" type="datetime1">
+              <a:rPr lang="es-ES" noProof="0" smtClean="0"/>
+              <a:t>20/01/2023</a:t>
             </a:fld>
-            <a:endParaRPr lang="en-US"/>
-          </a:p>
-        </p:txBody>
-      </p:sp>
-      <p:sp>
-        <p:nvSpPr>
-          <p:cNvPr id="6" name="Marcador de pie de página 5">
-            <a:extLst>
-              <a:ext uri="{FF2B5EF4-FFF2-40B4-BE49-F238E27FC236}">
-                <a16:creationId xmlns:a16="http://schemas.microsoft.com/office/drawing/2014/main" id="{2F4A04E8-02DD-9B0B-9ACB-9070016109BC}"/>
-              </a:ext>
-            </a:extLst>
-          </p:cNvPr>
+            <a:endParaRPr lang="es-ES" noProof="0" dirty="0"/>
+          </a:p>
+        </p:txBody>
+      </p:sp>
+      <p:sp>
+        <p:nvSpPr>
+          <p:cNvPr id="6" name="Footer Placeholder 5"/>
           <p:cNvSpPr>
             <a:spLocks noGrp="1"/>
           </p:cNvSpPr>
@@ -2782,19 +3420,18 @@
           <a:bodyPr/>
           <a:lstStyle/>
           <a:p>
-            <a:endParaRPr lang="en-US"/>
-          </a:p>
-        </p:txBody>
-      </p:sp>
-      <p:sp>
-        <p:nvSpPr>
-          <p:cNvPr id="7" name="Marcador de número de diapositiva 6">
-            <a:extLst>
-              <a:ext uri="{FF2B5EF4-FFF2-40B4-BE49-F238E27FC236}">
-                <a16:creationId xmlns:a16="http://schemas.microsoft.com/office/drawing/2014/main" id="{B50643EF-3547-464E-849E-FF2FB1B9D925}"/>
-              </a:ext>
-            </a:extLst>
-          </p:cNvPr>
+            <a:pPr rtl="0"/>
+            <a:r>
+              <a:rPr lang="es-ES" noProof="0"/>
+              <a:t>Agregar un pie de página</a:t>
+            </a:r>
+            <a:endParaRPr lang="es-ES" noProof="0" dirty="0"/>
+          </a:p>
+        </p:txBody>
+      </p:sp>
+      <p:sp>
+        <p:nvSpPr>
+          <p:cNvPr id="7" name="Slide Number Placeholder 6"/>
           <p:cNvSpPr>
             <a:spLocks noGrp="1"/>
           </p:cNvSpPr>
@@ -2807,24 +3444,27 @@
           <a:bodyPr/>
           <a:lstStyle/>
           <a:p>
-            <a:fld id="{D1C87DC4-5DE9-4148-B016-2EF5AD9E5B24}" type="slidenum">
-              <a:rPr lang="en-US" smtClean="0"/>
+            <a:pPr rtl="0"/>
+            <a:fld id="{71B7BAC7-FE87-40F6-AA24-4F4685D1B022}" type="slidenum">
+              <a:rPr lang="es-ES" noProof="0" smtClean="0"/>
+              <a:pPr rtl="0"/>
               <a:t>‹Nº›</a:t>
             </a:fld>
-            <a:endParaRPr lang="en-US"/>
+            <a:endParaRPr lang="es-ES" noProof="0" dirty="0"/>
           </a:p>
         </p:txBody>
       </p:sp>
     </p:spTree>
     <p:extLst>
       <p:ext uri="{BB962C8B-B14F-4D97-AF65-F5344CB8AC3E}">
-        <p14:creationId xmlns:p14="http://schemas.microsoft.com/office/powerpoint/2010/main" val="2185538506"/>
+        <p14:creationId xmlns:p14="http://schemas.microsoft.com/office/powerpoint/2010/main" val="217819888"/>
       </p:ext>
     </p:extLst>
   </p:cSld>
   <p:clrMapOvr>
     <a:masterClrMapping/>
   </p:clrMapOvr>
+  <p:hf sldNum="0" hdr="0" ftr="0" dt="0"/>
 </p:sldLayout>
 </file>
 
@@ -2847,13 +3487,7 @@
       </p:grpSpPr>
       <p:sp>
         <p:nvSpPr>
-          <p:cNvPr id="2" name="Título 1">
-            <a:extLst>
-              <a:ext uri="{FF2B5EF4-FFF2-40B4-BE49-F238E27FC236}">
-                <a16:creationId xmlns:a16="http://schemas.microsoft.com/office/drawing/2014/main" id="{98DF614C-A496-0A0B-DACF-8C388C8176F9}"/>
-              </a:ext>
-            </a:extLst>
-          </p:cNvPr>
+          <p:cNvPr id="2" name="Title 1"/>
           <p:cNvSpPr>
             <a:spLocks noGrp="1"/>
           </p:cNvSpPr>
@@ -2879,21 +3513,15 @@
               <a:rPr lang="es-ES"/>
               <a:t>Haga clic para modificar el estilo de título del patrón</a:t>
             </a:r>
-            <a:endParaRPr lang="en-US"/>
-          </a:p>
-        </p:txBody>
-      </p:sp>
-      <p:sp>
-        <p:nvSpPr>
-          <p:cNvPr id="3" name="Marcador de posición de imagen 2">
-            <a:extLst>
-              <a:ext uri="{FF2B5EF4-FFF2-40B4-BE49-F238E27FC236}">
-                <a16:creationId xmlns:a16="http://schemas.microsoft.com/office/drawing/2014/main" id="{56F6AE24-3BE6-3CDA-3BF7-C81999758619}"/>
-              </a:ext>
-            </a:extLst>
-          </p:cNvPr>
-          <p:cNvSpPr>
-            <a:spLocks noGrp="1"/>
+            <a:endParaRPr lang="en-US" dirty="0"/>
+          </a:p>
+        </p:txBody>
+      </p:sp>
+      <p:sp>
+        <p:nvSpPr>
+          <p:cNvPr id="3" name="Picture Placeholder 2"/>
+          <p:cNvSpPr>
+            <a:spLocks noGrp="1" noChangeAspect="1"/>
           </p:cNvSpPr>
           <p:nvPr>
             <p:ph type="pic" idx="1"/>
@@ -2901,113 +3529,111 @@
         </p:nvSpPr>
         <p:spPr>
           <a:xfrm>
-            <a:off x="5183188" y="987425"/>
+            <a:off x="5183188" y="987426"/>
             <a:ext cx="6172200" cy="4873625"/>
           </a:xfrm>
         </p:spPr>
         <p:txBody>
+          <a:bodyPr anchor="t"/>
+          <a:lstStyle>
+            <a:lvl1pPr marL="0" indent="0">
+              <a:buNone/>
+              <a:defRPr sz="3200"/>
+            </a:lvl1pPr>
+            <a:lvl2pPr marL="457189" indent="0">
+              <a:buNone/>
+              <a:defRPr sz="2800"/>
+            </a:lvl2pPr>
+            <a:lvl3pPr marL="914377" indent="0">
+              <a:buNone/>
+              <a:defRPr sz="2400"/>
+            </a:lvl3pPr>
+            <a:lvl4pPr marL="1371566" indent="0">
+              <a:buNone/>
+              <a:defRPr sz="2000"/>
+            </a:lvl4pPr>
+            <a:lvl5pPr marL="1828754" indent="0">
+              <a:buNone/>
+              <a:defRPr sz="2000"/>
+            </a:lvl5pPr>
+            <a:lvl6pPr marL="2285943" indent="0">
+              <a:buNone/>
+              <a:defRPr sz="2000"/>
+            </a:lvl6pPr>
+            <a:lvl7pPr marL="2743131" indent="0">
+              <a:buNone/>
+              <a:defRPr sz="2000"/>
+            </a:lvl7pPr>
+            <a:lvl8pPr marL="3200320" indent="0">
+              <a:buNone/>
+              <a:defRPr sz="2000"/>
+            </a:lvl8pPr>
+            <a:lvl9pPr marL="3657509" indent="0">
+              <a:buNone/>
+              <a:defRPr sz="2000"/>
+            </a:lvl9pPr>
+          </a:lstStyle>
+          <a:p>
+            <a:r>
+              <a:rPr lang="es-ES"/>
+              <a:t>Haga clic en el icono para agregar una imagen</a:t>
+            </a:r>
+            <a:endParaRPr lang="en-US" dirty="0"/>
+          </a:p>
+        </p:txBody>
+      </p:sp>
+      <p:sp>
+        <p:nvSpPr>
+          <p:cNvPr id="4" name="Text Placeholder 3"/>
+          <p:cNvSpPr>
+            <a:spLocks noGrp="1"/>
+          </p:cNvSpPr>
+          <p:nvPr>
+            <p:ph type="body" sz="half" idx="2"/>
+          </p:nvPr>
+        </p:nvSpPr>
+        <p:spPr>
+          <a:xfrm>
+            <a:off x="839788" y="2057401"/>
+            <a:ext cx="3932237" cy="3811588"/>
+          </a:xfrm>
+        </p:spPr>
+        <p:txBody>
           <a:bodyPr/>
           <a:lstStyle>
             <a:lvl1pPr marL="0" indent="0">
               <a:buNone/>
-              <a:defRPr sz="3200"/>
-            </a:lvl1pPr>
-            <a:lvl2pPr marL="457200" indent="0">
-              <a:buNone/>
-              <a:defRPr sz="2800"/>
-            </a:lvl2pPr>
-            <a:lvl3pPr marL="914400" indent="0">
-              <a:buNone/>
-              <a:defRPr sz="2400"/>
-            </a:lvl3pPr>
-            <a:lvl4pPr marL="1371600" indent="0">
-              <a:buNone/>
-              <a:defRPr sz="2000"/>
-            </a:lvl4pPr>
-            <a:lvl5pPr marL="1828800" indent="0">
-              <a:buNone/>
-              <a:defRPr sz="2000"/>
-            </a:lvl5pPr>
-            <a:lvl6pPr marL="2286000" indent="0">
-              <a:buNone/>
-              <a:defRPr sz="2000"/>
-            </a:lvl6pPr>
-            <a:lvl7pPr marL="2743200" indent="0">
-              <a:buNone/>
-              <a:defRPr sz="2000"/>
-            </a:lvl7pPr>
-            <a:lvl8pPr marL="3200400" indent="0">
-              <a:buNone/>
-              <a:defRPr sz="2000"/>
-            </a:lvl8pPr>
-            <a:lvl9pPr marL="3657600" indent="0">
-              <a:buNone/>
-              <a:defRPr sz="2000"/>
-            </a:lvl9pPr>
-          </a:lstStyle>
-          <a:p>
-            <a:endParaRPr lang="en-US"/>
-          </a:p>
-        </p:txBody>
-      </p:sp>
-      <p:sp>
-        <p:nvSpPr>
-          <p:cNvPr id="4" name="Marcador de texto 3">
-            <a:extLst>
-              <a:ext uri="{FF2B5EF4-FFF2-40B4-BE49-F238E27FC236}">
-                <a16:creationId xmlns:a16="http://schemas.microsoft.com/office/drawing/2014/main" id="{C54CCCA1-C602-F489-C9C6-7030D9860889}"/>
-              </a:ext>
-            </a:extLst>
-          </p:cNvPr>
-          <p:cNvSpPr>
-            <a:spLocks noGrp="1"/>
-          </p:cNvSpPr>
-          <p:nvPr>
-            <p:ph type="body" sz="half" idx="2"/>
-          </p:nvPr>
-        </p:nvSpPr>
-        <p:spPr>
-          <a:xfrm>
-            <a:off x="839788" y="2057400"/>
-            <a:ext cx="3932237" cy="3811588"/>
-          </a:xfrm>
-        </p:spPr>
-        <p:txBody>
-          <a:bodyPr/>
-          <a:lstStyle>
-            <a:lvl1pPr marL="0" indent="0">
-              <a:buNone/>
               <a:defRPr sz="1600"/>
             </a:lvl1pPr>
-            <a:lvl2pPr marL="457200" indent="0">
+            <a:lvl2pPr marL="457189" indent="0">
               <a:buNone/>
               <a:defRPr sz="1400"/>
             </a:lvl2pPr>
-            <a:lvl3pPr marL="914400" indent="0">
+            <a:lvl3pPr marL="914377" indent="0">
               <a:buNone/>
               <a:defRPr sz="1200"/>
             </a:lvl3pPr>
-            <a:lvl4pPr marL="1371600" indent="0">
+            <a:lvl4pPr marL="1371566" indent="0">
               <a:buNone/>
               <a:defRPr sz="1000"/>
             </a:lvl4pPr>
-            <a:lvl5pPr marL="1828800" indent="0">
+            <a:lvl5pPr marL="1828754" indent="0">
               <a:buNone/>
               <a:defRPr sz="1000"/>
             </a:lvl5pPr>
-            <a:lvl6pPr marL="2286000" indent="0">
+            <a:lvl6pPr marL="2285943" indent="0">
               <a:buNone/>
               <a:defRPr sz="1000"/>
             </a:lvl6pPr>
-            <a:lvl7pPr marL="2743200" indent="0">
+            <a:lvl7pPr marL="2743131" indent="0">
               <a:buNone/>
               <a:defRPr sz="1000"/>
             </a:lvl7pPr>
-            <a:lvl8pPr marL="3200400" indent="0">
+            <a:lvl8pPr marL="3200320" indent="0">
               <a:buNone/>
               <a:defRPr sz="1000"/>
             </a:lvl8pPr>
-            <a:lvl9pPr marL="3657600" indent="0">
+            <a:lvl9pPr marL="3657509" indent="0">
               <a:buNone/>
               <a:defRPr sz="1000"/>
             </a:lvl9pPr>
@@ -3023,13 +3649,7 @@
       </p:sp>
       <p:sp>
         <p:nvSpPr>
-          <p:cNvPr id="5" name="Marcador de fecha 4">
-            <a:extLst>
-              <a:ext uri="{FF2B5EF4-FFF2-40B4-BE49-F238E27FC236}">
-                <a16:creationId xmlns:a16="http://schemas.microsoft.com/office/drawing/2014/main" id="{87461DC7-0F2C-D9B4-3B8C-C0919D7E175C}"/>
-              </a:ext>
-            </a:extLst>
-          </p:cNvPr>
+          <p:cNvPr id="5" name="Date Placeholder 4"/>
           <p:cNvSpPr>
             <a:spLocks noGrp="1"/>
           </p:cNvSpPr>
@@ -3042,23 +3662,18 @@
           <a:bodyPr/>
           <a:lstStyle/>
           <a:p>
-            <a:fld id="{1D34F2E3-3545-4AD3-A31E-9231ACC12138}" type="datetimeFigureOut">
-              <a:rPr lang="en-US" smtClean="0"/>
-              <a:t>12/5/2022</a:t>
+            <a:pPr rtl="0"/>
+            <a:fld id="{3DDDD12C-A2E5-4D32-A8D5-4FBA4A9916EE}" type="datetime1">
+              <a:rPr lang="es-ES" noProof="0" smtClean="0"/>
+              <a:t>20/01/2023</a:t>
             </a:fld>
-            <a:endParaRPr lang="en-US"/>
-          </a:p>
-        </p:txBody>
-      </p:sp>
-      <p:sp>
-        <p:nvSpPr>
-          <p:cNvPr id="6" name="Marcador de pie de página 5">
-            <a:extLst>
-              <a:ext uri="{FF2B5EF4-FFF2-40B4-BE49-F238E27FC236}">
-                <a16:creationId xmlns:a16="http://schemas.microsoft.com/office/drawing/2014/main" id="{313FBD40-E331-73E3-5008-4A661DB0A1EE}"/>
-              </a:ext>
-            </a:extLst>
-          </p:cNvPr>
+            <a:endParaRPr lang="es-ES" noProof="0" dirty="0"/>
+          </a:p>
+        </p:txBody>
+      </p:sp>
+      <p:sp>
+        <p:nvSpPr>
+          <p:cNvPr id="6" name="Footer Placeholder 5"/>
           <p:cNvSpPr>
             <a:spLocks noGrp="1"/>
           </p:cNvSpPr>
@@ -3071,19 +3686,18 @@
           <a:bodyPr/>
           <a:lstStyle/>
           <a:p>
-            <a:endParaRPr lang="en-US"/>
-          </a:p>
-        </p:txBody>
-      </p:sp>
-      <p:sp>
-        <p:nvSpPr>
-          <p:cNvPr id="7" name="Marcador de número de diapositiva 6">
-            <a:extLst>
-              <a:ext uri="{FF2B5EF4-FFF2-40B4-BE49-F238E27FC236}">
-                <a16:creationId xmlns:a16="http://schemas.microsoft.com/office/drawing/2014/main" id="{CC0745B5-57DF-7FA5-7B0C-9345A2B8D4E0}"/>
-              </a:ext>
-            </a:extLst>
-          </p:cNvPr>
+            <a:pPr rtl="0"/>
+            <a:r>
+              <a:rPr lang="es-ES" noProof="0"/>
+              <a:t>Agregar un pie de página</a:t>
+            </a:r>
+            <a:endParaRPr lang="es-ES" noProof="0" dirty="0"/>
+          </a:p>
+        </p:txBody>
+      </p:sp>
+      <p:sp>
+        <p:nvSpPr>
+          <p:cNvPr id="7" name="Slide Number Placeholder 6"/>
           <p:cNvSpPr>
             <a:spLocks noGrp="1"/>
           </p:cNvSpPr>
@@ -3096,24 +3710,27 @@
           <a:bodyPr/>
           <a:lstStyle/>
           <a:p>
-            <a:fld id="{D1C87DC4-5DE9-4148-B016-2EF5AD9E5B24}" type="slidenum">
-              <a:rPr lang="en-US" smtClean="0"/>
+            <a:pPr rtl="0"/>
+            <a:fld id="{71B7BAC7-FE87-40F6-AA24-4F4685D1B022}" type="slidenum">
+              <a:rPr lang="es-ES" noProof="0" smtClean="0"/>
+              <a:pPr rtl="0"/>
               <a:t>‹Nº›</a:t>
             </a:fld>
-            <a:endParaRPr lang="en-US"/>
+            <a:endParaRPr lang="es-ES" noProof="0" dirty="0"/>
           </a:p>
         </p:txBody>
       </p:sp>
     </p:spTree>
     <p:extLst>
       <p:ext uri="{BB962C8B-B14F-4D97-AF65-F5344CB8AC3E}">
-        <p14:creationId xmlns:p14="http://schemas.microsoft.com/office/powerpoint/2010/main" val="3021648047"/>
+        <p14:creationId xmlns:p14="http://schemas.microsoft.com/office/powerpoint/2010/main" val="862299340"/>
       </p:ext>
     </p:extLst>
   </p:cSld>
   <p:clrMapOvr>
     <a:masterClrMapping/>
   </p:clrMapOvr>
+  <p:hf sldNum="0" hdr="0" ftr="0" dt="0"/>
 </p:sldLayout>
 </file>
 
@@ -3121,9 +3738,12 @@
 <p:sldMaster xmlns:a="http://schemas.openxmlformats.org/drawingml/2006/main" xmlns:r="http://schemas.openxmlformats.org/officeDocument/2006/relationships" xmlns:p="http://schemas.openxmlformats.org/presentationml/2006/main">
   <p:cSld>
     <p:bg>
-      <p:bgRef idx="1001">
-        <a:schemeClr val="bg1"/>
-      </p:bgRef>
+      <p:bgPr>
+        <a:solidFill>
+          <a:srgbClr val="F0F0F0"/>
+        </a:solidFill>
+        <a:effectLst/>
+      </p:bgPr>
     </p:bg>
     <p:spTree>
       <p:nvGrpSpPr>
@@ -3141,13 +3761,7 @@
       </p:grpSpPr>
       <p:sp>
         <p:nvSpPr>
-          <p:cNvPr id="2" name="Marcador de título 1">
-            <a:extLst>
-              <a:ext uri="{FF2B5EF4-FFF2-40B4-BE49-F238E27FC236}">
-                <a16:creationId xmlns:a16="http://schemas.microsoft.com/office/drawing/2014/main" id="{81F66B92-23BA-0A0E-C192-5343A4AE3D30}"/>
-              </a:ext>
-            </a:extLst>
-          </p:cNvPr>
+          <p:cNvPr id="2" name="Title Placeholder 1"/>
           <p:cNvSpPr>
             <a:spLocks noGrp="1"/>
           </p:cNvSpPr>
@@ -3171,22 +3785,16 @@
           <a:lstStyle/>
           <a:p>
             <a:r>
-              <a:rPr lang="es-ES"/>
+              <a:rPr lang="es-ES" dirty="0"/>
               <a:t>Haga clic para modificar el estilo de título del patrón</a:t>
             </a:r>
-            <a:endParaRPr lang="en-US"/>
-          </a:p>
-        </p:txBody>
-      </p:sp>
-      <p:sp>
-        <p:nvSpPr>
-          <p:cNvPr id="3" name="Marcador de texto 2">
-            <a:extLst>
-              <a:ext uri="{FF2B5EF4-FFF2-40B4-BE49-F238E27FC236}">
-                <a16:creationId xmlns:a16="http://schemas.microsoft.com/office/drawing/2014/main" id="{C7ACE550-1BDA-E16D-DCDE-CD3C068820DB}"/>
-              </a:ext>
-            </a:extLst>
-          </p:cNvPr>
+            <a:endParaRPr lang="en-US" dirty="0"/>
+          </a:p>
+        </p:txBody>
+      </p:sp>
+      <p:sp>
+        <p:nvSpPr>
+          <p:cNvPr id="3" name="Text Placeholder 2"/>
           <p:cNvSpPr>
             <a:spLocks noGrp="1"/>
           </p:cNvSpPr>
@@ -3197,7 +3805,7 @@
         <p:spPr>
           <a:xfrm>
             <a:off x="838200" y="1825625"/>
-            <a:ext cx="10515600" cy="4351338"/>
+            <a:ext cx="10515600" cy="4351339"/>
           </a:xfrm>
           <a:prstGeom prst="rect">
             <a:avLst/>
@@ -3242,19 +3850,13 @@
               <a:rPr lang="es-ES"/>
               <a:t>Quinto nivel</a:t>
             </a:r>
-            <a:endParaRPr lang="en-US"/>
-          </a:p>
-        </p:txBody>
-      </p:sp>
-      <p:sp>
-        <p:nvSpPr>
-          <p:cNvPr id="4" name="Marcador de fecha 3">
-            <a:extLst>
-              <a:ext uri="{FF2B5EF4-FFF2-40B4-BE49-F238E27FC236}">
-                <a16:creationId xmlns:a16="http://schemas.microsoft.com/office/drawing/2014/main" id="{33C0CA0B-162F-1AEA-B3D4-E9C871F8D0A2}"/>
-              </a:ext>
-            </a:extLst>
-          </p:cNvPr>
+            <a:endParaRPr lang="en-US" dirty="0"/>
+          </a:p>
+        </p:txBody>
+      </p:sp>
+      <p:sp>
+        <p:nvSpPr>
+          <p:cNvPr id="4" name="Date Placeholder 3"/>
           <p:cNvSpPr>
             <a:spLocks noGrp="1"/>
           </p:cNvSpPr>
@@ -3264,7 +3866,7 @@
         </p:nvSpPr>
         <p:spPr>
           <a:xfrm>
-            <a:off x="838200" y="6356350"/>
+            <a:off x="838200" y="6356351"/>
             <a:ext cx="2743200" cy="365125"/>
           </a:xfrm>
           <a:prstGeom prst="rect">
@@ -3285,23 +3887,18 @@
             </a:lvl1pPr>
           </a:lstStyle>
           <a:p>
-            <a:fld id="{1D34F2E3-3545-4AD3-A31E-9231ACC12138}" type="datetimeFigureOut">
-              <a:rPr lang="en-US" smtClean="0"/>
-              <a:t>12/5/2022</a:t>
+            <a:pPr rtl="0"/>
+            <a:fld id="{3DDDD12C-A2E5-4D32-A8D5-4FBA4A9916EE}" type="datetime1">
+              <a:rPr lang="es-ES" noProof="0" smtClean="0"/>
+              <a:t>20/01/2023</a:t>
             </a:fld>
-            <a:endParaRPr lang="en-US"/>
-          </a:p>
-        </p:txBody>
-      </p:sp>
-      <p:sp>
-        <p:nvSpPr>
-          <p:cNvPr id="5" name="Marcador de pie de página 4">
-            <a:extLst>
-              <a:ext uri="{FF2B5EF4-FFF2-40B4-BE49-F238E27FC236}">
-                <a16:creationId xmlns:a16="http://schemas.microsoft.com/office/drawing/2014/main" id="{50D73E68-64D3-668D-CE2E-DA423988F8EB}"/>
-              </a:ext>
-            </a:extLst>
-          </p:cNvPr>
+            <a:endParaRPr lang="es-ES" noProof="0" dirty="0"/>
+          </a:p>
+        </p:txBody>
+      </p:sp>
+      <p:sp>
+        <p:nvSpPr>
+          <p:cNvPr id="5" name="Footer Placeholder 4"/>
           <p:cNvSpPr>
             <a:spLocks noGrp="1"/>
           </p:cNvSpPr>
@@ -3311,7 +3908,7 @@
         </p:nvSpPr>
         <p:spPr>
           <a:xfrm>
-            <a:off x="4038600" y="6356350"/>
+            <a:off x="4038600" y="6356351"/>
             <a:ext cx="4114800" cy="365125"/>
           </a:xfrm>
           <a:prstGeom prst="rect">
@@ -3332,19 +3929,18 @@
             </a:lvl1pPr>
           </a:lstStyle>
           <a:p>
-            <a:endParaRPr lang="en-US"/>
-          </a:p>
-        </p:txBody>
-      </p:sp>
-      <p:sp>
-        <p:nvSpPr>
-          <p:cNvPr id="6" name="Marcador de número de diapositiva 5">
-            <a:extLst>
-              <a:ext uri="{FF2B5EF4-FFF2-40B4-BE49-F238E27FC236}">
-                <a16:creationId xmlns:a16="http://schemas.microsoft.com/office/drawing/2014/main" id="{6511B848-2D14-703A-A7E8-EBF642BC3553}"/>
-              </a:ext>
-            </a:extLst>
-          </p:cNvPr>
+            <a:pPr rtl="0"/>
+            <a:r>
+              <a:rPr lang="es-ES" noProof="0"/>
+              <a:t>Agregar un pie de página</a:t>
+            </a:r>
+            <a:endParaRPr lang="es-ES" noProof="0" dirty="0"/>
+          </a:p>
+        </p:txBody>
+      </p:sp>
+      <p:sp>
+        <p:nvSpPr>
+          <p:cNvPr id="6" name="Slide Number Placeholder 5"/>
           <p:cNvSpPr>
             <a:spLocks noGrp="1"/>
           </p:cNvSpPr>
@@ -3354,7 +3950,7 @@
         </p:nvSpPr>
         <p:spPr>
           <a:xfrm>
-            <a:off x="8610600" y="6356350"/>
+            <a:off x="8610600" y="6356351"/>
             <a:ext cx="2743200" cy="365125"/>
           </a:xfrm>
           <a:prstGeom prst="rect">
@@ -3375,38 +3971,54 @@
             </a:lvl1pPr>
           </a:lstStyle>
           <a:p>
-            <a:fld id="{D1C87DC4-5DE9-4148-B016-2EF5AD9E5B24}" type="slidenum">
-              <a:rPr lang="en-US" smtClean="0"/>
+            <a:pPr rtl="0"/>
+            <a:fld id="{71B7BAC7-FE87-40F6-AA24-4F4685D1B022}" type="slidenum">
+              <a:rPr lang="es-ES" noProof="0" smtClean="0"/>
+              <a:pPr rtl="0"/>
               <a:t>‹Nº›</a:t>
             </a:fld>
-            <a:endParaRPr lang="en-US"/>
+            <a:endParaRPr lang="es-ES" noProof="0" dirty="0"/>
           </a:p>
         </p:txBody>
       </p:sp>
     </p:spTree>
     <p:extLst>
       <p:ext uri="{BB962C8B-B14F-4D97-AF65-F5344CB8AC3E}">
-        <p14:creationId xmlns:p14="http://schemas.microsoft.com/office/powerpoint/2010/main" val="3959059015"/>
+        <p14:creationId xmlns:p14="http://schemas.microsoft.com/office/powerpoint/2010/main" val="2162769115"/>
       </p:ext>
     </p:extLst>
   </p:cSld>
   <p:clrMap bg1="lt1" tx1="dk1" bg2="lt2" tx2="dk2" accent1="accent1" accent2="accent2" accent3="accent3" accent4="accent4" accent5="accent5" accent6="accent6" hlink="hlink" folHlink="folHlink"/>
   <p:sldLayoutIdLst>
-    <p:sldLayoutId id="2147483649" r:id="rId1"/>
-    <p:sldLayoutId id="2147483650" r:id="rId2"/>
-    <p:sldLayoutId id="2147483651" r:id="rId3"/>
-    <p:sldLayoutId id="2147483652" r:id="rId4"/>
-    <p:sldLayoutId id="2147483653" r:id="rId5"/>
-    <p:sldLayoutId id="2147483654" r:id="rId6"/>
-    <p:sldLayoutId id="2147483655" r:id="rId7"/>
-    <p:sldLayoutId id="2147483656" r:id="rId8"/>
-    <p:sldLayoutId id="2147483657" r:id="rId9"/>
-    <p:sldLayoutId id="2147483658" r:id="rId10"/>
-    <p:sldLayoutId id="2147483659" r:id="rId11"/>
+    <p:sldLayoutId id="2147483779" r:id="rId1"/>
+    <p:sldLayoutId id="2147483780" r:id="rId2"/>
+    <p:sldLayoutId id="2147483781" r:id="rId3"/>
+    <p:sldLayoutId id="2147483782" r:id="rId4"/>
+    <p:sldLayoutId id="2147483783" r:id="rId5"/>
+    <p:sldLayoutId id="2147483784" r:id="rId6"/>
+    <p:sldLayoutId id="2147483785" r:id="rId7"/>
+    <p:sldLayoutId id="2147483786" r:id="rId8"/>
+    <p:sldLayoutId id="2147483787" r:id="rId9"/>
+    <p:sldLayoutId id="2147483788" r:id="rId10"/>
+    <p:sldLayoutId id="2147483789" r:id="rId11"/>
+    <p:sldLayoutId id="2147483681" r:id="rId12"/>
   </p:sldLayoutIdLst>
+  <mc:AlternateContent xmlns:mc="http://schemas.openxmlformats.org/markup-compatibility/2006" xmlns:p14="http://schemas.microsoft.com/office/powerpoint/2010/main">
+    <mc:Choice Requires="p14">
+      <p:transition spd="med" p14:dur="700">
+        <p:fade/>
+      </p:transition>
+    </mc:Choice>
+    <mc:Fallback xmlns="">
+      <p:transition spd="med">
+        <p:fade/>
+      </p:transition>
+    </mc:Fallback>
+  </mc:AlternateContent>
+  <p:hf sldNum="0" hdr="0" ftr="0" dt="0"/>
   <p:txStyles>
     <p:titleStyle>
-      <a:lvl1pPr algn="l" defTabSz="914400" rtl="0" eaLnBrk="1" latinLnBrk="0" hangingPunct="1">
+      <a:lvl1pPr algn="l" defTabSz="914377" rtl="0" eaLnBrk="1" latinLnBrk="0" hangingPunct="1">
         <a:lnSpc>
           <a:spcPct val="90000"/>
         </a:lnSpc>
@@ -3425,7 +4037,7 @@
       </a:lvl1pPr>
     </p:titleStyle>
     <p:bodyStyle>
-      <a:lvl1pPr marL="228600" indent="-228600" algn="l" defTabSz="914400" rtl="0" eaLnBrk="1" latinLnBrk="0" hangingPunct="1">
+      <a:lvl1pPr marL="228594" indent="-228594" algn="l" defTabSz="914377" rtl="0" eaLnBrk="1" latinLnBrk="0" hangingPunct="1">
         <a:lnSpc>
           <a:spcPct val="90000"/>
         </a:lnSpc>
@@ -3443,7 +4055,7 @@
           <a:cs typeface="+mn-cs"/>
         </a:defRPr>
       </a:lvl1pPr>
-      <a:lvl2pPr marL="685800" indent="-228600" algn="l" defTabSz="914400" rtl="0" eaLnBrk="1" latinLnBrk="0" hangingPunct="1">
+      <a:lvl2pPr marL="685783" indent="-228594" algn="l" defTabSz="914377" rtl="0" eaLnBrk="1" latinLnBrk="0" hangingPunct="1">
         <a:lnSpc>
           <a:spcPct val="90000"/>
         </a:lnSpc>
@@ -3461,7 +4073,7 @@
           <a:cs typeface="+mn-cs"/>
         </a:defRPr>
       </a:lvl2pPr>
-      <a:lvl3pPr marL="1143000" indent="-228600" algn="l" defTabSz="914400" rtl="0" eaLnBrk="1" latinLnBrk="0" hangingPunct="1">
+      <a:lvl3pPr marL="1142971" indent="-228594" algn="l" defTabSz="914377" rtl="0" eaLnBrk="1" latinLnBrk="0" hangingPunct="1">
         <a:lnSpc>
           <a:spcPct val="90000"/>
         </a:lnSpc>
@@ -3479,7 +4091,7 @@
           <a:cs typeface="+mn-cs"/>
         </a:defRPr>
       </a:lvl3pPr>
-      <a:lvl4pPr marL="1600200" indent="-228600" algn="l" defTabSz="914400" rtl="0" eaLnBrk="1" latinLnBrk="0" hangingPunct="1">
+      <a:lvl4pPr marL="1600160" indent="-228594" algn="l" defTabSz="914377" rtl="0" eaLnBrk="1" latinLnBrk="0" hangingPunct="1">
         <a:lnSpc>
           <a:spcPct val="90000"/>
         </a:lnSpc>
@@ -3497,7 +4109,7 @@
           <a:cs typeface="+mn-cs"/>
         </a:defRPr>
       </a:lvl4pPr>
-      <a:lvl5pPr marL="2057400" indent="-228600" algn="l" defTabSz="914400" rtl="0" eaLnBrk="1" latinLnBrk="0" hangingPunct="1">
+      <a:lvl5pPr marL="2057349" indent="-228594" algn="l" defTabSz="914377" rtl="0" eaLnBrk="1" latinLnBrk="0" hangingPunct="1">
         <a:lnSpc>
           <a:spcPct val="90000"/>
         </a:lnSpc>
@@ -3515,7 +4127,7 @@
           <a:cs typeface="+mn-cs"/>
         </a:defRPr>
       </a:lvl5pPr>
-      <a:lvl6pPr marL="2514600" indent="-228600" algn="l" defTabSz="914400" rtl="0" eaLnBrk="1" latinLnBrk="0" hangingPunct="1">
+      <a:lvl6pPr marL="2514537" indent="-228594" algn="l" defTabSz="914377" rtl="0" eaLnBrk="1" latinLnBrk="0" hangingPunct="1">
         <a:lnSpc>
           <a:spcPct val="90000"/>
         </a:lnSpc>
@@ -3533,7 +4145,7 @@
           <a:cs typeface="+mn-cs"/>
         </a:defRPr>
       </a:lvl6pPr>
-      <a:lvl7pPr marL="2971800" indent="-228600" algn="l" defTabSz="914400" rtl="0" eaLnBrk="1" latinLnBrk="0" hangingPunct="1">
+      <a:lvl7pPr marL="2971726" indent="-228594" algn="l" defTabSz="914377" rtl="0" eaLnBrk="1" latinLnBrk="0" hangingPunct="1">
         <a:lnSpc>
           <a:spcPct val="90000"/>
         </a:lnSpc>
@@ -3551,7 +4163,7 @@
           <a:cs typeface="+mn-cs"/>
         </a:defRPr>
       </a:lvl7pPr>
-      <a:lvl8pPr marL="3429000" indent="-228600" algn="l" defTabSz="914400" rtl="0" eaLnBrk="1" latinLnBrk="0" hangingPunct="1">
+      <a:lvl8pPr marL="3428914" indent="-228594" algn="l" defTabSz="914377" rtl="0" eaLnBrk="1" latinLnBrk="0" hangingPunct="1">
         <a:lnSpc>
           <a:spcPct val="90000"/>
         </a:lnSpc>
@@ -3569,7 +4181,7 @@
           <a:cs typeface="+mn-cs"/>
         </a:defRPr>
       </a:lvl8pPr>
-      <a:lvl9pPr marL="3886200" indent="-228600" algn="l" defTabSz="914400" rtl="0" eaLnBrk="1" latinLnBrk="0" hangingPunct="1">
+      <a:lvl9pPr marL="3886103" indent="-228594" algn="l" defTabSz="914377" rtl="0" eaLnBrk="1" latinLnBrk="0" hangingPunct="1">
         <a:lnSpc>
           <a:spcPct val="90000"/>
         </a:lnSpc>
@@ -3592,7 +4204,7 @@
       <a:defPPr>
         <a:defRPr lang="en-US"/>
       </a:defPPr>
-      <a:lvl1pPr marL="0" algn="l" defTabSz="914400" rtl="0" eaLnBrk="1" latinLnBrk="0" hangingPunct="1">
+      <a:lvl1pPr marL="0" algn="l" defTabSz="914377" rtl="0" eaLnBrk="1" latinLnBrk="0" hangingPunct="1">
         <a:defRPr sz="1800" kern="1200">
           <a:solidFill>
             <a:schemeClr val="tx1"/>
@@ -3602,7 +4214,7 @@
           <a:cs typeface="+mn-cs"/>
         </a:defRPr>
       </a:lvl1pPr>
-      <a:lvl2pPr marL="457200" algn="l" defTabSz="914400" rtl="0" eaLnBrk="1" latinLnBrk="0" hangingPunct="1">
+      <a:lvl2pPr marL="457189" algn="l" defTabSz="914377" rtl="0" eaLnBrk="1" latinLnBrk="0" hangingPunct="1">
         <a:defRPr sz="1800" kern="1200">
           <a:solidFill>
             <a:schemeClr val="tx1"/>
@@ -3612,7 +4224,7 @@
           <a:cs typeface="+mn-cs"/>
         </a:defRPr>
       </a:lvl2pPr>
-      <a:lvl3pPr marL="914400" algn="l" defTabSz="914400" rtl="0" eaLnBrk="1" latinLnBrk="0" hangingPunct="1">
+      <a:lvl3pPr marL="914377" algn="l" defTabSz="914377" rtl="0" eaLnBrk="1" latinLnBrk="0" hangingPunct="1">
         <a:defRPr sz="1800" kern="1200">
           <a:solidFill>
             <a:schemeClr val="tx1"/>
@@ -3622,7 +4234,7 @@
           <a:cs typeface="+mn-cs"/>
         </a:defRPr>
       </a:lvl3pPr>
-      <a:lvl4pPr marL="1371600" algn="l" defTabSz="914400" rtl="0" eaLnBrk="1" latinLnBrk="0" hangingPunct="1">
+      <a:lvl4pPr marL="1371566" algn="l" defTabSz="914377" rtl="0" eaLnBrk="1" latinLnBrk="0" hangingPunct="1">
         <a:defRPr sz="1800" kern="1200">
           <a:solidFill>
             <a:schemeClr val="tx1"/>
@@ -3632,7 +4244,7 @@
           <a:cs typeface="+mn-cs"/>
         </a:defRPr>
       </a:lvl4pPr>
-      <a:lvl5pPr marL="1828800" algn="l" defTabSz="914400" rtl="0" eaLnBrk="1" latinLnBrk="0" hangingPunct="1">
+      <a:lvl5pPr marL="1828754" algn="l" defTabSz="914377" rtl="0" eaLnBrk="1" latinLnBrk="0" hangingPunct="1">
         <a:defRPr sz="1800" kern="1200">
           <a:solidFill>
             <a:schemeClr val="tx1"/>
@@ -3642,7 +4254,7 @@
           <a:cs typeface="+mn-cs"/>
         </a:defRPr>
       </a:lvl5pPr>
-      <a:lvl6pPr marL="2286000" algn="l" defTabSz="914400" rtl="0" eaLnBrk="1" latinLnBrk="0" hangingPunct="1">
+      <a:lvl6pPr marL="2285943" algn="l" defTabSz="914377" rtl="0" eaLnBrk="1" latinLnBrk="0" hangingPunct="1">
         <a:defRPr sz="1800" kern="1200">
           <a:solidFill>
             <a:schemeClr val="tx1"/>
@@ -3652,7 +4264,7 @@
           <a:cs typeface="+mn-cs"/>
         </a:defRPr>
       </a:lvl6pPr>
-      <a:lvl7pPr marL="2743200" algn="l" defTabSz="914400" rtl="0" eaLnBrk="1" latinLnBrk="0" hangingPunct="1">
+      <a:lvl7pPr marL="2743131" algn="l" defTabSz="914377" rtl="0" eaLnBrk="1" latinLnBrk="0" hangingPunct="1">
         <a:defRPr sz="1800" kern="1200">
           <a:solidFill>
             <a:schemeClr val="tx1"/>
@@ -3662,7 +4274,7 @@
           <a:cs typeface="+mn-cs"/>
         </a:defRPr>
       </a:lvl7pPr>
-      <a:lvl8pPr marL="3200400" algn="l" defTabSz="914400" rtl="0" eaLnBrk="1" latinLnBrk="0" hangingPunct="1">
+      <a:lvl8pPr marL="3200320" algn="l" defTabSz="914377" rtl="0" eaLnBrk="1" latinLnBrk="0" hangingPunct="1">
         <a:defRPr sz="1800" kern="1200">
           <a:solidFill>
             <a:schemeClr val="tx1"/>
@@ -3672,7 +4284,7 @@
           <a:cs typeface="+mn-cs"/>
         </a:defRPr>
       </a:lvl8pPr>
-      <a:lvl9pPr marL="3657600" algn="l" defTabSz="914400" rtl="0" eaLnBrk="1" latinLnBrk="0" hangingPunct="1">
+      <a:lvl9pPr marL="3657509" algn="l" defTabSz="914377" rtl="0" eaLnBrk="1" latinLnBrk="0" hangingPunct="1">
         <a:defRPr sz="1800" kern="1200">
           <a:solidFill>
             <a:schemeClr val="tx1"/>
@@ -3684,6 +4296,11 @@
       </a:lvl9pPr>
     </p:otherStyle>
   </p:txStyles>
+  <p:extLst>
+    <p:ext uri="{27BBF7A9-308A-43DC-89C8-2F10F3537804}">
+      <p15:sldGuideLst xmlns:p15="http://schemas.microsoft.com/office/powerpoint/2012/main"/>
+    </p:ext>
+  </p:extLst>
 </p:sldMaster>
 </file>
 
@@ -3704,12 +4321,101 @@
           <a:chExt cx="0" cy="0"/>
         </a:xfrm>
       </p:grpSpPr>
+      <p:sp>
+        <p:nvSpPr>
+          <p:cNvPr id="3" name="Rectángulo 2">
+            <a:extLst>
+              <a:ext uri="{FF2B5EF4-FFF2-40B4-BE49-F238E27FC236}">
+                <a16:creationId xmlns:a16="http://schemas.microsoft.com/office/drawing/2014/main" id="{50C08874-F94D-EDBB-582C-2C76FFB6786C}"/>
+              </a:ext>
+            </a:extLst>
+          </p:cNvPr>
+          <p:cNvSpPr/>
+          <p:nvPr/>
+        </p:nvSpPr>
+        <p:spPr>
+          <a:xfrm>
+            <a:off x="0" y="0"/>
+            <a:ext cx="12192000" cy="6858000"/>
+          </a:xfrm>
+          <a:prstGeom prst="rect">
+            <a:avLst/>
+          </a:prstGeom>
+          <a:solidFill>
+            <a:srgbClr val="F0F0F0"/>
+          </a:solidFill>
+          <a:ln>
+            <a:noFill/>
+          </a:ln>
+        </p:spPr>
+        <p:style>
+          <a:lnRef idx="2">
+            <a:schemeClr val="accent1">
+              <a:shade val="50000"/>
+            </a:schemeClr>
+          </a:lnRef>
+          <a:fillRef idx="1">
+            <a:schemeClr val="accent1"/>
+          </a:fillRef>
+          <a:effectRef idx="0">
+            <a:schemeClr val="accent1"/>
+          </a:effectRef>
+          <a:fontRef idx="minor">
+            <a:schemeClr val="lt1"/>
+          </a:fontRef>
+        </p:style>
+        <p:txBody>
+          <a:bodyPr rtlCol="0" anchor="ctr"/>
+          <a:lstStyle/>
+          <a:p>
+            <a:pPr algn="ctr"/>
+            <a:endParaRPr lang="en-US"/>
+          </a:p>
+        </p:txBody>
+      </p:sp>
+      <p:sp>
+        <p:nvSpPr>
+          <p:cNvPr id="2" name="Título 1">
+            <a:extLst>
+              <a:ext uri="{FF2B5EF4-FFF2-40B4-BE49-F238E27FC236}">
+                <a16:creationId xmlns:a16="http://schemas.microsoft.com/office/drawing/2014/main" id="{E8693AA3-2B1F-F00E-F28B-13E668B9C553}"/>
+              </a:ext>
+            </a:extLst>
+          </p:cNvPr>
+          <p:cNvSpPr>
+            <a:spLocks noGrp="1"/>
+          </p:cNvSpPr>
+          <p:nvPr>
+            <p:ph type="ctrTitle"/>
+          </p:nvPr>
+        </p:nvSpPr>
+        <p:spPr>
+          <a:xfrm>
+            <a:off x="720000" y="720000"/>
+            <a:ext cx="6323895" cy="4320000"/>
+          </a:xfrm>
+        </p:spPr>
+        <p:txBody>
+          <a:bodyPr anchor="t" anchorCtr="0">
+            <a:normAutofit/>
+          </a:bodyPr>
+          <a:lstStyle/>
+          <a:p>
+            <a:pPr algn="l"/>
+            <a:r>
+              <a:rPr lang="es-CO" sz="2600" b="1" dirty="0"/>
+              <a:t>Geometría</a:t>
+            </a:r>
+            <a:endParaRPr lang="en-US" sz="2600" b="1" dirty="0"/>
+          </a:p>
+        </p:txBody>
+      </p:sp>
       <p:grpSp>
         <p:nvGrpSpPr>
-          <p:cNvPr id="15" name="Grupo 14">
+          <p:cNvPr id="4" name="Group 3">
             <a:extLst>
               <a:ext uri="{FF2B5EF4-FFF2-40B4-BE49-F238E27FC236}">
-                <a16:creationId xmlns:a16="http://schemas.microsoft.com/office/drawing/2014/main" id="{CA9BA61C-2C4B-14DF-E6EE-271EA938E6D3}"/>
+                <a16:creationId xmlns:a16="http://schemas.microsoft.com/office/drawing/2014/main" id="{75763AFD-ACB0-D007-9045-1446594414B7}"/>
               </a:ext>
             </a:extLst>
           </p:cNvPr>
@@ -3718,347 +4424,18 @@
         </p:nvGrpSpPr>
         <p:grpSpPr>
           <a:xfrm>
-            <a:off x="203965" y="2124986"/>
-            <a:ext cx="11784070" cy="2739752"/>
-            <a:chOff x="203965" y="2124986"/>
-            <a:chExt cx="11784070" cy="2739752"/>
+            <a:off x="720000" y="5598000"/>
+            <a:ext cx="4680000" cy="540000"/>
+            <a:chOff x="1024800" y="5598000"/>
+            <a:chExt cx="4528936" cy="540000"/>
           </a:xfrm>
         </p:grpSpPr>
-        <p:pic>
-          <p:nvPicPr>
-            <p:cNvPr id="3" name="Imagen 2">
+        <p:sp>
+          <p:nvSpPr>
+            <p:cNvPr id="5" name="Rectangle: Rounded Corners 4">
               <a:extLst>
                 <a:ext uri="{FF2B5EF4-FFF2-40B4-BE49-F238E27FC236}">
-                  <a16:creationId xmlns:a16="http://schemas.microsoft.com/office/drawing/2014/main" id="{D1BD83E1-0B17-06E0-E981-D3961321C258}"/>
-                </a:ext>
-              </a:extLst>
-            </p:cNvPr>
-            <p:cNvPicPr>
-              <a:picLocks noChangeAspect="1"/>
-            </p:cNvPicPr>
-            <p:nvPr/>
-          </p:nvPicPr>
-          <p:blipFill>
-            <a:blip r:embed="rId2"/>
-            <a:stretch>
-              <a:fillRect/>
-            </a:stretch>
-          </p:blipFill>
-          <p:spPr>
-            <a:xfrm>
-              <a:off x="203965" y="2124986"/>
-              <a:ext cx="11784070" cy="2343477"/>
-            </a:xfrm>
-            <a:prstGeom prst="rect">
-              <a:avLst/>
-            </a:prstGeom>
-          </p:spPr>
-        </p:pic>
-        <p:sp>
-          <p:nvSpPr>
-            <p:cNvPr id="4" name="CuadroTexto 3">
-              <a:extLst>
-                <a:ext uri="{FF2B5EF4-FFF2-40B4-BE49-F238E27FC236}">
-                  <a16:creationId xmlns:a16="http://schemas.microsoft.com/office/drawing/2014/main" id="{CEFC290F-1034-F5DB-126A-BA8D09FF72F7}"/>
-                </a:ext>
-              </a:extLst>
-            </p:cNvPr>
-            <p:cNvSpPr txBox="1"/>
-            <p:nvPr/>
-          </p:nvSpPr>
-          <p:spPr>
-            <a:xfrm>
-              <a:off x="3874438" y="4512712"/>
-              <a:ext cx="2070855" cy="307777"/>
-            </a:xfrm>
-            <a:prstGeom prst="rect">
-              <a:avLst/>
-            </a:prstGeom>
-            <a:noFill/>
-          </p:spPr>
-          <p:txBody>
-            <a:bodyPr wrap="square" rtlCol="0">
-              <a:spAutoFit/>
-            </a:bodyPr>
-            <a:lstStyle>
-              <a:defPPr>
-                <a:defRPr lang="en-US"/>
-              </a:defPPr>
-              <a:lvl1pPr algn="ctr">
-                <a:defRPr sz="1100" b="1">
-                  <a:solidFill>
-                    <a:schemeClr val="bg2">
-                      <a:lumMod val="25000"/>
-                    </a:schemeClr>
-                  </a:solidFill>
-                  <a:latin typeface="Segoe UI Light" panose="020B0502040204020203" pitchFamily="34" charset="0"/>
-                  <a:cs typeface="Segoe UI Light" panose="020B0502040204020203" pitchFamily="34" charset="0"/>
-                </a:defRPr>
-              </a:lvl1pPr>
-            </a:lstStyle>
-            <a:p>
-              <a:r>
-                <a:rPr lang="es-VE" sz="1400" dirty="0">
-                  <a:solidFill>
-                    <a:schemeClr val="bg2">
-                      <a:lumMod val="10000"/>
-                    </a:schemeClr>
-                  </a:solidFill>
-                </a:rPr>
-                <a:t>Geometría</a:t>
-              </a:r>
-              <a:endParaRPr lang="es-VE" sz="1200" baseline="-25000" dirty="0">
-                <a:solidFill>
-                  <a:schemeClr val="bg2">
-                    <a:lumMod val="10000"/>
-                  </a:schemeClr>
-                </a:solidFill>
-              </a:endParaRPr>
-            </a:p>
-          </p:txBody>
-        </p:sp>
-        <p:cxnSp>
-          <p:nvCxnSpPr>
-            <p:cNvPr id="6" name="Conector recto de flecha 5">
-              <a:extLst>
-                <a:ext uri="{FF2B5EF4-FFF2-40B4-BE49-F238E27FC236}">
-                  <a16:creationId xmlns:a16="http://schemas.microsoft.com/office/drawing/2014/main" id="{0E69DA10-3AA3-EAD5-68F5-30F89E07D525}"/>
-                </a:ext>
-              </a:extLst>
-            </p:cNvPr>
-            <p:cNvCxnSpPr>
-              <a:cxnSpLocks/>
-            </p:cNvCxnSpPr>
-            <p:nvPr/>
-          </p:nvCxnSpPr>
-          <p:spPr>
-            <a:xfrm flipH="1" flipV="1">
-              <a:off x="1973407" y="3816764"/>
-              <a:ext cx="2638350" cy="651699"/>
-            </a:xfrm>
-            <a:prstGeom prst="straightConnector1">
-              <a:avLst/>
-            </a:prstGeom>
-            <a:ln w="6350">
-              <a:solidFill>
-                <a:schemeClr val="bg2">
-                  <a:lumMod val="25000"/>
-                </a:schemeClr>
-              </a:solidFill>
-              <a:tailEnd type="triangle"/>
-            </a:ln>
-          </p:spPr>
-          <p:style>
-            <a:lnRef idx="1">
-              <a:schemeClr val="accent3"/>
-            </a:lnRef>
-            <a:fillRef idx="0">
-              <a:schemeClr val="accent3"/>
-            </a:fillRef>
-            <a:effectRef idx="0">
-              <a:schemeClr val="accent3"/>
-            </a:effectRef>
-            <a:fontRef idx="minor">
-              <a:schemeClr val="tx1"/>
-            </a:fontRef>
-          </p:style>
-        </p:cxnSp>
-        <p:cxnSp>
-          <p:nvCxnSpPr>
-            <p:cNvPr id="9" name="Conector recto de flecha 8">
-              <a:extLst>
-                <a:ext uri="{FF2B5EF4-FFF2-40B4-BE49-F238E27FC236}">
-                  <a16:creationId xmlns:a16="http://schemas.microsoft.com/office/drawing/2014/main" id="{FAC54552-322E-8CEC-86C0-D69A6F63503D}"/>
-                </a:ext>
-              </a:extLst>
-            </p:cNvPr>
-            <p:cNvCxnSpPr>
-              <a:cxnSpLocks/>
-            </p:cNvCxnSpPr>
-            <p:nvPr/>
-          </p:nvCxnSpPr>
-          <p:spPr>
-            <a:xfrm flipH="1" flipV="1">
-              <a:off x="1907716" y="4123082"/>
-              <a:ext cx="974632" cy="389630"/>
-            </a:xfrm>
-            <a:prstGeom prst="straightConnector1">
-              <a:avLst/>
-            </a:prstGeom>
-            <a:ln w="6350">
-              <a:solidFill>
-                <a:schemeClr val="bg2">
-                  <a:lumMod val="25000"/>
-                </a:schemeClr>
-              </a:solidFill>
-              <a:tailEnd type="triangle"/>
-            </a:ln>
-          </p:spPr>
-          <p:style>
-            <a:lnRef idx="1">
-              <a:schemeClr val="accent3"/>
-            </a:lnRef>
-            <a:fillRef idx="0">
-              <a:schemeClr val="accent3"/>
-            </a:fillRef>
-            <a:effectRef idx="0">
-              <a:schemeClr val="accent3"/>
-            </a:effectRef>
-            <a:fontRef idx="minor">
-              <a:schemeClr val="tx1"/>
-            </a:fontRef>
-          </p:style>
-        </p:cxnSp>
-        <p:sp>
-          <p:nvSpPr>
-            <p:cNvPr id="14" name="CuadroTexto 13">
-              <a:extLst>
-                <a:ext uri="{FF2B5EF4-FFF2-40B4-BE49-F238E27FC236}">
-                  <a16:creationId xmlns:a16="http://schemas.microsoft.com/office/drawing/2014/main" id="{E0D31D6F-3C65-2AF6-48A9-B0C2FA831B52}"/>
-                </a:ext>
-              </a:extLst>
-            </p:cNvPr>
-            <p:cNvSpPr txBox="1"/>
-            <p:nvPr/>
-          </p:nvSpPr>
-          <p:spPr>
-            <a:xfrm>
-              <a:off x="2342966" y="4556961"/>
-              <a:ext cx="2070855" cy="307777"/>
-            </a:xfrm>
-            <a:prstGeom prst="rect">
-              <a:avLst/>
-            </a:prstGeom>
-            <a:noFill/>
-          </p:spPr>
-          <p:txBody>
-            <a:bodyPr wrap="square" rtlCol="0">
-              <a:spAutoFit/>
-            </a:bodyPr>
-            <a:lstStyle>
-              <a:defPPr>
-                <a:defRPr lang="en-US"/>
-              </a:defPPr>
-              <a:lvl1pPr algn="ctr">
-                <a:defRPr sz="1100" b="1">
-                  <a:solidFill>
-                    <a:schemeClr val="bg2">
-                      <a:lumMod val="25000"/>
-                    </a:schemeClr>
-                  </a:solidFill>
-                  <a:latin typeface="Segoe UI Light" panose="020B0502040204020203" pitchFamily="34" charset="0"/>
-                  <a:cs typeface="Segoe UI Light" panose="020B0502040204020203" pitchFamily="34" charset="0"/>
-                </a:defRPr>
-              </a:lvl1pPr>
-            </a:lstStyle>
-            <a:p>
-              <a:r>
-                <a:rPr lang="en-US" sz="1400" dirty="0">
-                  <a:solidFill>
-                    <a:schemeClr val="bg2">
-                      <a:lumMod val="10000"/>
-                    </a:schemeClr>
-                  </a:solidFill>
-                </a:rPr>
-                <a:t>Proyecto</a:t>
-              </a:r>
-              <a:endParaRPr lang="en-US" sz="1200" baseline="-25000" dirty="0">
-                <a:solidFill>
-                  <a:schemeClr val="bg2">
-                    <a:lumMod val="10000"/>
-                  </a:schemeClr>
-                </a:solidFill>
-              </a:endParaRPr>
-            </a:p>
-          </p:txBody>
-        </p:sp>
-      </p:grpSp>
-    </p:spTree>
-    <p:extLst>
-      <p:ext uri="{BB962C8B-B14F-4D97-AF65-F5344CB8AC3E}">
-        <p14:creationId xmlns:p14="http://schemas.microsoft.com/office/powerpoint/2010/main" val="3582399705"/>
-      </p:ext>
-    </p:extLst>
-  </p:cSld>
-  <p:clrMapOvr>
-    <a:masterClrMapping/>
-  </p:clrMapOvr>
-</p:sld>
-</file>
-
-<file path=ppt/slides/slide2.xml><?xml version="1.0" encoding="utf-8"?>
-<p:sld xmlns:a="http://schemas.openxmlformats.org/drawingml/2006/main" xmlns:r="http://schemas.openxmlformats.org/officeDocument/2006/relationships" xmlns:p="http://schemas.openxmlformats.org/presentationml/2006/main">
-  <p:cSld>
-    <p:spTree>
-      <p:nvGrpSpPr>
-        <p:cNvPr id="1" name=""/>
-        <p:cNvGrpSpPr/>
-        <p:nvPr/>
-      </p:nvGrpSpPr>
-      <p:grpSpPr>
-        <a:xfrm>
-          <a:off x="0" y="0"/>
-          <a:ext cx="0" cy="0"/>
-          <a:chOff x="0" y="0"/>
-          <a:chExt cx="0" cy="0"/>
-        </a:xfrm>
-      </p:grpSpPr>
-      <p:grpSp>
-        <p:nvGrpSpPr>
-          <p:cNvPr id="8" name="Grupo 7">
-            <a:extLst>
-              <a:ext uri="{FF2B5EF4-FFF2-40B4-BE49-F238E27FC236}">
-                <a16:creationId xmlns:a16="http://schemas.microsoft.com/office/drawing/2014/main" id="{303429D3-1159-5435-7B04-6CE4147C18DB}"/>
-              </a:ext>
-            </a:extLst>
-          </p:cNvPr>
-          <p:cNvGrpSpPr/>
-          <p:nvPr/>
-        </p:nvGrpSpPr>
-        <p:grpSpPr>
-          <a:xfrm>
-            <a:off x="1061335" y="1684920"/>
-            <a:ext cx="10069330" cy="2534004"/>
-            <a:chOff x="1061335" y="1684920"/>
-            <a:chExt cx="10069330" cy="2534004"/>
-          </a:xfrm>
-        </p:grpSpPr>
-        <p:pic>
-          <p:nvPicPr>
-            <p:cNvPr id="5" name="Imagen 4">
-              <a:extLst>
-                <a:ext uri="{FF2B5EF4-FFF2-40B4-BE49-F238E27FC236}">
-                  <a16:creationId xmlns:a16="http://schemas.microsoft.com/office/drawing/2014/main" id="{6FE8E441-A3A9-998D-5D8A-4DC7354AF90B}"/>
-                </a:ext>
-              </a:extLst>
-            </p:cNvPr>
-            <p:cNvPicPr>
-              <a:picLocks noChangeAspect="1"/>
-            </p:cNvPicPr>
-            <p:nvPr/>
-          </p:nvPicPr>
-          <p:blipFill>
-            <a:blip r:embed="rId2"/>
-            <a:stretch>
-              <a:fillRect/>
-            </a:stretch>
-          </p:blipFill>
-          <p:spPr>
-            <a:xfrm>
-              <a:off x="1061335" y="1684920"/>
-              <a:ext cx="10069330" cy="2534004"/>
-            </a:xfrm>
-            <a:prstGeom prst="rect">
-              <a:avLst/>
-            </a:prstGeom>
-          </p:spPr>
-        </p:pic>
-        <p:sp>
-          <p:nvSpPr>
-            <p:cNvPr id="6" name="Rectángulo 5">
-              <a:extLst>
-                <a:ext uri="{FF2B5EF4-FFF2-40B4-BE49-F238E27FC236}">
-                  <a16:creationId xmlns:a16="http://schemas.microsoft.com/office/drawing/2014/main" id="{A09867A7-74BE-DD7B-4D63-73C3C869A125}"/>
+                  <a16:creationId xmlns:a16="http://schemas.microsoft.com/office/drawing/2014/main" id="{D075D5BD-DF2F-9AFC-C3C1-DED853F4C094}"/>
                 </a:ext>
               </a:extLst>
             </p:cNvPr>
@@ -4067,17 +4444,17 @@
           </p:nvSpPr>
           <p:spPr>
             <a:xfrm>
-              <a:off x="2067340" y="2703444"/>
-              <a:ext cx="964095" cy="248478"/>
+              <a:off x="1024800" y="5598000"/>
+              <a:ext cx="594000" cy="540000"/>
             </a:xfrm>
-            <a:prstGeom prst="rect">
+            <a:prstGeom prst="roundRect">
               <a:avLst/>
             </a:prstGeom>
-            <a:noFill/>
-            <a:ln w="28575">
-              <a:solidFill>
-                <a:srgbClr val="C00000"/>
-              </a:solidFill>
+            <a:solidFill>
+              <a:srgbClr val="990000"/>
+            </a:solidFill>
+            <a:ln>
+              <a:noFill/>
             </a:ln>
           </p:spPr>
           <p:style>
@@ -4101,16 +4478,16 @@
             <a:lstStyle/>
             <a:p>
               <a:pPr algn="ctr"/>
-              <a:endParaRPr lang="en-US"/>
+              <a:endParaRPr lang="es-CO"/>
             </a:p>
           </p:txBody>
         </p:sp>
         <p:sp>
           <p:nvSpPr>
-            <p:cNvPr id="7" name="Rectángulo 6">
+            <p:cNvPr id="6" name="Rectangle 5">
               <a:extLst>
                 <a:ext uri="{FF2B5EF4-FFF2-40B4-BE49-F238E27FC236}">
-                  <a16:creationId xmlns:a16="http://schemas.microsoft.com/office/drawing/2014/main" id="{8233E0EA-EE70-E0E5-3E6D-B2F812514B92}"/>
+                  <a16:creationId xmlns:a16="http://schemas.microsoft.com/office/drawing/2014/main" id="{AD021875-474F-619F-E897-C817A7AFF50E}"/>
                 </a:ext>
               </a:extLst>
             </p:cNvPr>
@@ -4119,17 +4496,278 @@
           </p:nvSpPr>
           <p:spPr>
             <a:xfrm>
-              <a:off x="2067339" y="3173896"/>
-              <a:ext cx="964095" cy="248478"/>
+              <a:off x="1233736" y="5598000"/>
+              <a:ext cx="4320000" cy="540000"/>
             </a:xfrm>
             <a:prstGeom prst="rect">
               <a:avLst/>
             </a:prstGeom>
+            <a:solidFill>
+              <a:schemeClr val="bg1">
+                <a:lumMod val="75000"/>
+              </a:schemeClr>
+            </a:solidFill>
+            <a:ln>
+              <a:noFill/>
+            </a:ln>
+          </p:spPr>
+          <p:style>
+            <a:lnRef idx="2">
+              <a:schemeClr val="accent1">
+                <a:shade val="50000"/>
+              </a:schemeClr>
+            </a:lnRef>
+            <a:fillRef idx="1">
+              <a:schemeClr val="accent1"/>
+            </a:fillRef>
+            <a:effectRef idx="0">
+              <a:schemeClr val="accent1"/>
+            </a:effectRef>
+            <a:fontRef idx="minor">
+              <a:schemeClr val="lt1"/>
+            </a:fontRef>
+          </p:style>
+          <p:txBody>
+            <a:bodyPr rtlCol="0" anchor="ctr"/>
+            <a:lstStyle/>
+            <a:p>
+              <a:r>
+                <a:rPr lang="en-US" dirty="0">
+                  <a:solidFill>
+                    <a:schemeClr val="bg1"/>
+                  </a:solidFill>
+                  <a:latin typeface="Segoe UI" panose="020B0502040204020203" pitchFamily="34" charset="0"/>
+                  <a:cs typeface="Segoe UI" panose="020B0502040204020203" pitchFamily="34" charset="0"/>
+                </a:rPr>
+                <a:t>María Fernanda Latouche Facenda</a:t>
+              </a:r>
+            </a:p>
+          </p:txBody>
+        </p:sp>
+      </p:grpSp>
+      <p:pic>
+        <p:nvPicPr>
+          <p:cNvPr id="7" name="Picture 4">
+            <a:extLst>
+              <a:ext uri="{FF2B5EF4-FFF2-40B4-BE49-F238E27FC236}">
+                <a16:creationId xmlns:a16="http://schemas.microsoft.com/office/drawing/2014/main" id="{27F0C4BE-3375-4B1C-8229-FDE8128A7F73}"/>
+              </a:ext>
+            </a:extLst>
+          </p:cNvPr>
+          <p:cNvPicPr>
+            <a:picLocks noChangeAspect="1" noChangeArrowheads="1"/>
+          </p:cNvPicPr>
+          <p:nvPr/>
+        </p:nvPicPr>
+        <p:blipFill>
+          <a:blip r:embed="rId3">
+            <a:extLst>
+              <a:ext uri="{28A0092B-C50C-407E-A947-70E740481C1C}">
+                <a14:useLocalDpi xmlns:a14="http://schemas.microsoft.com/office/drawing/2010/main" val="0"/>
+              </a:ext>
+            </a:extLst>
+          </a:blip>
+          <a:srcRect/>
+          <a:stretch>
+            <a:fillRect/>
+          </a:stretch>
+        </p:blipFill>
+        <p:spPr bwMode="auto">
+          <a:xfrm>
+            <a:off x="5410200" y="2743200"/>
+            <a:ext cx="1371600" cy="1371600"/>
+          </a:xfrm>
+          <a:prstGeom prst="rect">
+            <a:avLst/>
+          </a:prstGeom>
+          <a:noFill/>
+          <a:extLst>
+            <a:ext uri="{909E8E84-426E-40DD-AFC4-6F175D3DCCD1}">
+              <a14:hiddenFill xmlns:a14="http://schemas.microsoft.com/office/drawing/2010/main">
+                <a:solidFill>
+                  <a:srgbClr val="FFFFFF"/>
+                </a:solidFill>
+              </a14:hiddenFill>
+            </a:ext>
+          </a:extLst>
+        </p:spPr>
+      </p:pic>
+    </p:spTree>
+    <p:extLst>
+      <p:ext uri="{BB962C8B-B14F-4D97-AF65-F5344CB8AC3E}">
+        <p14:creationId xmlns:p14="http://schemas.microsoft.com/office/powerpoint/2010/main" val="4290802761"/>
+      </p:ext>
+    </p:extLst>
+  </p:cSld>
+  <p:clrMapOvr>
+    <a:masterClrMapping/>
+  </p:clrMapOvr>
+  <mc:AlternateContent xmlns:mc="http://schemas.openxmlformats.org/markup-compatibility/2006" xmlns:p14="http://schemas.microsoft.com/office/powerpoint/2010/main">
+    <mc:Choice Requires="p14">
+      <p:transition spd="med" p14:dur="700">
+        <p:fade/>
+      </p:transition>
+    </mc:Choice>
+    <mc:Fallback xmlns="">
+      <p:transition spd="med">
+        <p:fade/>
+      </p:transition>
+    </mc:Fallback>
+  </mc:AlternateContent>
+</p:sld>
+</file>
+
+<file path=ppt/slides/slide2.xml><?xml version="1.0" encoding="utf-8"?>
+<p:sld xmlns:a="http://schemas.openxmlformats.org/drawingml/2006/main" xmlns:r="http://schemas.openxmlformats.org/officeDocument/2006/relationships" xmlns:p="http://schemas.openxmlformats.org/presentationml/2006/main">
+  <p:cSld>
+    <p:spTree>
+      <p:nvGrpSpPr>
+        <p:cNvPr id="1" name=""/>
+        <p:cNvGrpSpPr/>
+        <p:nvPr/>
+      </p:nvGrpSpPr>
+      <p:grpSpPr>
+        <a:xfrm>
+          <a:off x="0" y="0"/>
+          <a:ext cx="0" cy="0"/>
+          <a:chOff x="0" y="0"/>
+          <a:chExt cx="0" cy="0"/>
+        </a:xfrm>
+      </p:grpSpPr>
+      <p:sp>
+        <p:nvSpPr>
+          <p:cNvPr id="3" name="Rectángulo 2">
+            <a:extLst>
+              <a:ext uri="{FF2B5EF4-FFF2-40B4-BE49-F238E27FC236}">
+                <a16:creationId xmlns:a16="http://schemas.microsoft.com/office/drawing/2014/main" id="{50C08874-F94D-EDBB-582C-2C76FFB6786C}"/>
+              </a:ext>
+            </a:extLst>
+          </p:cNvPr>
+          <p:cNvSpPr/>
+          <p:nvPr/>
+        </p:nvSpPr>
+        <p:spPr>
+          <a:xfrm>
+            <a:off x="0" y="0"/>
+            <a:ext cx="12192000" cy="6858000"/>
+          </a:xfrm>
+          <a:prstGeom prst="rect">
+            <a:avLst/>
+          </a:prstGeom>
+          <a:solidFill>
+            <a:srgbClr val="F0F0F0"/>
+          </a:solidFill>
+          <a:ln>
             <a:noFill/>
-            <a:ln w="28575">
-              <a:solidFill>
-                <a:srgbClr val="C00000"/>
-              </a:solidFill>
+          </a:ln>
+        </p:spPr>
+        <p:style>
+          <a:lnRef idx="2">
+            <a:schemeClr val="accent1">
+              <a:shade val="50000"/>
+            </a:schemeClr>
+          </a:lnRef>
+          <a:fillRef idx="1">
+            <a:schemeClr val="accent1"/>
+          </a:fillRef>
+          <a:effectRef idx="0">
+            <a:schemeClr val="accent1"/>
+          </a:effectRef>
+          <a:fontRef idx="minor">
+            <a:schemeClr val="lt1"/>
+          </a:fontRef>
+        </p:style>
+        <p:txBody>
+          <a:bodyPr rtlCol="0" anchor="ctr"/>
+          <a:lstStyle/>
+          <a:p>
+            <a:pPr algn="ctr"/>
+            <a:endParaRPr lang="en-US"/>
+          </a:p>
+        </p:txBody>
+      </p:sp>
+      <p:sp>
+        <p:nvSpPr>
+          <p:cNvPr id="2" name="Título 1">
+            <a:extLst>
+              <a:ext uri="{FF2B5EF4-FFF2-40B4-BE49-F238E27FC236}">
+                <a16:creationId xmlns:a16="http://schemas.microsoft.com/office/drawing/2014/main" id="{E8693AA3-2B1F-F00E-F28B-13E668B9C553}"/>
+              </a:ext>
+            </a:extLst>
+          </p:cNvPr>
+          <p:cNvSpPr>
+            <a:spLocks noGrp="1"/>
+          </p:cNvSpPr>
+          <p:nvPr>
+            <p:ph type="ctrTitle"/>
+          </p:nvPr>
+        </p:nvSpPr>
+        <p:spPr>
+          <a:xfrm>
+            <a:off x="720000" y="720000"/>
+            <a:ext cx="6323895" cy="4320000"/>
+          </a:xfrm>
+        </p:spPr>
+        <p:txBody>
+          <a:bodyPr anchor="t" anchorCtr="0">
+            <a:normAutofit/>
+          </a:bodyPr>
+          <a:lstStyle/>
+          <a:p>
+            <a:pPr algn="l"/>
+            <a:r>
+              <a:rPr lang="es-CO" sz="2600" b="1" dirty="0"/>
+              <a:t>Geometría</a:t>
+            </a:r>
+            <a:endParaRPr lang="en-US" sz="2600" b="1" dirty="0"/>
+          </a:p>
+        </p:txBody>
+      </p:sp>
+      <p:grpSp>
+        <p:nvGrpSpPr>
+          <p:cNvPr id="4" name="Group 3">
+            <a:extLst>
+              <a:ext uri="{FF2B5EF4-FFF2-40B4-BE49-F238E27FC236}">
+                <a16:creationId xmlns:a16="http://schemas.microsoft.com/office/drawing/2014/main" id="{75763AFD-ACB0-D007-9045-1446594414B7}"/>
+              </a:ext>
+            </a:extLst>
+          </p:cNvPr>
+          <p:cNvGrpSpPr/>
+          <p:nvPr/>
+        </p:nvGrpSpPr>
+        <p:grpSpPr>
+          <a:xfrm>
+            <a:off x="720000" y="5598000"/>
+            <a:ext cx="4680000" cy="540000"/>
+            <a:chOff x="1024800" y="5598000"/>
+            <a:chExt cx="4528936" cy="540000"/>
+          </a:xfrm>
+        </p:grpSpPr>
+        <p:sp>
+          <p:nvSpPr>
+            <p:cNvPr id="5" name="Rectangle: Rounded Corners 4">
+              <a:extLst>
+                <a:ext uri="{FF2B5EF4-FFF2-40B4-BE49-F238E27FC236}">
+                  <a16:creationId xmlns:a16="http://schemas.microsoft.com/office/drawing/2014/main" id="{D075D5BD-DF2F-9AFC-C3C1-DED853F4C094}"/>
+                </a:ext>
+              </a:extLst>
+            </p:cNvPr>
+            <p:cNvSpPr/>
+            <p:nvPr/>
+          </p:nvSpPr>
+          <p:spPr>
+            <a:xfrm>
+              <a:off x="1024800" y="5598000"/>
+              <a:ext cx="594000" cy="540000"/>
+            </a:xfrm>
+            <a:prstGeom prst="roundRect">
+              <a:avLst/>
+            </a:prstGeom>
+            <a:solidFill>
+              <a:srgbClr val="990000"/>
+            </a:solidFill>
+            <a:ln>
+              <a:noFill/>
             </a:ln>
           </p:spPr>
           <p:style>
@@ -4153,97 +4791,16 @@
             <a:lstStyle/>
             <a:p>
               <a:pPr algn="ctr"/>
-              <a:endParaRPr lang="en-US" dirty="0"/>
+              <a:endParaRPr lang="es-CO"/>
             </a:p>
           </p:txBody>
         </p:sp>
-      </p:grpSp>
-    </p:spTree>
-    <p:extLst>
-      <p:ext uri="{BB962C8B-B14F-4D97-AF65-F5344CB8AC3E}">
-        <p14:creationId xmlns:p14="http://schemas.microsoft.com/office/powerpoint/2010/main" val="348239260"/>
-      </p:ext>
-    </p:extLst>
-  </p:cSld>
-  <p:clrMapOvr>
-    <a:masterClrMapping/>
-  </p:clrMapOvr>
-</p:sld>
-</file>
-
-<file path=ppt/slides/slide3.xml><?xml version="1.0" encoding="utf-8"?>
-<p:sld xmlns:a="http://schemas.openxmlformats.org/drawingml/2006/main" xmlns:r="http://schemas.openxmlformats.org/officeDocument/2006/relationships" xmlns:p="http://schemas.openxmlformats.org/presentationml/2006/main">
-  <p:cSld>
-    <p:spTree>
-      <p:nvGrpSpPr>
-        <p:cNvPr id="1" name=""/>
-        <p:cNvGrpSpPr/>
-        <p:nvPr/>
-      </p:nvGrpSpPr>
-      <p:grpSpPr>
-        <a:xfrm>
-          <a:off x="0" y="0"/>
-          <a:ext cx="0" cy="0"/>
-          <a:chOff x="0" y="0"/>
-          <a:chExt cx="0" cy="0"/>
-        </a:xfrm>
-      </p:grpSpPr>
-      <p:grpSp>
-        <p:nvGrpSpPr>
-          <p:cNvPr id="2" name="Grupo 1">
-            <a:extLst>
-              <a:ext uri="{FF2B5EF4-FFF2-40B4-BE49-F238E27FC236}">
-                <a16:creationId xmlns:a16="http://schemas.microsoft.com/office/drawing/2014/main" id="{5F4A479C-39CB-08F0-76C5-4F469C9EA20D}"/>
-              </a:ext>
-            </a:extLst>
-          </p:cNvPr>
-          <p:cNvGrpSpPr/>
-          <p:nvPr/>
-        </p:nvGrpSpPr>
-        <p:grpSpPr>
-          <a:xfrm>
-            <a:off x="1061335" y="1684920"/>
-            <a:ext cx="10069330" cy="2534004"/>
-            <a:chOff x="1061335" y="1684920"/>
-            <a:chExt cx="10069330" cy="2534004"/>
-          </a:xfrm>
-        </p:grpSpPr>
-        <p:pic>
-          <p:nvPicPr>
-            <p:cNvPr id="5" name="Imagen 4">
+        <p:sp>
+          <p:nvSpPr>
+            <p:cNvPr id="6" name="Rectangle 5">
               <a:extLst>
                 <a:ext uri="{FF2B5EF4-FFF2-40B4-BE49-F238E27FC236}">
-                  <a16:creationId xmlns:a16="http://schemas.microsoft.com/office/drawing/2014/main" id="{6FE8E441-A3A9-998D-5D8A-4DC7354AF90B}"/>
-                </a:ext>
-              </a:extLst>
-            </p:cNvPr>
-            <p:cNvPicPr>
-              <a:picLocks noChangeAspect="1"/>
-            </p:cNvPicPr>
-            <p:nvPr/>
-          </p:nvPicPr>
-          <p:blipFill>
-            <a:blip r:embed="rId2"/>
-            <a:stretch>
-              <a:fillRect/>
-            </a:stretch>
-          </p:blipFill>
-          <p:spPr>
-            <a:xfrm>
-              <a:off x="1061335" y="1684920"/>
-              <a:ext cx="10069330" cy="2534004"/>
-            </a:xfrm>
-            <a:prstGeom prst="rect">
-              <a:avLst/>
-            </a:prstGeom>
-          </p:spPr>
-        </p:pic>
-        <p:sp>
-          <p:nvSpPr>
-            <p:cNvPr id="6" name="Rectángulo 5">
-              <a:extLst>
-                <a:ext uri="{FF2B5EF4-FFF2-40B4-BE49-F238E27FC236}">
-                  <a16:creationId xmlns:a16="http://schemas.microsoft.com/office/drawing/2014/main" id="{A09867A7-74BE-DD7B-4D63-73C3C869A125}"/>
+                  <a16:creationId xmlns:a16="http://schemas.microsoft.com/office/drawing/2014/main" id="{AD021875-474F-619F-E897-C817A7AFF50E}"/>
                 </a:ext>
               </a:extLst>
             </p:cNvPr>
@@ -4252,17 +4809,19 @@
           </p:nvSpPr>
           <p:spPr>
             <a:xfrm>
-              <a:off x="9670774" y="3910812"/>
-              <a:ext cx="964095" cy="248478"/>
+              <a:off x="1233736" y="5598000"/>
+              <a:ext cx="4320000" cy="540000"/>
             </a:xfrm>
             <a:prstGeom prst="rect">
               <a:avLst/>
             </a:prstGeom>
-            <a:noFill/>
-            <a:ln w="28575">
-              <a:solidFill>
-                <a:srgbClr val="C00000"/>
-              </a:solidFill>
+            <a:solidFill>
+              <a:schemeClr val="bg1">
+                <a:lumMod val="75000"/>
+              </a:schemeClr>
+            </a:solidFill>
+            <a:ln>
+              <a:noFill/>
             </a:ln>
           </p:spPr>
           <p:style>
@@ -4285,8 +4844,16 @@
             <a:bodyPr rtlCol="0" anchor="ctr"/>
             <a:lstStyle/>
             <a:p>
-              <a:pPr algn="ctr"/>
-              <a:endParaRPr lang="en-US"/>
+              <a:r>
+                <a:rPr lang="en-US" dirty="0">
+                  <a:solidFill>
+                    <a:schemeClr val="bg1"/>
+                  </a:solidFill>
+                  <a:latin typeface="Segoe UI" panose="020B0502040204020203" pitchFamily="34" charset="0"/>
+                  <a:cs typeface="Segoe UI" panose="020B0502040204020203" pitchFamily="34" charset="0"/>
+                </a:rPr>
+                <a:t>María Fernanda Latouche Facenda</a:t>
+              </a:r>
             </a:p>
           </p:txBody>
         </p:sp>
@@ -4294,17 +4861,29 @@
     </p:spTree>
     <p:extLst>
       <p:ext uri="{BB962C8B-B14F-4D97-AF65-F5344CB8AC3E}">
-        <p14:creationId xmlns:p14="http://schemas.microsoft.com/office/powerpoint/2010/main" val="3643385523"/>
+        <p14:creationId xmlns:p14="http://schemas.microsoft.com/office/powerpoint/2010/main" val="2213951593"/>
       </p:ext>
     </p:extLst>
   </p:cSld>
   <p:clrMapOvr>
     <a:masterClrMapping/>
   </p:clrMapOvr>
+  <mc:AlternateContent xmlns:mc="http://schemas.openxmlformats.org/markup-compatibility/2006" xmlns:p14="http://schemas.microsoft.com/office/powerpoint/2010/main">
+    <mc:Choice Requires="p14">
+      <p:transition spd="med" p14:dur="700">
+        <p:fade/>
+      </p:transition>
+    </mc:Choice>
+    <mc:Fallback xmlns="">
+      <p:transition spd="med">
+        <p:fade/>
+      </p:transition>
+    </mc:Fallback>
+  </mc:AlternateContent>
 </p:sld>
 </file>
 
-<file path=ppt/slides/slide4.xml><?xml version="1.0" encoding="utf-8"?>
+<file path=ppt/slides/slide3.xml><?xml version="1.0" encoding="utf-8"?>
 <p:sld xmlns:a="http://schemas.openxmlformats.org/drawingml/2006/main" xmlns:r="http://schemas.openxmlformats.org/officeDocument/2006/relationships" xmlns:p="http://schemas.openxmlformats.org/presentationml/2006/main">
   <p:cSld>
     <p:spTree>
@@ -4321,828 +4900,536 @@
           <a:chExt cx="0" cy="0"/>
         </a:xfrm>
       </p:grpSpPr>
-      <p:grpSp>
-        <p:nvGrpSpPr>
-          <p:cNvPr id="30" name="Grupo 29">
+      <p:sp>
+        <p:nvSpPr>
+          <p:cNvPr id="3" name="Title 1">
             <a:extLst>
               <a:ext uri="{FF2B5EF4-FFF2-40B4-BE49-F238E27FC236}">
-                <a16:creationId xmlns:a16="http://schemas.microsoft.com/office/drawing/2014/main" id="{3063E76B-4251-0B98-E9E7-E6622B75BB1D}"/>
+                <a16:creationId xmlns:a16="http://schemas.microsoft.com/office/drawing/2014/main" id="{5293DDAA-B5E7-2D95-74A3-91A199E94E6C}"/>
               </a:ext>
             </a:extLst>
           </p:cNvPr>
-          <p:cNvGrpSpPr/>
+          <p:cNvSpPr txBox="1">
+            <a:spLocks/>
+          </p:cNvSpPr>
           <p:nvPr/>
-        </p:nvGrpSpPr>
-        <p:grpSpPr>
+        </p:nvSpPr>
+        <p:spPr>
           <a:xfrm>
-            <a:off x="293321" y="298144"/>
-            <a:ext cx="11409173" cy="6062899"/>
-            <a:chOff x="392713" y="89422"/>
-            <a:chExt cx="11409173" cy="6062899"/>
+            <a:off x="6095999" y="3595606"/>
+            <a:ext cx="5040000" cy="3262393"/>
           </a:xfrm>
-        </p:grpSpPr>
-        <p:pic>
-          <p:nvPicPr>
-            <p:cNvPr id="5" name="Imagen 4">
-              <a:extLst>
-                <a:ext uri="{FF2B5EF4-FFF2-40B4-BE49-F238E27FC236}">
-                  <a16:creationId xmlns:a16="http://schemas.microsoft.com/office/drawing/2014/main" id="{67CBCD52-8D33-A6FD-721C-78FD9A35B099}"/>
-                </a:ext>
-              </a:extLst>
-            </p:cNvPr>
-            <p:cNvPicPr>
-              <a:picLocks noChangeAspect="1"/>
-            </p:cNvPicPr>
-            <p:nvPr/>
-          </p:nvPicPr>
-          <p:blipFill>
-            <a:blip r:embed="rId2"/>
-            <a:stretch>
-              <a:fillRect/>
-            </a:stretch>
-          </p:blipFill>
-          <p:spPr>
-            <a:xfrm>
-              <a:off x="392713" y="89422"/>
-              <a:ext cx="11406574" cy="6062899"/>
-            </a:xfrm>
-            <a:prstGeom prst="rect">
-              <a:avLst/>
-            </a:prstGeom>
-          </p:spPr>
-        </p:pic>
-        <p:cxnSp>
-          <p:nvCxnSpPr>
-            <p:cNvPr id="21" name="Conector recto de flecha 20">
-              <a:extLst>
-                <a:ext uri="{FF2B5EF4-FFF2-40B4-BE49-F238E27FC236}">
-                  <a16:creationId xmlns:a16="http://schemas.microsoft.com/office/drawing/2014/main" id="{FFA3517A-6D0A-6BFF-BABF-73555870AAE5}"/>
-                </a:ext>
-              </a:extLst>
-            </p:cNvPr>
-            <p:cNvCxnSpPr>
-              <a:cxnSpLocks/>
-            </p:cNvCxnSpPr>
-            <p:nvPr/>
-          </p:nvCxnSpPr>
-          <p:spPr>
-            <a:xfrm flipH="1" flipV="1">
-              <a:off x="8357177" y="4491674"/>
-              <a:ext cx="130840" cy="888420"/>
-            </a:xfrm>
-            <a:prstGeom prst="straightConnector1">
-              <a:avLst/>
-            </a:prstGeom>
-            <a:ln w="6350">
+          <a:prstGeom prst="rect">
+            <a:avLst/>
+          </a:prstGeom>
+        </p:spPr>
+        <p:txBody>
+          <a:bodyPr vert="horz" lIns="91440" tIns="45720" rIns="91440" bIns="45720" rtlCol="0" anchor="t" anchorCtr="0">
+            <a:noAutofit/>
+          </a:bodyPr>
+          <a:lstStyle>
+            <a:lvl1pPr algn="l" defTabSz="914377" rtl="0" eaLnBrk="1" latinLnBrk="0" hangingPunct="1">
+              <a:lnSpc>
+                <a:spcPct val="90000"/>
+              </a:lnSpc>
+              <a:spcBef>
+                <a:spcPct val="0"/>
+              </a:spcBef>
+              <a:buNone/>
+              <a:defRPr sz="2600" kern="1200">
+                <a:solidFill>
+                  <a:schemeClr val="tx1"/>
+                </a:solidFill>
+                <a:latin typeface="+mj-lt"/>
+                <a:ea typeface="+mj-ea"/>
+                <a:cs typeface="+mj-cs"/>
+              </a:defRPr>
+            </a:lvl1pPr>
+          </a:lstStyle>
+          <a:p>
+            <a:pPr algn="ctr"/>
+            <a:r>
+              <a:rPr lang="es-CO" sz="1600" dirty="0">
+                <a:solidFill>
+                  <a:schemeClr val="bg1">
+                    <a:lumMod val="25000"/>
+                  </a:schemeClr>
+                </a:solidFill>
+                <a:latin typeface="Segoe UI" panose="020B0502040204020203" pitchFamily="34" charset="0"/>
+                <a:ea typeface="Segoe UI Black" panose="020B0A02040204020203" pitchFamily="34" charset="0"/>
+                <a:cs typeface="Segoe UI" panose="020B0502040204020203" pitchFamily="34" charset="0"/>
+              </a:rPr>
+              <a:t>Expositor</a:t>
+            </a:r>
+          </a:p>
+          <a:p>
+            <a:pPr algn="ctr"/>
+            <a:r>
+              <a:rPr lang="es-CO" sz="1800" dirty="0">
+                <a:solidFill>
+                  <a:schemeClr val="bg1">
+                    <a:lumMod val="25000"/>
+                  </a:schemeClr>
+                </a:solidFill>
+                <a:latin typeface="Segoe UI" panose="020B0502040204020203" pitchFamily="34" charset="0"/>
+                <a:ea typeface="Segoe UI Black" panose="020B0A02040204020203" pitchFamily="34" charset="0"/>
+                <a:cs typeface="Segoe UI" panose="020B0502040204020203" pitchFamily="34" charset="0"/>
+              </a:rPr>
+              <a:t>María Fernanda Latouche Facenda</a:t>
+            </a:r>
+          </a:p>
+          <a:p>
+            <a:pPr algn="ctr"/>
+            <a:r>
+              <a:rPr lang="es-CO" sz="1400" dirty="0">
+                <a:solidFill>
+                  <a:schemeClr val="bg1">
+                    <a:lumMod val="25000"/>
+                  </a:schemeClr>
+                </a:solidFill>
+                <a:latin typeface="Segoe UI" panose="020B0502040204020203" pitchFamily="34" charset="0"/>
+                <a:ea typeface="Segoe UI Black" panose="020B0A02040204020203" pitchFamily="34" charset="0"/>
+                <a:cs typeface="Segoe UI" panose="020B0502040204020203" pitchFamily="34" charset="0"/>
+              </a:rPr>
+              <a:t>maria.latouche@escuelaing.edu.co</a:t>
+            </a:r>
+          </a:p>
+          <a:p>
+            <a:pPr algn="ctr"/>
+            <a:r>
+              <a:rPr lang="es-CO" sz="1400" dirty="0">
+                <a:solidFill>
+                  <a:schemeClr val="bg1">
+                    <a:lumMod val="25000"/>
+                  </a:schemeClr>
+                </a:solidFill>
+                <a:latin typeface="Segoe UI" panose="020B0502040204020203" pitchFamily="34" charset="0"/>
+                <a:ea typeface="Segoe UI Black" panose="020B0A02040204020203" pitchFamily="34" charset="0"/>
+                <a:cs typeface="Segoe UI" panose="020B0502040204020203" pitchFamily="34" charset="0"/>
+              </a:rPr>
+              <a:t>https://github.com/mflatouche</a:t>
+            </a:r>
+          </a:p>
+          <a:p>
+            <a:pPr algn="ctr"/>
+            <a:endParaRPr lang="es-CO" sz="1600" dirty="0">
               <a:solidFill>
-                <a:schemeClr val="bg2">
+                <a:schemeClr val="bg1">
                   <a:lumMod val="25000"/>
                 </a:schemeClr>
               </a:solidFill>
-              <a:tailEnd type="triangle"/>
-            </a:ln>
-          </p:spPr>
-          <p:style>
-            <a:lnRef idx="1">
-              <a:schemeClr val="accent3"/>
-            </a:lnRef>
-            <a:fillRef idx="0">
-              <a:schemeClr val="accent3"/>
-            </a:fillRef>
-            <a:effectRef idx="0">
-              <a:schemeClr val="accent3"/>
-            </a:effectRef>
-            <a:fontRef idx="minor">
-              <a:schemeClr val="tx1"/>
-            </a:fontRef>
-          </p:style>
-        </p:cxnSp>
-        <p:cxnSp>
-          <p:nvCxnSpPr>
-            <p:cNvPr id="22" name="Conector recto de flecha 21">
-              <a:extLst>
-                <a:ext uri="{FF2B5EF4-FFF2-40B4-BE49-F238E27FC236}">
-                  <a16:creationId xmlns:a16="http://schemas.microsoft.com/office/drawing/2014/main" id="{700A18B6-7A72-0FF0-71DF-D3DB78854E2A}"/>
-                </a:ext>
-              </a:extLst>
-            </p:cNvPr>
-            <p:cNvCxnSpPr>
-              <a:cxnSpLocks/>
-            </p:cNvCxnSpPr>
-            <p:nvPr/>
-          </p:nvCxnSpPr>
-          <p:spPr>
-            <a:xfrm flipH="1" flipV="1">
-              <a:off x="11005298" y="4299002"/>
-              <a:ext cx="481382" cy="680502"/>
-            </a:xfrm>
-            <a:prstGeom prst="straightConnector1">
-              <a:avLst/>
-            </a:prstGeom>
-            <a:ln w="6350">
+              <a:latin typeface="Segoe UI" panose="020B0502040204020203" pitchFamily="34" charset="0"/>
+              <a:ea typeface="Segoe UI Black" panose="020B0A02040204020203" pitchFamily="34" charset="0"/>
+              <a:cs typeface="Segoe UI" panose="020B0502040204020203" pitchFamily="34" charset="0"/>
+            </a:endParaRPr>
+          </a:p>
+          <a:p>
+            <a:pPr algn="ctr"/>
+            <a:endParaRPr lang="es-CO" sz="1600" dirty="0">
               <a:solidFill>
-                <a:schemeClr val="bg2">
+                <a:schemeClr val="bg1">
                   <a:lumMod val="25000"/>
                 </a:schemeClr>
               </a:solidFill>
-              <a:tailEnd type="triangle"/>
-            </a:ln>
-          </p:spPr>
-          <p:style>
-            <a:lnRef idx="1">
-              <a:schemeClr val="accent3"/>
-            </a:lnRef>
-            <a:fillRef idx="0">
-              <a:schemeClr val="accent3"/>
-            </a:fillRef>
-            <a:effectRef idx="0">
-              <a:schemeClr val="accent3"/>
-            </a:effectRef>
-            <a:fontRef idx="minor">
-              <a:schemeClr val="tx1"/>
-            </a:fontRef>
-          </p:style>
-        </p:cxnSp>
-        <p:cxnSp>
-          <p:nvCxnSpPr>
-            <p:cNvPr id="23" name="Conector recto de flecha 22">
-              <a:extLst>
-                <a:ext uri="{FF2B5EF4-FFF2-40B4-BE49-F238E27FC236}">
-                  <a16:creationId xmlns:a16="http://schemas.microsoft.com/office/drawing/2014/main" id="{519096B1-A181-D8DD-C6E3-9C973B6EC89B}"/>
-                </a:ext>
-              </a:extLst>
-            </p:cNvPr>
-            <p:cNvCxnSpPr>
-              <a:cxnSpLocks/>
-            </p:cNvCxnSpPr>
-            <p:nvPr/>
-          </p:nvCxnSpPr>
-          <p:spPr>
-            <a:xfrm flipH="1" flipV="1">
-              <a:off x="10312128" y="4849479"/>
-              <a:ext cx="340807" cy="732487"/>
-            </a:xfrm>
-            <a:prstGeom prst="straightConnector1">
-              <a:avLst/>
-            </a:prstGeom>
-            <a:ln w="6350">
+              <a:latin typeface="Segoe UI" panose="020B0502040204020203" pitchFamily="34" charset="0"/>
+              <a:ea typeface="Segoe UI Black" panose="020B0A02040204020203" pitchFamily="34" charset="0"/>
+              <a:cs typeface="Segoe UI" panose="020B0502040204020203" pitchFamily="34" charset="0"/>
+            </a:endParaRPr>
+          </a:p>
+          <a:p>
+            <a:pPr algn="ctr"/>
+            <a:r>
+              <a:rPr lang="es-CO" sz="1600" dirty="0">
+                <a:solidFill>
+                  <a:schemeClr val="bg1">
+                    <a:lumMod val="25000"/>
+                  </a:schemeClr>
+                </a:solidFill>
+                <a:latin typeface="Segoe UI" panose="020B0502040204020203" pitchFamily="34" charset="0"/>
+                <a:ea typeface="Segoe UI Black" panose="020B0A02040204020203" pitchFamily="34" charset="0"/>
+                <a:cs typeface="Segoe UI" panose="020B0502040204020203" pitchFamily="34" charset="0"/>
+              </a:rPr>
+              <a:t>Cámara, edición y música</a:t>
+            </a:r>
+            <a:endParaRPr lang="es-CO" sz="1800" dirty="0">
               <a:solidFill>
-                <a:schemeClr val="bg2">
+                <a:schemeClr val="bg1">
                   <a:lumMod val="25000"/>
                 </a:schemeClr>
               </a:solidFill>
-              <a:tailEnd type="triangle"/>
-            </a:ln>
-          </p:spPr>
-          <p:style>
-            <a:lnRef idx="1">
-              <a:schemeClr val="accent3"/>
-            </a:lnRef>
-            <a:fillRef idx="0">
-              <a:schemeClr val="accent3"/>
-            </a:fillRef>
-            <a:effectRef idx="0">
-              <a:schemeClr val="accent3"/>
-            </a:effectRef>
-            <a:fontRef idx="minor">
-              <a:schemeClr val="tx1"/>
-            </a:fontRef>
-          </p:style>
-        </p:cxnSp>
-        <p:sp>
-          <p:nvSpPr>
-            <p:cNvPr id="24" name="CuadroTexto 23">
-              <a:extLst>
-                <a:ext uri="{FF2B5EF4-FFF2-40B4-BE49-F238E27FC236}">
-                  <a16:creationId xmlns:a16="http://schemas.microsoft.com/office/drawing/2014/main" id="{E14844CC-3AA4-14AD-90D7-26291DCFDD9E}"/>
-                </a:ext>
-              </a:extLst>
-            </p:cNvPr>
-            <p:cNvSpPr txBox="1"/>
-            <p:nvPr/>
-          </p:nvSpPr>
-          <p:spPr>
-            <a:xfrm rot="791468">
-              <a:off x="10650337" y="4973968"/>
-              <a:ext cx="1151549" cy="523220"/>
-            </a:xfrm>
-            <a:prstGeom prst="rect">
-              <a:avLst/>
-            </a:prstGeom>
-            <a:noFill/>
-          </p:spPr>
-          <p:txBody>
-            <a:bodyPr wrap="square" rtlCol="0">
-              <a:spAutoFit/>
-            </a:bodyPr>
-            <a:lstStyle>
-              <a:defPPr>
-                <a:defRPr lang="en-US"/>
-              </a:defPPr>
-              <a:lvl1pPr algn="ctr">
-                <a:defRPr sz="1100" b="1">
-                  <a:solidFill>
-                    <a:schemeClr val="bg2">
-                      <a:lumMod val="25000"/>
-                    </a:schemeClr>
-                  </a:solidFill>
-                  <a:latin typeface="Segoe UI Light" panose="020B0502040204020203" pitchFamily="34" charset="0"/>
-                  <a:cs typeface="Segoe UI Light" panose="020B0502040204020203" pitchFamily="34" charset="0"/>
-                </a:defRPr>
-              </a:lvl1pPr>
-            </a:lstStyle>
-            <a:p>
-              <a:r>
-                <a:rPr lang="en-US" sz="1400" dirty="0" err="1">
-                  <a:solidFill>
-                    <a:schemeClr val="bg2">
-                      <a:lumMod val="10000"/>
-                    </a:schemeClr>
-                  </a:solidFill>
-                </a:rPr>
-                <a:t>Caño</a:t>
-              </a:r>
-              <a:r>
-                <a:rPr lang="en-US" sz="1400" dirty="0">
-                  <a:solidFill>
-                    <a:schemeClr val="bg2">
-                      <a:lumMod val="10000"/>
-                    </a:schemeClr>
-                  </a:solidFill>
-                </a:rPr>
-                <a:t> Piedras</a:t>
-              </a:r>
-              <a:endParaRPr lang="en-US" sz="1200" baseline="-25000" dirty="0">
+              <a:latin typeface="Segoe UI" panose="020B0502040204020203" pitchFamily="34" charset="0"/>
+              <a:ea typeface="Segoe UI Black" panose="020B0A02040204020203" pitchFamily="34" charset="0"/>
+              <a:cs typeface="Segoe UI" panose="020B0502040204020203" pitchFamily="34" charset="0"/>
+            </a:endParaRPr>
+          </a:p>
+          <a:p>
+            <a:pPr algn="ctr"/>
+            <a:r>
+              <a:rPr lang="es-CO" sz="1800" dirty="0">
                 <a:solidFill>
-                  <a:schemeClr val="bg2">
-                    <a:lumMod val="10000"/>
+                  <a:schemeClr val="bg1">
+                    <a:lumMod val="25000"/>
                   </a:schemeClr>
                 </a:solidFill>
-              </a:endParaRPr>
-            </a:p>
-          </p:txBody>
-        </p:sp>
-        <p:sp>
-          <p:nvSpPr>
-            <p:cNvPr id="25" name="CuadroTexto 24">
-              <a:extLst>
-                <a:ext uri="{FF2B5EF4-FFF2-40B4-BE49-F238E27FC236}">
-                  <a16:creationId xmlns:a16="http://schemas.microsoft.com/office/drawing/2014/main" id="{77A911E4-5193-03C4-244D-34B7F24B6DBC}"/>
-                </a:ext>
-              </a:extLst>
-            </p:cNvPr>
-            <p:cNvSpPr txBox="1"/>
-            <p:nvPr/>
-          </p:nvSpPr>
-          <p:spPr>
-            <a:xfrm rot="791468">
-              <a:off x="9447722" y="5550376"/>
-              <a:ext cx="2070855" cy="307777"/>
-            </a:xfrm>
-            <a:prstGeom prst="rect">
-              <a:avLst/>
-            </a:prstGeom>
-            <a:noFill/>
-          </p:spPr>
-          <p:txBody>
-            <a:bodyPr wrap="square" rtlCol="0">
-              <a:spAutoFit/>
-            </a:bodyPr>
-            <a:lstStyle>
-              <a:defPPr>
-                <a:defRPr lang="en-US"/>
-              </a:defPPr>
-              <a:lvl1pPr algn="ctr">
-                <a:defRPr sz="1100" b="1">
-                  <a:solidFill>
-                    <a:schemeClr val="bg2">
-                      <a:lumMod val="25000"/>
-                    </a:schemeClr>
-                  </a:solidFill>
-                  <a:latin typeface="Segoe UI Light" panose="020B0502040204020203" pitchFamily="34" charset="0"/>
-                  <a:cs typeface="Segoe UI Light" panose="020B0502040204020203" pitchFamily="34" charset="0"/>
-                </a:defRPr>
-              </a:lvl1pPr>
-            </a:lstStyle>
-            <a:p>
-              <a:r>
-                <a:rPr lang="en-US" sz="1400" dirty="0" err="1">
-                  <a:solidFill>
-                    <a:schemeClr val="bg2">
-                      <a:lumMod val="10000"/>
-                    </a:schemeClr>
-                  </a:solidFill>
-                </a:rPr>
-                <a:t>Caño</a:t>
-              </a:r>
-              <a:r>
-                <a:rPr lang="en-US" sz="1400" dirty="0">
-                  <a:solidFill>
-                    <a:schemeClr val="bg2">
-                      <a:lumMod val="10000"/>
-                    </a:schemeClr>
-                  </a:solidFill>
-                </a:rPr>
-                <a:t> NN</a:t>
-              </a:r>
-              <a:endParaRPr lang="en-US" sz="1200" baseline="-25000" dirty="0">
+                <a:latin typeface="Segoe UI" panose="020B0502040204020203" pitchFamily="34" charset="0"/>
+                <a:ea typeface="Segoe UI Black" panose="020B0A02040204020203" pitchFamily="34" charset="0"/>
+                <a:cs typeface="Segoe UI" panose="020B0502040204020203" pitchFamily="34" charset="0"/>
+              </a:rPr>
+              <a:t>Juan Manuel Corredor</a:t>
+            </a:r>
+          </a:p>
+          <a:p>
+            <a:pPr algn="ctr"/>
+            <a:r>
+              <a:rPr lang="es-CO" sz="1400" dirty="0">
                 <a:solidFill>
-                  <a:schemeClr val="bg2">
-                    <a:lumMod val="10000"/>
+                  <a:schemeClr val="bg1">
+                    <a:lumMod val="25000"/>
                   </a:schemeClr>
                 </a:solidFill>
-              </a:endParaRPr>
-            </a:p>
-          </p:txBody>
-        </p:sp>
-        <p:sp>
-          <p:nvSpPr>
-            <p:cNvPr id="26" name="CuadroTexto 25">
-              <a:extLst>
-                <a:ext uri="{FF2B5EF4-FFF2-40B4-BE49-F238E27FC236}">
-                  <a16:creationId xmlns:a16="http://schemas.microsoft.com/office/drawing/2014/main" id="{A1CAC3A3-057D-2080-9868-F353F19734FC}"/>
-                </a:ext>
-              </a:extLst>
-            </p:cNvPr>
-            <p:cNvSpPr txBox="1"/>
-            <p:nvPr/>
-          </p:nvSpPr>
-          <p:spPr>
-            <a:xfrm rot="791468">
-              <a:off x="7634185" y="5302629"/>
-              <a:ext cx="2070855" cy="307777"/>
-            </a:xfrm>
-            <a:prstGeom prst="rect">
-              <a:avLst/>
-            </a:prstGeom>
-            <a:noFill/>
-          </p:spPr>
-          <p:txBody>
-            <a:bodyPr wrap="square" rtlCol="0">
-              <a:spAutoFit/>
-            </a:bodyPr>
-            <a:lstStyle>
-              <a:defPPr>
-                <a:defRPr lang="en-US"/>
-              </a:defPPr>
-              <a:lvl1pPr algn="ctr">
-                <a:defRPr sz="1100" b="1">
-                  <a:solidFill>
-                    <a:schemeClr val="bg2">
-                      <a:lumMod val="25000"/>
-                    </a:schemeClr>
-                  </a:solidFill>
-                  <a:latin typeface="Segoe UI Light" panose="020B0502040204020203" pitchFamily="34" charset="0"/>
-                  <a:cs typeface="Segoe UI Light" panose="020B0502040204020203" pitchFamily="34" charset="0"/>
-                </a:defRPr>
-              </a:lvl1pPr>
-            </a:lstStyle>
-            <a:p>
-              <a:r>
-                <a:rPr lang="en-US" sz="1400" dirty="0" err="1">
-                  <a:solidFill>
-                    <a:schemeClr val="bg2">
-                      <a:lumMod val="10000"/>
-                    </a:schemeClr>
-                  </a:solidFill>
-                </a:rPr>
-                <a:t>Caño</a:t>
-              </a:r>
-              <a:r>
-                <a:rPr lang="en-US" sz="1400" dirty="0">
-                  <a:solidFill>
-                    <a:schemeClr val="bg2">
-                      <a:lumMod val="10000"/>
-                    </a:schemeClr>
-                  </a:solidFill>
-                </a:rPr>
-                <a:t> </a:t>
-              </a:r>
-              <a:r>
-                <a:rPr lang="en-US" sz="1400" dirty="0" err="1">
-                  <a:solidFill>
-                    <a:schemeClr val="bg2">
-                      <a:lumMod val="10000"/>
-                    </a:schemeClr>
-                  </a:solidFill>
-                </a:rPr>
-                <a:t>Melánquez</a:t>
-              </a:r>
-              <a:endParaRPr lang="en-US" sz="1200" baseline="-25000" dirty="0">
+                <a:latin typeface="Segoe UI" panose="020B0502040204020203" pitchFamily="34" charset="0"/>
+                <a:ea typeface="Segoe UI Black" panose="020B0A02040204020203" pitchFamily="34" charset="0"/>
+                <a:cs typeface="Segoe UI" panose="020B0502040204020203" pitchFamily="34" charset="0"/>
+              </a:rPr>
+              <a:t>juan.corredor-u@escuelaing.edu.co</a:t>
+            </a:r>
+          </a:p>
+          <a:p>
+            <a:pPr algn="ctr"/>
+            <a:endParaRPr lang="es-CO" sz="1400" dirty="0">
+              <a:solidFill>
+                <a:schemeClr val="bg1">
+                  <a:lumMod val="25000"/>
+                </a:schemeClr>
+              </a:solidFill>
+              <a:latin typeface="Segoe UI" panose="020B0502040204020203" pitchFamily="34" charset="0"/>
+              <a:ea typeface="Segoe UI Black" panose="020B0A02040204020203" pitchFamily="34" charset="0"/>
+              <a:cs typeface="Segoe UI" panose="020B0502040204020203" pitchFamily="34" charset="0"/>
+            </a:endParaRPr>
+          </a:p>
+          <a:p>
+            <a:pPr algn="ctr"/>
+            <a:endParaRPr lang="es-CO" sz="1400" dirty="0">
+              <a:solidFill>
+                <a:schemeClr val="bg1">
+                  <a:lumMod val="25000"/>
+                </a:schemeClr>
+              </a:solidFill>
+              <a:latin typeface="Segoe UI" panose="020B0502040204020203" pitchFamily="34" charset="0"/>
+              <a:ea typeface="Segoe UI Black" panose="020B0A02040204020203" pitchFamily="34" charset="0"/>
+              <a:cs typeface="Segoe UI" panose="020B0502040204020203" pitchFamily="34" charset="0"/>
+            </a:endParaRPr>
+          </a:p>
+        </p:txBody>
+      </p:sp>
+      <p:sp>
+        <p:nvSpPr>
+          <p:cNvPr id="7" name="Title 1">
+            <a:extLst>
+              <a:ext uri="{FF2B5EF4-FFF2-40B4-BE49-F238E27FC236}">
+                <a16:creationId xmlns:a16="http://schemas.microsoft.com/office/drawing/2014/main" id="{4D31B05A-2637-641E-855D-FABE24D5B5FC}"/>
+              </a:ext>
+            </a:extLst>
+          </p:cNvPr>
+          <p:cNvSpPr txBox="1">
+            <a:spLocks/>
+          </p:cNvSpPr>
+          <p:nvPr/>
+        </p:nvSpPr>
+        <p:spPr>
+          <a:xfrm>
+            <a:off x="1055999" y="3595606"/>
+            <a:ext cx="5040000" cy="2071770"/>
+          </a:xfrm>
+          <a:prstGeom prst="rect">
+            <a:avLst/>
+          </a:prstGeom>
+        </p:spPr>
+        <p:txBody>
+          <a:bodyPr vert="horz" lIns="91440" tIns="45720" rIns="91440" bIns="45720" rtlCol="0" anchor="t" anchorCtr="0">
+            <a:noAutofit/>
+          </a:bodyPr>
+          <a:lstStyle>
+            <a:lvl1pPr algn="l" defTabSz="914377" rtl="0" eaLnBrk="1" latinLnBrk="0" hangingPunct="1">
+              <a:lnSpc>
+                <a:spcPct val="90000"/>
+              </a:lnSpc>
+              <a:spcBef>
+                <a:spcPct val="0"/>
+              </a:spcBef>
+              <a:buNone/>
+              <a:defRPr sz="2600" kern="1200">
                 <a:solidFill>
-                  <a:schemeClr val="bg2">
-                    <a:lumMod val="10000"/>
+                  <a:schemeClr val="tx1"/>
+                </a:solidFill>
+                <a:latin typeface="+mj-lt"/>
+                <a:ea typeface="+mj-ea"/>
+                <a:cs typeface="+mj-cs"/>
+              </a:defRPr>
+            </a:lvl1pPr>
+          </a:lstStyle>
+          <a:p>
+            <a:pPr algn="ctr"/>
+            <a:r>
+              <a:rPr lang="es-CO" sz="1600" dirty="0">
+                <a:solidFill>
+                  <a:schemeClr val="bg1">
+                    <a:lumMod val="25000"/>
                   </a:schemeClr>
                 </a:solidFill>
-              </a:endParaRPr>
-            </a:p>
-          </p:txBody>
-        </p:sp>
-      </p:grpSp>
+                <a:latin typeface="Segoe UI" panose="020B0502040204020203" pitchFamily="34" charset="0"/>
+                <a:ea typeface="Segoe UI Black" panose="020B0A02040204020203" pitchFamily="34" charset="0"/>
+                <a:cs typeface="Segoe UI" panose="020B0502040204020203" pitchFamily="34" charset="0"/>
+              </a:rPr>
+              <a:t>Dirección</a:t>
+            </a:r>
+            <a:endParaRPr lang="es-CO" sz="1800" dirty="0">
+              <a:solidFill>
+                <a:schemeClr val="bg1">
+                  <a:lumMod val="25000"/>
+                </a:schemeClr>
+              </a:solidFill>
+              <a:latin typeface="Segoe UI" panose="020B0502040204020203" pitchFamily="34" charset="0"/>
+              <a:ea typeface="Segoe UI Black" panose="020B0A02040204020203" pitchFamily="34" charset="0"/>
+              <a:cs typeface="Segoe UI" panose="020B0502040204020203" pitchFamily="34" charset="0"/>
+            </a:endParaRPr>
+          </a:p>
+          <a:p>
+            <a:pPr algn="ctr"/>
+            <a:r>
+              <a:rPr lang="es-CO" sz="1800" dirty="0">
+                <a:solidFill>
+                  <a:schemeClr val="bg1">
+                    <a:lumMod val="25000"/>
+                  </a:schemeClr>
+                </a:solidFill>
+                <a:latin typeface="Segoe UI" panose="020B0502040204020203" pitchFamily="34" charset="0"/>
+                <a:ea typeface="Segoe UI Black" panose="020B0A02040204020203" pitchFamily="34" charset="0"/>
+                <a:cs typeface="Segoe UI" panose="020B0502040204020203" pitchFamily="34" charset="0"/>
+              </a:rPr>
+              <a:t>Héctor Alfonso Rodríguez Díaz</a:t>
+            </a:r>
+          </a:p>
+          <a:p>
+            <a:pPr algn="ctr"/>
+            <a:r>
+              <a:rPr lang="es-CO" sz="1400" dirty="0">
+                <a:solidFill>
+                  <a:schemeClr val="bg1">
+                    <a:lumMod val="25000"/>
+                  </a:schemeClr>
+                </a:solidFill>
+                <a:latin typeface="Segoe UI" panose="020B0502040204020203" pitchFamily="34" charset="0"/>
+                <a:ea typeface="Segoe UI Black" panose="020B0A02040204020203" pitchFamily="34" charset="0"/>
+                <a:cs typeface="Segoe UI" panose="020B0502040204020203" pitchFamily="34" charset="0"/>
+              </a:rPr>
+              <a:t>alfonso.rodriguez@escuelaing.edu.co</a:t>
+            </a:r>
+          </a:p>
+          <a:p>
+            <a:pPr algn="ctr"/>
+            <a:endParaRPr lang="es-CO" sz="1400" dirty="0">
+              <a:solidFill>
+                <a:schemeClr val="bg1">
+                  <a:lumMod val="25000"/>
+                </a:schemeClr>
+              </a:solidFill>
+              <a:latin typeface="Segoe UI" panose="020B0502040204020203" pitchFamily="34" charset="0"/>
+              <a:ea typeface="Segoe UI Black" panose="020B0A02040204020203" pitchFamily="34" charset="0"/>
+              <a:cs typeface="Segoe UI" panose="020B0502040204020203" pitchFamily="34" charset="0"/>
+            </a:endParaRPr>
+          </a:p>
+          <a:p>
+            <a:pPr algn="ctr"/>
+            <a:endParaRPr lang="es-CO" sz="1400" dirty="0">
+              <a:solidFill>
+                <a:schemeClr val="bg1">
+                  <a:lumMod val="25000"/>
+                </a:schemeClr>
+              </a:solidFill>
+              <a:latin typeface="Segoe UI" panose="020B0502040204020203" pitchFamily="34" charset="0"/>
+              <a:ea typeface="Segoe UI Black" panose="020B0A02040204020203" pitchFamily="34" charset="0"/>
+              <a:cs typeface="Segoe UI" panose="020B0502040204020203" pitchFamily="34" charset="0"/>
+            </a:endParaRPr>
+          </a:p>
+          <a:p>
+            <a:pPr algn="ctr"/>
+            <a:r>
+              <a:rPr lang="es-CO" sz="1600" dirty="0">
+                <a:solidFill>
+                  <a:schemeClr val="bg1">
+                    <a:lumMod val="25000"/>
+                  </a:schemeClr>
+                </a:solidFill>
+                <a:latin typeface="Segoe UI" panose="020B0502040204020203" pitchFamily="34" charset="0"/>
+                <a:ea typeface="Segoe UI Black" panose="020B0A02040204020203" pitchFamily="34" charset="0"/>
+                <a:cs typeface="Segoe UI" panose="020B0502040204020203" pitchFamily="34" charset="0"/>
+              </a:rPr>
+              <a:t>Contenido digital</a:t>
+            </a:r>
+          </a:p>
+          <a:p>
+            <a:pPr algn="ctr"/>
+            <a:r>
+              <a:rPr lang="es-CO" sz="1800" dirty="0">
+                <a:solidFill>
+                  <a:schemeClr val="bg1">
+                    <a:lumMod val="25000"/>
+                  </a:schemeClr>
+                </a:solidFill>
+                <a:latin typeface="Segoe UI" panose="020B0502040204020203" pitchFamily="34" charset="0"/>
+                <a:ea typeface="Segoe UI Black" panose="020B0A02040204020203" pitchFamily="34" charset="0"/>
+                <a:cs typeface="Segoe UI" panose="020B0502040204020203" pitchFamily="34" charset="0"/>
+              </a:rPr>
+              <a:t>María Fernanda Latouche Facenda</a:t>
+            </a:r>
+          </a:p>
+          <a:p>
+            <a:pPr algn="ctr"/>
+            <a:r>
+              <a:rPr lang="es-CO" sz="1400" dirty="0">
+                <a:solidFill>
+                  <a:schemeClr val="bg1">
+                    <a:lumMod val="25000"/>
+                  </a:schemeClr>
+                </a:solidFill>
+                <a:latin typeface="Segoe UI" panose="020B0502040204020203" pitchFamily="34" charset="0"/>
+                <a:ea typeface="Segoe UI Black" panose="020B0A02040204020203" pitchFamily="34" charset="0"/>
+                <a:cs typeface="Segoe UI" panose="020B0502040204020203" pitchFamily="34" charset="0"/>
+              </a:rPr>
+              <a:t>maria.latouche@escuelaing.edu.co</a:t>
+            </a:r>
+          </a:p>
+          <a:p>
+            <a:pPr algn="ctr"/>
+            <a:r>
+              <a:rPr lang="es-CO" sz="1400" dirty="0">
+                <a:solidFill>
+                  <a:schemeClr val="bg1">
+                    <a:lumMod val="25000"/>
+                  </a:schemeClr>
+                </a:solidFill>
+                <a:latin typeface="Segoe UI" panose="020B0502040204020203" pitchFamily="34" charset="0"/>
+                <a:ea typeface="Segoe UI Black" panose="020B0A02040204020203" pitchFamily="34" charset="0"/>
+                <a:cs typeface="Segoe UI" panose="020B0502040204020203" pitchFamily="34" charset="0"/>
+              </a:rPr>
+              <a:t>https://github.com/mflatouche</a:t>
+            </a:r>
+          </a:p>
+        </p:txBody>
+      </p:sp>
+      <p:pic>
+        <p:nvPicPr>
+          <p:cNvPr id="4" name="Graphic 3">
+            <a:extLst>
+              <a:ext uri="{FF2B5EF4-FFF2-40B4-BE49-F238E27FC236}">
+                <a16:creationId xmlns:a16="http://schemas.microsoft.com/office/drawing/2014/main" id="{50FD19C5-BDA1-AA73-30F7-387B18E48D1F}"/>
+              </a:ext>
+            </a:extLst>
+          </p:cNvPr>
+          <p:cNvPicPr>
+            <a:picLocks noChangeAspect="1"/>
+          </p:cNvPicPr>
+          <p:nvPr/>
+        </p:nvPicPr>
+        <p:blipFill>
+          <a:blip r:embed="rId3">
+            <a:extLst>
+              <a:ext uri="{96DAC541-7B7A-43D3-8B79-37D633B846F1}">
+                <asvg:svgBlip xmlns:asvg="http://schemas.microsoft.com/office/drawing/2016/SVG/main" r:embed="rId4"/>
+              </a:ext>
+            </a:extLst>
+          </a:blip>
+          <a:stretch>
+            <a:fillRect/>
+          </a:stretch>
+        </p:blipFill>
+        <p:spPr>
+          <a:xfrm>
+            <a:off x="4851374" y="1647144"/>
+            <a:ext cx="2160000" cy="1037739"/>
+          </a:xfrm>
+          <a:prstGeom prst="rect">
+            <a:avLst/>
+          </a:prstGeom>
+        </p:spPr>
+      </p:pic>
+      <p:pic>
+        <p:nvPicPr>
+          <p:cNvPr id="8" name="Graphic 7">
+            <a:extLst>
+              <a:ext uri="{FF2B5EF4-FFF2-40B4-BE49-F238E27FC236}">
+                <a16:creationId xmlns:a16="http://schemas.microsoft.com/office/drawing/2014/main" id="{75C469DA-D012-E443-0DB2-0AC049C3A920}"/>
+              </a:ext>
+            </a:extLst>
+          </p:cNvPr>
+          <p:cNvPicPr>
+            <a:picLocks noChangeAspect="1"/>
+          </p:cNvPicPr>
+          <p:nvPr/>
+        </p:nvPicPr>
+        <p:blipFill>
+          <a:blip r:embed="rId5">
+            <a:extLst>
+              <a:ext uri="{96DAC541-7B7A-43D3-8B79-37D633B846F1}">
+                <asvg:svgBlip xmlns:asvg="http://schemas.microsoft.com/office/drawing/2016/SVG/main" r:embed="rId6"/>
+              </a:ext>
+            </a:extLst>
+          </a:blip>
+          <a:stretch>
+            <a:fillRect/>
+          </a:stretch>
+        </p:blipFill>
+        <p:spPr>
+          <a:xfrm>
+            <a:off x="1415999" y="1604884"/>
+            <a:ext cx="2160000" cy="1122261"/>
+          </a:xfrm>
+          <a:prstGeom prst="rect">
+            <a:avLst/>
+          </a:prstGeom>
+        </p:spPr>
+      </p:pic>
+      <p:pic>
+        <p:nvPicPr>
+          <p:cNvPr id="10" name="Graphic 9">
+            <a:extLst>
+              <a:ext uri="{FF2B5EF4-FFF2-40B4-BE49-F238E27FC236}">
+                <a16:creationId xmlns:a16="http://schemas.microsoft.com/office/drawing/2014/main" id="{0F4EC895-97D1-6A45-FE7D-7DA1B49F55B1}"/>
+              </a:ext>
+            </a:extLst>
+          </p:cNvPr>
+          <p:cNvPicPr>
+            <a:picLocks noChangeAspect="1"/>
+          </p:cNvPicPr>
+          <p:nvPr/>
+        </p:nvPicPr>
+        <p:blipFill>
+          <a:blip r:embed="rId7">
+            <a:extLst>
+              <a:ext uri="{96DAC541-7B7A-43D3-8B79-37D633B846F1}">
+                <asvg:svgBlip xmlns:asvg="http://schemas.microsoft.com/office/drawing/2016/SVG/main" r:embed="rId8"/>
+              </a:ext>
+            </a:extLst>
+          </a:blip>
+          <a:stretch>
+            <a:fillRect/>
+          </a:stretch>
+        </p:blipFill>
+        <p:spPr>
+          <a:xfrm>
+            <a:off x="8286750" y="1658885"/>
+            <a:ext cx="2160000" cy="1014261"/>
+          </a:xfrm>
+          <a:prstGeom prst="rect">
+            <a:avLst/>
+          </a:prstGeom>
+        </p:spPr>
+      </p:pic>
     </p:spTree>
     <p:extLst>
       <p:ext uri="{BB962C8B-B14F-4D97-AF65-F5344CB8AC3E}">
-        <p14:creationId xmlns:p14="http://schemas.microsoft.com/office/powerpoint/2010/main" val="3625759899"/>
-      </p:ext>
-    </p:extLst>
-  </p:cSld>
-  <p:clrMapOvr>
-    <a:masterClrMapping/>
-  </p:clrMapOvr>
-</p:sld>
-</file>
-
-<file path=ppt/slides/slide5.xml><?xml version="1.0" encoding="utf-8"?>
-<p:sld xmlns:a="http://schemas.openxmlformats.org/drawingml/2006/main" xmlns:r="http://schemas.openxmlformats.org/officeDocument/2006/relationships" xmlns:p="http://schemas.openxmlformats.org/presentationml/2006/main">
-  <p:cSld>
-    <p:spTree>
-      <p:nvGrpSpPr>
-        <p:cNvPr id="1" name=""/>
-        <p:cNvGrpSpPr/>
-        <p:nvPr/>
-      </p:nvGrpSpPr>
-      <p:grpSpPr>
-        <a:xfrm>
-          <a:off x="0" y="0"/>
-          <a:ext cx="0" cy="0"/>
-          <a:chOff x="0" y="0"/>
-          <a:chExt cx="0" cy="0"/>
-        </a:xfrm>
-      </p:grpSpPr>
-      <p:grpSp>
-        <p:nvGrpSpPr>
-          <p:cNvPr id="17" name="Grupo 16">
-            <a:extLst>
-              <a:ext uri="{FF2B5EF4-FFF2-40B4-BE49-F238E27FC236}">
-                <a16:creationId xmlns:a16="http://schemas.microsoft.com/office/drawing/2014/main" id="{77BFBB9F-94EA-47EA-0C5D-07FA2581F382}"/>
-              </a:ext>
-            </a:extLst>
-          </p:cNvPr>
-          <p:cNvGrpSpPr/>
-          <p:nvPr/>
-        </p:nvGrpSpPr>
-        <p:grpSpPr>
-          <a:xfrm>
-            <a:off x="1554086" y="1321887"/>
-            <a:ext cx="9083827" cy="4214225"/>
-            <a:chOff x="1554086" y="1321887"/>
-            <a:chExt cx="9083827" cy="4214225"/>
-          </a:xfrm>
-        </p:grpSpPr>
-        <p:pic>
-          <p:nvPicPr>
-            <p:cNvPr id="3" name="Imagen 2">
-              <a:extLst>
-                <a:ext uri="{FF2B5EF4-FFF2-40B4-BE49-F238E27FC236}">
-                  <a16:creationId xmlns:a16="http://schemas.microsoft.com/office/drawing/2014/main" id="{E834013E-1D21-271C-1FB4-E3FDAC492E75}"/>
-                </a:ext>
-              </a:extLst>
-            </p:cNvPr>
-            <p:cNvPicPr>
-              <a:picLocks noChangeAspect="1"/>
-            </p:cNvPicPr>
-            <p:nvPr/>
-          </p:nvPicPr>
-          <p:blipFill>
-            <a:blip r:embed="rId2"/>
-            <a:stretch>
-              <a:fillRect/>
-            </a:stretch>
-          </p:blipFill>
-          <p:spPr>
-            <a:xfrm>
-              <a:off x="1554086" y="1321887"/>
-              <a:ext cx="9083827" cy="4214225"/>
-            </a:xfrm>
-            <a:prstGeom prst="rect">
-              <a:avLst/>
-            </a:prstGeom>
-          </p:spPr>
-        </p:pic>
-        <p:sp>
-          <p:nvSpPr>
-            <p:cNvPr id="8" name="CuadroTexto 7">
-              <a:extLst>
-                <a:ext uri="{FF2B5EF4-FFF2-40B4-BE49-F238E27FC236}">
-                  <a16:creationId xmlns:a16="http://schemas.microsoft.com/office/drawing/2014/main" id="{5B7D0A73-979F-BB9C-E950-C9C59476CF74}"/>
-                </a:ext>
-              </a:extLst>
-            </p:cNvPr>
-            <p:cNvSpPr txBox="1"/>
-            <p:nvPr/>
-          </p:nvSpPr>
-          <p:spPr>
-            <a:xfrm>
-              <a:off x="8034528" y="4352440"/>
-              <a:ext cx="1088259" cy="523220"/>
-            </a:xfrm>
-            <a:prstGeom prst="rect">
-              <a:avLst/>
-            </a:prstGeom>
-            <a:noFill/>
-          </p:spPr>
-          <p:txBody>
-            <a:bodyPr wrap="square" rtlCol="0">
-              <a:spAutoFit/>
-            </a:bodyPr>
-            <a:lstStyle>
-              <a:defPPr>
-                <a:defRPr lang="en-US"/>
-              </a:defPPr>
-              <a:lvl1pPr algn="ctr">
-                <a:defRPr sz="1100" b="1">
-                  <a:solidFill>
-                    <a:schemeClr val="bg2">
-                      <a:lumMod val="25000"/>
-                    </a:schemeClr>
-                  </a:solidFill>
-                  <a:latin typeface="Segoe UI Light" panose="020B0502040204020203" pitchFamily="34" charset="0"/>
-                  <a:cs typeface="Segoe UI Light" panose="020B0502040204020203" pitchFamily="34" charset="0"/>
-                </a:defRPr>
-              </a:lvl1pPr>
-            </a:lstStyle>
-            <a:p>
-              <a:r>
-                <a:rPr lang="es-VE" sz="1400" dirty="0">
-                  <a:solidFill>
-                    <a:schemeClr val="bg2">
-                      <a:lumMod val="10000"/>
-                    </a:schemeClr>
-                  </a:solidFill>
-                </a:rPr>
-                <a:t>Cauce principal</a:t>
-              </a:r>
-              <a:endParaRPr lang="es-VE" sz="1200" baseline="-25000" dirty="0">
-                <a:solidFill>
-                  <a:schemeClr val="bg2">
-                    <a:lumMod val="10000"/>
-                  </a:schemeClr>
-                </a:solidFill>
-              </a:endParaRPr>
-            </a:p>
-          </p:txBody>
-        </p:sp>
-        <p:sp>
-          <p:nvSpPr>
-            <p:cNvPr id="9" name="CuadroTexto 8">
-              <a:extLst>
-                <a:ext uri="{FF2B5EF4-FFF2-40B4-BE49-F238E27FC236}">
-                  <a16:creationId xmlns:a16="http://schemas.microsoft.com/office/drawing/2014/main" id="{24778721-D85F-7176-AC0A-57E4AB8460EC}"/>
-                </a:ext>
-              </a:extLst>
-            </p:cNvPr>
-            <p:cNvSpPr txBox="1"/>
-            <p:nvPr/>
-          </p:nvSpPr>
-          <p:spPr>
-            <a:xfrm>
-              <a:off x="6251772" y="2905779"/>
-              <a:ext cx="1088259" cy="523220"/>
-            </a:xfrm>
-            <a:prstGeom prst="rect">
-              <a:avLst/>
-            </a:prstGeom>
-            <a:noFill/>
-          </p:spPr>
-          <p:txBody>
-            <a:bodyPr wrap="square" rtlCol="0">
-              <a:spAutoFit/>
-            </a:bodyPr>
-            <a:lstStyle>
-              <a:defPPr>
-                <a:defRPr lang="en-US"/>
-              </a:defPPr>
-              <a:lvl1pPr algn="ctr">
-                <a:defRPr sz="1100" b="1">
-                  <a:solidFill>
-                    <a:schemeClr val="bg2">
-                      <a:lumMod val="25000"/>
-                    </a:schemeClr>
-                  </a:solidFill>
-                  <a:latin typeface="Segoe UI Light" panose="020B0502040204020203" pitchFamily="34" charset="0"/>
-                  <a:cs typeface="Segoe UI Light" panose="020B0502040204020203" pitchFamily="34" charset="0"/>
-                </a:defRPr>
-              </a:lvl1pPr>
-            </a:lstStyle>
-            <a:p>
-              <a:r>
-                <a:rPr lang="es-VE" sz="1400" dirty="0">
-                  <a:solidFill>
-                    <a:schemeClr val="bg2">
-                      <a:lumMod val="10000"/>
-                    </a:schemeClr>
-                  </a:solidFill>
-                </a:rPr>
-                <a:t>Valle (izquierdo)</a:t>
-              </a:r>
-              <a:endParaRPr lang="es-VE" sz="1200" baseline="-25000" dirty="0">
-                <a:solidFill>
-                  <a:schemeClr val="bg2">
-                    <a:lumMod val="10000"/>
-                  </a:schemeClr>
-                </a:solidFill>
-              </a:endParaRPr>
-            </a:p>
-          </p:txBody>
-        </p:sp>
-        <p:sp>
-          <p:nvSpPr>
-            <p:cNvPr id="10" name="CuadroTexto 9">
-              <a:extLst>
-                <a:ext uri="{FF2B5EF4-FFF2-40B4-BE49-F238E27FC236}">
-                  <a16:creationId xmlns:a16="http://schemas.microsoft.com/office/drawing/2014/main" id="{84B337BE-F84D-D2F3-D8AD-940EEE406496}"/>
-                </a:ext>
-              </a:extLst>
-            </p:cNvPr>
-            <p:cNvSpPr txBox="1"/>
-            <p:nvPr/>
-          </p:nvSpPr>
-          <p:spPr>
-            <a:xfrm>
-              <a:off x="8614095" y="3049154"/>
-              <a:ext cx="1088259" cy="523220"/>
-            </a:xfrm>
-            <a:prstGeom prst="rect">
-              <a:avLst/>
-            </a:prstGeom>
-            <a:noFill/>
-          </p:spPr>
-          <p:txBody>
-            <a:bodyPr wrap="square" rtlCol="0">
-              <a:spAutoFit/>
-            </a:bodyPr>
-            <a:lstStyle>
-              <a:defPPr>
-                <a:defRPr lang="en-US"/>
-              </a:defPPr>
-              <a:lvl1pPr algn="ctr">
-                <a:defRPr sz="1100" b="1">
-                  <a:solidFill>
-                    <a:schemeClr val="bg2">
-                      <a:lumMod val="25000"/>
-                    </a:schemeClr>
-                  </a:solidFill>
-                  <a:latin typeface="Segoe UI Light" panose="020B0502040204020203" pitchFamily="34" charset="0"/>
-                  <a:cs typeface="Segoe UI Light" panose="020B0502040204020203" pitchFamily="34" charset="0"/>
-                </a:defRPr>
-              </a:lvl1pPr>
-            </a:lstStyle>
-            <a:p>
-              <a:r>
-                <a:rPr lang="es-VE" sz="1400" dirty="0">
-                  <a:solidFill>
-                    <a:schemeClr val="bg2">
-                      <a:lumMod val="10000"/>
-                    </a:schemeClr>
-                  </a:solidFill>
-                </a:rPr>
-                <a:t>Valle (derecho)</a:t>
-              </a:r>
-              <a:endParaRPr lang="es-VE" sz="1200" baseline="-25000" dirty="0">
-                <a:solidFill>
-                  <a:schemeClr val="bg2">
-                    <a:lumMod val="10000"/>
-                  </a:schemeClr>
-                </a:solidFill>
-              </a:endParaRPr>
-            </a:p>
-          </p:txBody>
-        </p:sp>
-        <p:cxnSp>
-          <p:nvCxnSpPr>
-            <p:cNvPr id="13" name="Conector recto 12">
-              <a:extLst>
-                <a:ext uri="{FF2B5EF4-FFF2-40B4-BE49-F238E27FC236}">
-                  <a16:creationId xmlns:a16="http://schemas.microsoft.com/office/drawing/2014/main" id="{F13483AB-7CA0-9836-7A37-99A7B79D242B}"/>
-                </a:ext>
-              </a:extLst>
-            </p:cNvPr>
-            <p:cNvCxnSpPr/>
-            <p:nvPr/>
-          </p:nvCxnSpPr>
-          <p:spPr>
-            <a:xfrm>
-              <a:off x="7723632" y="2289166"/>
-              <a:ext cx="0" cy="2566416"/>
-            </a:xfrm>
-            <a:prstGeom prst="line">
-              <a:avLst/>
-            </a:prstGeom>
-            <a:ln w="12700">
-              <a:solidFill>
-                <a:srgbClr val="C00000"/>
-              </a:solidFill>
-              <a:prstDash val="lgDash"/>
-            </a:ln>
-          </p:spPr>
-          <p:style>
-            <a:lnRef idx="1">
-              <a:schemeClr val="accent1"/>
-            </a:lnRef>
-            <a:fillRef idx="0">
-              <a:schemeClr val="accent1"/>
-            </a:fillRef>
-            <a:effectRef idx="0">
-              <a:schemeClr val="accent1"/>
-            </a:effectRef>
-            <a:fontRef idx="minor">
-              <a:schemeClr val="tx1"/>
-            </a:fontRef>
-          </p:style>
-        </p:cxnSp>
-        <p:cxnSp>
-          <p:nvCxnSpPr>
-            <p:cNvPr id="14" name="Conector recto 13">
-              <a:extLst>
-                <a:ext uri="{FF2B5EF4-FFF2-40B4-BE49-F238E27FC236}">
-                  <a16:creationId xmlns:a16="http://schemas.microsoft.com/office/drawing/2014/main" id="{29483090-2EDC-683A-BEFA-DC0AF32E12CA}"/>
-                </a:ext>
-              </a:extLst>
-            </p:cNvPr>
-            <p:cNvCxnSpPr/>
-            <p:nvPr/>
-          </p:nvCxnSpPr>
-          <p:spPr>
-            <a:xfrm>
-              <a:off x="8034528" y="2272032"/>
-              <a:ext cx="0" cy="2566416"/>
-            </a:xfrm>
-            <a:prstGeom prst="line">
-              <a:avLst/>
-            </a:prstGeom>
-            <a:ln w="12700">
-              <a:solidFill>
-                <a:srgbClr val="C00000"/>
-              </a:solidFill>
-              <a:prstDash val="lgDash"/>
-            </a:ln>
-          </p:spPr>
-          <p:style>
-            <a:lnRef idx="1">
-              <a:schemeClr val="accent1"/>
-            </a:lnRef>
-            <a:fillRef idx="0">
-              <a:schemeClr val="accent1"/>
-            </a:fillRef>
-            <a:effectRef idx="0">
-              <a:schemeClr val="accent1"/>
-            </a:effectRef>
-            <a:fontRef idx="minor">
-              <a:schemeClr val="tx1"/>
-            </a:fontRef>
-          </p:style>
-        </p:cxnSp>
-        <p:cxnSp>
-          <p:nvCxnSpPr>
-            <p:cNvPr id="15" name="Conector recto de flecha 14">
-              <a:extLst>
-                <a:ext uri="{FF2B5EF4-FFF2-40B4-BE49-F238E27FC236}">
-                  <a16:creationId xmlns:a16="http://schemas.microsoft.com/office/drawing/2014/main" id="{98D6DA68-D531-50E0-A468-5577B70080B5}"/>
-                </a:ext>
-              </a:extLst>
-            </p:cNvPr>
-            <p:cNvCxnSpPr>
-              <a:cxnSpLocks/>
-            </p:cNvCxnSpPr>
-            <p:nvPr/>
-          </p:nvCxnSpPr>
-          <p:spPr>
-            <a:xfrm flipH="1" flipV="1">
-              <a:off x="7882576" y="4493132"/>
-              <a:ext cx="319766" cy="120918"/>
-            </a:xfrm>
-            <a:prstGeom prst="straightConnector1">
-              <a:avLst/>
-            </a:prstGeom>
-            <a:ln w="6350">
-              <a:solidFill>
-                <a:schemeClr val="bg2">
-                  <a:lumMod val="25000"/>
-                </a:schemeClr>
-              </a:solidFill>
-              <a:tailEnd type="triangle"/>
-            </a:ln>
-          </p:spPr>
-          <p:style>
-            <a:lnRef idx="1">
-              <a:schemeClr val="accent3"/>
-            </a:lnRef>
-            <a:fillRef idx="0">
-              <a:schemeClr val="accent3"/>
-            </a:fillRef>
-            <a:effectRef idx="0">
-              <a:schemeClr val="accent3"/>
-            </a:effectRef>
-            <a:fontRef idx="minor">
-              <a:schemeClr val="tx1"/>
-            </a:fontRef>
-          </p:style>
-        </p:cxnSp>
-      </p:grpSp>
-    </p:spTree>
-    <p:extLst>
-      <p:ext uri="{BB962C8B-B14F-4D97-AF65-F5344CB8AC3E}">
-        <p14:creationId xmlns:p14="http://schemas.microsoft.com/office/powerpoint/2010/main" val="3390865801"/>
+        <p14:creationId xmlns:p14="http://schemas.microsoft.com/office/powerpoint/2010/main" val="3656004048"/>
       </p:ext>
     </p:extLst>
   </p:cSld>
@@ -5155,151 +5442,57 @@
 <file path=ppt/theme/theme1.xml><?xml version="1.0" encoding="utf-8"?>
 <a:theme xmlns:a="http://schemas.openxmlformats.org/drawingml/2006/main" name="Tema de Office">
   <a:themeElements>
-    <a:clrScheme name="Office">
+    <a:clrScheme name="Personalizado 2">
       <a:dk1>
         <a:sysClr val="windowText" lastClr="000000"/>
       </a:dk1>
       <a:lt1>
-        <a:sysClr val="window" lastClr="FFFFFF"/>
+        <a:srgbClr val="F8F8F8"/>
       </a:lt1>
       <a:dk2>
-        <a:srgbClr val="44546A"/>
+        <a:srgbClr val="000000"/>
       </a:dk2>
       <a:lt2>
-        <a:srgbClr val="E7E6E6"/>
+        <a:srgbClr val="F8F8F8"/>
       </a:lt2>
       <a:accent1>
-        <a:srgbClr val="4472C4"/>
+        <a:srgbClr val="DDDDDD"/>
       </a:accent1>
       <a:accent2>
-        <a:srgbClr val="ED7D31"/>
+        <a:srgbClr val="B2B2B2"/>
       </a:accent2>
       <a:accent3>
-        <a:srgbClr val="A5A5A5"/>
+        <a:srgbClr val="969696"/>
       </a:accent3>
       <a:accent4>
-        <a:srgbClr val="FFC000"/>
+        <a:srgbClr val="808080"/>
       </a:accent4>
       <a:accent5>
-        <a:srgbClr val="5B9BD5"/>
+        <a:srgbClr val="5F5F5F"/>
       </a:accent5>
       <a:accent6>
-        <a:srgbClr val="70AD47"/>
+        <a:srgbClr val="4D4D4D"/>
       </a:accent6>
       <a:hlink>
-        <a:srgbClr val="0563C1"/>
+        <a:srgbClr val="5F5F5F"/>
       </a:hlink>
       <a:folHlink>
-        <a:srgbClr val="954F72"/>
+        <a:srgbClr val="919191"/>
       </a:folHlink>
     </a:clrScheme>
-    <a:fontScheme name="Office">
+    <a:fontScheme name="VideoGitHub">
       <a:majorFont>
-        <a:latin typeface="Calibri Light" panose="020F0302020204030204"/>
+        <a:latin typeface="Segoe UI Light"/>
         <a:ea typeface=""/>
         <a:cs typeface=""/>
-        <a:font script="Jpan" typeface="游ゴシック Light"/>
-        <a:font script="Hang" typeface="맑은 고딕"/>
-        <a:font script="Hans" typeface="等线 Light"/>
-        <a:font script="Hant" typeface="新細明體"/>
-        <a:font script="Arab" typeface="Times New Roman"/>
-        <a:font script="Hebr" typeface="Times New Roman"/>
-        <a:font script="Thai" typeface="Angsana New"/>
-        <a:font script="Ethi" typeface="Nyala"/>
-        <a:font script="Beng" typeface="Vrinda"/>
-        <a:font script="Gujr" typeface="Shruti"/>
-        <a:font script="Khmr" typeface="MoolBoran"/>
-        <a:font script="Knda" typeface="Tunga"/>
-        <a:font script="Guru" typeface="Raavi"/>
-        <a:font script="Cans" typeface="Euphemia"/>
-        <a:font script="Cher" typeface="Plantagenet Cherokee"/>
-        <a:font script="Yiii" typeface="Microsoft Yi Baiti"/>
-        <a:font script="Tibt" typeface="Microsoft Himalaya"/>
-        <a:font script="Thaa" typeface="MV Boli"/>
-        <a:font script="Deva" typeface="Mangal"/>
-        <a:font script="Telu" typeface="Gautami"/>
-        <a:font script="Taml" typeface="Latha"/>
-        <a:font script="Syrc" typeface="Estrangelo Edessa"/>
-        <a:font script="Orya" typeface="Kalinga"/>
-        <a:font script="Mlym" typeface="Kartika"/>
-        <a:font script="Laoo" typeface="DokChampa"/>
-        <a:font script="Sinh" typeface="Iskoola Pota"/>
-        <a:font script="Mong" typeface="Mongolian Baiti"/>
-        <a:font script="Viet" typeface="Times New Roman"/>
-        <a:font script="Uigh" typeface="Microsoft Uighur"/>
-        <a:font script="Geor" typeface="Sylfaen"/>
-        <a:font script="Armn" typeface="Arial"/>
-        <a:font script="Bugi" typeface="Leelawadee UI"/>
-        <a:font script="Bopo" typeface="Microsoft JhengHei"/>
-        <a:font script="Java" typeface="Javanese Text"/>
-        <a:font script="Lisu" typeface="Segoe UI"/>
-        <a:font script="Mymr" typeface="Myanmar Text"/>
-        <a:font script="Nkoo" typeface="Ebrima"/>
-        <a:font script="Olck" typeface="Nirmala UI"/>
-        <a:font script="Osma" typeface="Ebrima"/>
-        <a:font script="Phag" typeface="Phagspa"/>
-        <a:font script="Syrn" typeface="Estrangelo Edessa"/>
-        <a:font script="Syrj" typeface="Estrangelo Edessa"/>
-        <a:font script="Syre" typeface="Estrangelo Edessa"/>
-        <a:font script="Sora" typeface="Nirmala UI"/>
-        <a:font script="Tale" typeface="Microsoft Tai Le"/>
-        <a:font script="Talu" typeface="Microsoft New Tai Lue"/>
-        <a:font script="Tfng" typeface="Ebrima"/>
       </a:majorFont>
       <a:minorFont>
-        <a:latin typeface="Calibri" panose="020F0502020204030204"/>
+        <a:latin typeface="Segoe UI Light"/>
         <a:ea typeface=""/>
         <a:cs typeface=""/>
-        <a:font script="Jpan" typeface="游ゴシック"/>
-        <a:font script="Hang" typeface="맑은 고딕"/>
-        <a:font script="Hans" typeface="等线"/>
-        <a:font script="Hant" typeface="新細明體"/>
-        <a:font script="Arab" typeface="Arial"/>
-        <a:font script="Hebr" typeface="Arial"/>
-        <a:font script="Thai" typeface="Cordia New"/>
-        <a:font script="Ethi" typeface="Nyala"/>
-        <a:font script="Beng" typeface="Vrinda"/>
-        <a:font script="Gujr" typeface="Shruti"/>
-        <a:font script="Khmr" typeface="DaunPenh"/>
-        <a:font script="Knda" typeface="Tunga"/>
-        <a:font script="Guru" typeface="Raavi"/>
-        <a:font script="Cans" typeface="Euphemia"/>
-        <a:font script="Cher" typeface="Plantagenet Cherokee"/>
-        <a:font script="Yiii" typeface="Microsoft Yi Baiti"/>
-        <a:font script="Tibt" typeface="Microsoft Himalaya"/>
-        <a:font script="Thaa" typeface="MV Boli"/>
-        <a:font script="Deva" typeface="Mangal"/>
-        <a:font script="Telu" typeface="Gautami"/>
-        <a:font script="Taml" typeface="Latha"/>
-        <a:font script="Syrc" typeface="Estrangelo Edessa"/>
-        <a:font script="Orya" typeface="Kalinga"/>
-        <a:font script="Mlym" typeface="Kartika"/>
-        <a:font script="Laoo" typeface="DokChampa"/>
-        <a:font script="Sinh" typeface="Iskoola Pota"/>
-        <a:font script="Mong" typeface="Mongolian Baiti"/>
-        <a:font script="Viet" typeface="Arial"/>
-        <a:font script="Uigh" typeface="Microsoft Uighur"/>
-        <a:font script="Geor" typeface="Sylfaen"/>
-        <a:font script="Armn" typeface="Arial"/>
-        <a:font script="Bugi" typeface="Leelawadee UI"/>
-        <a:font script="Bopo" typeface="Microsoft JhengHei"/>
-        <a:font script="Java" typeface="Javanese Text"/>
-        <a:font script="Lisu" typeface="Segoe UI"/>
-        <a:font script="Mymr" typeface="Myanmar Text"/>
-        <a:font script="Nkoo" typeface="Ebrima"/>
-        <a:font script="Olck" typeface="Nirmala UI"/>
-        <a:font script="Osma" typeface="Ebrima"/>
-        <a:font script="Phag" typeface="Phagspa"/>
-        <a:font script="Syrn" typeface="Estrangelo Edessa"/>
-        <a:font script="Syrj" typeface="Estrangelo Edessa"/>
-        <a:font script="Syre" typeface="Estrangelo Edessa"/>
-        <a:font script="Sora" typeface="Nirmala UI"/>
-        <a:font script="Tale" typeface="Microsoft Tai Le"/>
-        <a:font script="Talu" typeface="Microsoft New Tai Lue"/>
-        <a:font script="Tfng" typeface="Ebrima"/>
       </a:minorFont>
     </a:fontScheme>
-    <a:fmtScheme name="Office">
+    <a:fmtScheme name="Tema de Office">
       <a:fillStyleLst>
         <a:solidFill>
           <a:schemeClr val="phClr"/>
@@ -5441,7 +5634,7 @@
   <a:extraClrSchemeLst/>
   <a:extLst>
     <a:ext uri="{05A4C25C-085E-4340-85A3-A5531E510DB2}">
-      <thm15:themeFamily xmlns:thm15="http://schemas.microsoft.com/office/thememl/2012/main" name="Office Theme" id="{62F939B6-93AF-4DB8-9C6B-D6C7DFDC589F}" vid="{4A3C46E8-61CC-4603-A589-7422A47A8E4A}"/>
+      <thm15:themeFamily xmlns:thm15="http://schemas.microsoft.com/office/thememl/2012/main" name="Plantilla" id="{5A35A6FC-B87C-4B67-9B88-2A7DF7702ABE}" vid="{05B25DEA-0386-406F-A99F-5BE9D4B84DC6}"/>
     </a:ext>
   </a:extLst>
 </a:theme>
@@ -5464,7 +5657,7 @@
         <a:srgbClr val="E7E6E6"/>
       </a:lt2>
       <a:accent1>
-        <a:srgbClr val="4472C4"/>
+        <a:srgbClr val="5B9BD5"/>
       </a:accent1>
       <a:accent2>
         <a:srgbClr val="ED7D31"/>
@@ -5476,7 +5669,7 @@
         <a:srgbClr val="FFC000"/>
       </a:accent4>
       <a:accent5>
-        <a:srgbClr val="5B9BD5"/>
+        <a:srgbClr val="4472C4"/>
       </a:accent5>
       <a:accent6>
         <a:srgbClr val="70AD47"/>
@@ -5488,70 +5681,18 @@
         <a:srgbClr val="954F72"/>
       </a:folHlink>
     </a:clrScheme>
-    <a:fontScheme name="Office">
+    <a:fontScheme name="Cambria-Calibri">
       <a:majorFont>
-        <a:latin typeface="Calibri Light" panose="020F0302020204030204"/>
+        <a:latin typeface="Cambria" panose="02040503050406030204"/>
         <a:ea typeface=""/>
         <a:cs typeface=""/>
-        <a:font script="Jpan" typeface="游ゴシック Light"/>
+        <a:font script="Jpan" typeface="ＭＳ ゴシック"/>
         <a:font script="Hang" typeface="맑은 고딕"/>
-        <a:font script="Hans" typeface="等线 Light"/>
+        <a:font script="Hans" typeface="宋体"/>
         <a:font script="Hant" typeface="新細明體"/>
-        <a:font script="Arab" typeface="Times New Roman"/>
-        <a:font script="Hebr" typeface="Times New Roman"/>
-        <a:font script="Thai" typeface="Angsana New"/>
-        <a:font script="Ethi" typeface="Nyala"/>
-        <a:font script="Beng" typeface="Vrinda"/>
-        <a:font script="Gujr" typeface="Shruti"/>
-        <a:font script="Khmr" typeface="MoolBoran"/>
-        <a:font script="Knda" typeface="Tunga"/>
-        <a:font script="Guru" typeface="Raavi"/>
-        <a:font script="Cans" typeface="Euphemia"/>
-        <a:font script="Cher" typeface="Plantagenet Cherokee"/>
-        <a:font script="Yiii" typeface="Microsoft Yi Baiti"/>
-        <a:font script="Tibt" typeface="Microsoft Himalaya"/>
-        <a:font script="Thaa" typeface="MV Boli"/>
-        <a:font script="Deva" typeface="Mangal"/>
-        <a:font script="Telu" typeface="Gautami"/>
-        <a:font script="Taml" typeface="Latha"/>
-        <a:font script="Syrc" typeface="Estrangelo Edessa"/>
-        <a:font script="Orya" typeface="Kalinga"/>
-        <a:font script="Mlym" typeface="Kartika"/>
-        <a:font script="Laoo" typeface="DokChampa"/>
-        <a:font script="Sinh" typeface="Iskoola Pota"/>
-        <a:font script="Mong" typeface="Mongolian Baiti"/>
-        <a:font script="Viet" typeface="Times New Roman"/>
-        <a:font script="Uigh" typeface="Microsoft Uighur"/>
-        <a:font script="Geor" typeface="Sylfaen"/>
-        <a:font script="Armn" typeface="Arial"/>
-        <a:font script="Bugi" typeface="Leelawadee UI"/>
-        <a:font script="Bopo" typeface="Microsoft JhengHei"/>
-        <a:font script="Java" typeface="Javanese Text"/>
-        <a:font script="Lisu" typeface="Segoe UI"/>
-        <a:font script="Mymr" typeface="Myanmar Text"/>
-        <a:font script="Nkoo" typeface="Ebrima"/>
-        <a:font script="Olck" typeface="Nirmala UI"/>
-        <a:font script="Osma" typeface="Ebrima"/>
-        <a:font script="Phag" typeface="Phagspa"/>
-        <a:font script="Syrn" typeface="Estrangelo Edessa"/>
-        <a:font script="Syrj" typeface="Estrangelo Edessa"/>
-        <a:font script="Syre" typeface="Estrangelo Edessa"/>
-        <a:font script="Sora" typeface="Nirmala UI"/>
-        <a:font script="Tale" typeface="Microsoft Tai Le"/>
-        <a:font script="Talu" typeface="Microsoft New Tai Lue"/>
-        <a:font script="Tfng" typeface="Ebrima"/>
-      </a:majorFont>
-      <a:minorFont>
-        <a:latin typeface="Calibri" panose="020F0502020204030204"/>
-        <a:ea typeface=""/>
-        <a:cs typeface=""/>
-        <a:font script="Jpan" typeface="游ゴシック"/>
-        <a:font script="Hang" typeface="맑은 고딕"/>
-        <a:font script="Hans" typeface="等线"/>
-        <a:font script="Hant" typeface="新細明體"/>
-        <a:font script="Arab" typeface="Arial"/>
-        <a:font script="Hebr" typeface="Arial"/>
-        <a:font script="Thai" typeface="Cordia New"/>
+        <a:font script="Arab" typeface="Tahoma"/>
+        <a:font script="Hebr" typeface="Gisha"/>
+        <a:font script="Thai" typeface="DilleniaUPC"/>
         <a:font script="Ethi" typeface="Nyala"/>
         <a:font script="Beng" typeface="Vrinda"/>
         <a:font script="Gujr" typeface="Shruti"/>
@@ -5572,29 +5713,47 @@
         <a:font script="Laoo" typeface="DokChampa"/>
         <a:font script="Sinh" typeface="Iskoola Pota"/>
         <a:font script="Mong" typeface="Mongolian Baiti"/>
-        <a:font script="Viet" typeface="Arial"/>
+        <a:font script="Viet" typeface="Tahoma"/>
         <a:font script="Uigh" typeface="Microsoft Uighur"/>
         <a:font script="Geor" typeface="Sylfaen"/>
-        <a:font script="Armn" typeface="Arial"/>
-        <a:font script="Bugi" typeface="Leelawadee UI"/>
-        <a:font script="Bopo" typeface="Microsoft JhengHei"/>
-        <a:font script="Java" typeface="Javanese Text"/>
-        <a:font script="Lisu" typeface="Segoe UI"/>
-        <a:font script="Mymr" typeface="Myanmar Text"/>
-        <a:font script="Nkoo" typeface="Ebrima"/>
-        <a:font script="Olck" typeface="Nirmala UI"/>
-        <a:font script="Osma" typeface="Ebrima"/>
-        <a:font script="Phag" typeface="Phagspa"/>
-        <a:font script="Syrn" typeface="Estrangelo Edessa"/>
-        <a:font script="Syrj" typeface="Estrangelo Edessa"/>
-        <a:font script="Syre" typeface="Estrangelo Edessa"/>
-        <a:font script="Sora" typeface="Nirmala UI"/>
-        <a:font script="Tale" typeface="Microsoft Tai Le"/>
-        <a:font script="Talu" typeface="Microsoft New Tai Lue"/>
-        <a:font script="Tfng" typeface="Ebrima"/>
+      </a:majorFont>
+      <a:minorFont>
+        <a:latin typeface="Calibri" panose="020F0502020204030204"/>
+        <a:ea typeface=""/>
+        <a:cs typeface=""/>
+        <a:font script="Jpan" typeface="ＭＳ ゴシック"/>
+        <a:font script="Hang" typeface="맑은 고딕"/>
+        <a:font script="Hans" typeface="宋体"/>
+        <a:font script="Hant" typeface="新細明體"/>
+        <a:font script="Arab" typeface="Tahoma"/>
+        <a:font script="Hebr" typeface="Gisha"/>
+        <a:font script="Thai" typeface="DilleniaUPC"/>
+        <a:font script="Ethi" typeface="Nyala"/>
+        <a:font script="Beng" typeface="Vrinda"/>
+        <a:font script="Gujr" typeface="Shruti"/>
+        <a:font script="Khmr" typeface="DaunPenh"/>
+        <a:font script="Knda" typeface="Tunga"/>
+        <a:font script="Guru" typeface="Raavi"/>
+        <a:font script="Cans" typeface="Euphemia"/>
+        <a:font script="Cher" typeface="Plantagenet Cherokee"/>
+        <a:font script="Yiii" typeface="Microsoft Yi Baiti"/>
+        <a:font script="Tibt" typeface="Microsoft Himalaya"/>
+        <a:font script="Thaa" typeface="MV Boli"/>
+        <a:font script="Deva" typeface="Mangal"/>
+        <a:font script="Telu" typeface="Gautami"/>
+        <a:font script="Taml" typeface="Latha"/>
+        <a:font script="Syrc" typeface="Estrangelo Edessa"/>
+        <a:font script="Orya" typeface="Kalinga"/>
+        <a:font script="Mlym" typeface="Kartika"/>
+        <a:font script="Laoo" typeface="DokChampa"/>
+        <a:font script="Sinh" typeface="Iskoola Pota"/>
+        <a:font script="Mong" typeface="Mongolian Baiti"/>
+        <a:font script="Viet" typeface="Verdana"/>
+        <a:font script="Uigh" typeface="Microsoft Uighur"/>
+        <a:font script="Geor" typeface="Sylfaen"/>
       </a:minorFont>
     </a:fontScheme>
-    <a:fmtScheme name="Office">
+    <a:fmtScheme name="9TopShadow">
       <a:fillStyleLst>
         <a:solidFill>
           <a:schemeClr val="phClr"/>
@@ -5603,93 +5762,113 @@
           <a:gsLst>
             <a:gs pos="0">
               <a:schemeClr val="phClr">
-                <a:lumMod val="110000"/>
-                <a:satMod val="105000"/>
-                <a:tint val="67000"/>
+                <a:tint val="10000"/>
+                <a:satMod val="300000"/>
               </a:schemeClr>
             </a:gs>
-            <a:gs pos="50000">
+            <a:gs pos="34000">
               <a:schemeClr val="phClr">
-                <a:lumMod val="105000"/>
-                <a:satMod val="103000"/>
-                <a:tint val="73000"/>
+                <a:tint val="13500"/>
+                <a:satMod val="250000"/>
               </a:schemeClr>
             </a:gs>
             <a:gs pos="100000">
               <a:schemeClr val="phClr">
-                <a:lumMod val="105000"/>
-                <a:satMod val="109000"/>
-                <a:tint val="81000"/>
+                <a:tint val="60000"/>
+                <a:satMod val="200000"/>
               </a:schemeClr>
             </a:gs>
           </a:gsLst>
-          <a:lin ang="5400000" scaled="0"/>
+          <a:path path="circle">
+            <a:fillToRect l="50000" t="155000" r="50000" b="-55000"/>
+          </a:path>
         </a:gradFill>
         <a:gradFill rotWithShape="1">
           <a:gsLst>
             <a:gs pos="0">
               <a:schemeClr val="phClr">
-                <a:satMod val="103000"/>
-                <a:lumMod val="102000"/>
-                <a:tint val="94000"/>
+                <a:tint val="60000"/>
+                <a:satMod val="160000"/>
               </a:schemeClr>
             </a:gs>
-            <a:gs pos="50000">
+            <a:gs pos="46000">
               <a:schemeClr val="phClr">
-                <a:satMod val="110000"/>
-                <a:lumMod val="100000"/>
-                <a:shade val="100000"/>
+                <a:tint val="86000"/>
+                <a:satMod val="160000"/>
               </a:schemeClr>
             </a:gs>
             <a:gs pos="100000">
               <a:schemeClr val="phClr">
-                <a:lumMod val="99000"/>
-                <a:satMod val="120000"/>
-                <a:shade val="78000"/>
+                <a:shade val="40000"/>
+                <a:satMod val="160000"/>
               </a:schemeClr>
             </a:gs>
           </a:gsLst>
-          <a:lin ang="5400000" scaled="0"/>
+          <a:path path="circle">
+            <a:fillToRect l="50000" t="155000" r="50000" b="-55000"/>
+          </a:path>
         </a:gradFill>
       </a:fillStyleLst>
       <a:lnStyleLst>
-        <a:ln w="6350" cap="flat" cmpd="sng" algn="ctr">
+        <a:ln w="9525" cap="flat" cmpd="sng" algn="ctr">
           <a:solidFill>
-            <a:schemeClr val="phClr"/>
+            <a:schemeClr val="phClr">
+              <a:satMod val="120000"/>
+            </a:schemeClr>
           </a:solidFill>
           <a:prstDash val="solid"/>
-          <a:miter lim="800000"/>
         </a:ln>
         <a:ln w="12700" cap="flat" cmpd="sng" algn="ctr">
           <a:solidFill>
             <a:schemeClr val="phClr"/>
           </a:solidFill>
           <a:prstDash val="solid"/>
-          <a:miter lim="800000"/>
         </a:ln>
-        <a:ln w="19050" cap="flat" cmpd="sng" algn="ctr">
+        <a:ln w="25400" cap="flat" cmpd="sng" algn="ctr">
           <a:solidFill>
             <a:schemeClr val="phClr"/>
           </a:solidFill>
           <a:prstDash val="solid"/>
-          <a:miter lim="800000"/>
         </a:ln>
       </a:lnStyleLst>
       <a:effectStyleLst>
         <a:effectStyle>
-          <a:effectLst/>
-        </a:effectStyle>
-        <a:effectStyle>
-          <a:effectLst/>
+          <a:effectLst>
+            <a:outerShdw blurRad="63500" dist="25400" dir="14700000" algn="t" rotWithShape="0">
+              <a:srgbClr val="000000">
+                <a:alpha val="50000"/>
+              </a:srgbClr>
+            </a:outerShdw>
+          </a:effectLst>
         </a:effectStyle>
         <a:effectStyle>
           <a:effectLst>
-            <a:outerShdw blurRad="57150" dist="19050" dir="5400000" algn="ctr" rotWithShape="0">
+            <a:outerShdw blurRad="50800" dist="38100" dir="14700000" algn="t" rotWithShape="0">
               <a:srgbClr val="000000">
-                <a:alpha val="63000"/>
+                <a:alpha val="60000"/>
               </a:srgbClr>
             </a:outerShdw>
           </a:effectLst>
+        </a:effectStyle>
+        <a:effectStyle>
+          <a:effectLst>
+            <a:outerShdw blurRad="53975" dist="41275" dir="14700000" algn="t" rotWithShape="0">
+              <a:srgbClr val="000000">
+                <a:alpha val="60000"/>
+              </a:srgbClr>
+            </a:outerShdw>
+          </a:effectLst>
+          <a:scene3d>
+            <a:camera prst="orthographicFront">
+              <a:rot lat="0" lon="0" rev="0"/>
+            </a:camera>
+            <a:lightRig rig="contrasting" dir="t">
+              <a:rot lat="0" lon="0" rev="3600000"/>
+            </a:lightRig>
+          </a:scene3d>
+          <a:sp3d prstMaterial="plastic">
+            <a:bevelT w="127000" h="38200" prst="relaxedInset"/>
+          </a:sp3d>
         </a:effectStyle>
       </a:effectStyleLst>
       <a:bgFillStyleLst>
@@ -5740,4 +5919,773 @@
     </a:ext>
   </a:extLst>
 </a:theme>
+</file>
+
+<file path=ppt/theme/theme3.xml><?xml version="1.0" encoding="utf-8"?>
+<a:theme xmlns:a="http://schemas.openxmlformats.org/drawingml/2006/main" name="Tema de Office">
+  <a:themeElements>
+    <a:clrScheme name="Office">
+      <a:dk1>
+        <a:sysClr val="windowText" lastClr="000000"/>
+      </a:dk1>
+      <a:lt1>
+        <a:sysClr val="window" lastClr="FFFFFF"/>
+      </a:lt1>
+      <a:dk2>
+        <a:srgbClr val="44546A"/>
+      </a:dk2>
+      <a:lt2>
+        <a:srgbClr val="E7E6E6"/>
+      </a:lt2>
+      <a:accent1>
+        <a:srgbClr val="5B9BD5"/>
+      </a:accent1>
+      <a:accent2>
+        <a:srgbClr val="ED7D31"/>
+      </a:accent2>
+      <a:accent3>
+        <a:srgbClr val="A5A5A5"/>
+      </a:accent3>
+      <a:accent4>
+        <a:srgbClr val="FFC000"/>
+      </a:accent4>
+      <a:accent5>
+        <a:srgbClr val="4472C4"/>
+      </a:accent5>
+      <a:accent6>
+        <a:srgbClr val="70AD47"/>
+      </a:accent6>
+      <a:hlink>
+        <a:srgbClr val="0563C1"/>
+      </a:hlink>
+      <a:folHlink>
+        <a:srgbClr val="954F72"/>
+      </a:folHlink>
+    </a:clrScheme>
+    <a:fontScheme name="Cambria-Calibri">
+      <a:majorFont>
+        <a:latin typeface="Cambria" panose="02040503050406030204"/>
+        <a:ea typeface=""/>
+        <a:cs typeface=""/>
+        <a:font script="Jpan" typeface="ＭＳ ゴシック"/>
+        <a:font script="Hang" typeface="맑은 고딕"/>
+        <a:font script="Hans" typeface="宋体"/>
+        <a:font script="Hant" typeface="新細明體"/>
+        <a:font script="Arab" typeface="Tahoma"/>
+        <a:font script="Hebr" typeface="Gisha"/>
+        <a:font script="Thai" typeface="DilleniaUPC"/>
+        <a:font script="Ethi" typeface="Nyala"/>
+        <a:font script="Beng" typeface="Vrinda"/>
+        <a:font script="Gujr" typeface="Shruti"/>
+        <a:font script="Khmr" typeface="DaunPenh"/>
+        <a:font script="Knda" typeface="Tunga"/>
+        <a:font script="Guru" typeface="Raavi"/>
+        <a:font script="Cans" typeface="Euphemia"/>
+        <a:font script="Cher" typeface="Plantagenet Cherokee"/>
+        <a:font script="Yiii" typeface="Microsoft Yi Baiti"/>
+        <a:font script="Tibt" typeface="Microsoft Himalaya"/>
+        <a:font script="Thaa" typeface="MV Boli"/>
+        <a:font script="Deva" typeface="Mangal"/>
+        <a:font script="Telu" typeface="Gautami"/>
+        <a:font script="Taml" typeface="Latha"/>
+        <a:font script="Syrc" typeface="Estrangelo Edessa"/>
+        <a:font script="Orya" typeface="Kalinga"/>
+        <a:font script="Mlym" typeface="Kartika"/>
+        <a:font script="Laoo" typeface="DokChampa"/>
+        <a:font script="Sinh" typeface="Iskoola Pota"/>
+        <a:font script="Mong" typeface="Mongolian Baiti"/>
+        <a:font script="Viet" typeface="Tahoma"/>
+        <a:font script="Uigh" typeface="Microsoft Uighur"/>
+        <a:font script="Geor" typeface="Sylfaen"/>
+      </a:majorFont>
+      <a:minorFont>
+        <a:latin typeface="Calibri" panose="020F0502020204030204"/>
+        <a:ea typeface=""/>
+        <a:cs typeface=""/>
+        <a:font script="Jpan" typeface="ＭＳ ゴシック"/>
+        <a:font script="Hang" typeface="맑은 고딕"/>
+        <a:font script="Hans" typeface="宋体"/>
+        <a:font script="Hant" typeface="新細明體"/>
+        <a:font script="Arab" typeface="Tahoma"/>
+        <a:font script="Hebr" typeface="Gisha"/>
+        <a:font script="Thai" typeface="DilleniaUPC"/>
+        <a:font script="Ethi" typeface="Nyala"/>
+        <a:font script="Beng" typeface="Vrinda"/>
+        <a:font script="Gujr" typeface="Shruti"/>
+        <a:font script="Khmr" typeface="DaunPenh"/>
+        <a:font script="Knda" typeface="Tunga"/>
+        <a:font script="Guru" typeface="Raavi"/>
+        <a:font script="Cans" typeface="Euphemia"/>
+        <a:font script="Cher" typeface="Plantagenet Cherokee"/>
+        <a:font script="Yiii" typeface="Microsoft Yi Baiti"/>
+        <a:font script="Tibt" typeface="Microsoft Himalaya"/>
+        <a:font script="Thaa" typeface="MV Boli"/>
+        <a:font script="Deva" typeface="Mangal"/>
+        <a:font script="Telu" typeface="Gautami"/>
+        <a:font script="Taml" typeface="Latha"/>
+        <a:font script="Syrc" typeface="Estrangelo Edessa"/>
+        <a:font script="Orya" typeface="Kalinga"/>
+        <a:font script="Mlym" typeface="Kartika"/>
+        <a:font script="Laoo" typeface="DokChampa"/>
+        <a:font script="Sinh" typeface="Iskoola Pota"/>
+        <a:font script="Mong" typeface="Mongolian Baiti"/>
+        <a:font script="Viet" typeface="Verdana"/>
+        <a:font script="Uigh" typeface="Microsoft Uighur"/>
+        <a:font script="Geor" typeface="Sylfaen"/>
+      </a:minorFont>
+    </a:fontScheme>
+    <a:fmtScheme name="9TopShadow">
+      <a:fillStyleLst>
+        <a:solidFill>
+          <a:schemeClr val="phClr"/>
+        </a:solidFill>
+        <a:gradFill rotWithShape="1">
+          <a:gsLst>
+            <a:gs pos="0">
+              <a:schemeClr val="phClr">
+                <a:tint val="10000"/>
+                <a:satMod val="300000"/>
+              </a:schemeClr>
+            </a:gs>
+            <a:gs pos="34000">
+              <a:schemeClr val="phClr">
+                <a:tint val="13500"/>
+                <a:satMod val="250000"/>
+              </a:schemeClr>
+            </a:gs>
+            <a:gs pos="100000">
+              <a:schemeClr val="phClr">
+                <a:tint val="60000"/>
+                <a:satMod val="200000"/>
+              </a:schemeClr>
+            </a:gs>
+          </a:gsLst>
+          <a:path path="circle">
+            <a:fillToRect l="50000" t="155000" r="50000" b="-55000"/>
+          </a:path>
+        </a:gradFill>
+        <a:gradFill rotWithShape="1">
+          <a:gsLst>
+            <a:gs pos="0">
+              <a:schemeClr val="phClr">
+                <a:tint val="60000"/>
+                <a:satMod val="160000"/>
+              </a:schemeClr>
+            </a:gs>
+            <a:gs pos="46000">
+              <a:schemeClr val="phClr">
+                <a:tint val="86000"/>
+                <a:satMod val="160000"/>
+              </a:schemeClr>
+            </a:gs>
+            <a:gs pos="100000">
+              <a:schemeClr val="phClr">
+                <a:shade val="40000"/>
+                <a:satMod val="160000"/>
+              </a:schemeClr>
+            </a:gs>
+          </a:gsLst>
+          <a:path path="circle">
+            <a:fillToRect l="50000" t="155000" r="50000" b="-55000"/>
+          </a:path>
+        </a:gradFill>
+      </a:fillStyleLst>
+      <a:lnStyleLst>
+        <a:ln w="9525" cap="flat" cmpd="sng" algn="ctr">
+          <a:solidFill>
+            <a:schemeClr val="phClr">
+              <a:satMod val="120000"/>
+            </a:schemeClr>
+          </a:solidFill>
+          <a:prstDash val="solid"/>
+        </a:ln>
+        <a:ln w="12700" cap="flat" cmpd="sng" algn="ctr">
+          <a:solidFill>
+            <a:schemeClr val="phClr"/>
+          </a:solidFill>
+          <a:prstDash val="solid"/>
+        </a:ln>
+        <a:ln w="25400" cap="flat" cmpd="sng" algn="ctr">
+          <a:solidFill>
+            <a:schemeClr val="phClr"/>
+          </a:solidFill>
+          <a:prstDash val="solid"/>
+        </a:ln>
+      </a:lnStyleLst>
+      <a:effectStyleLst>
+        <a:effectStyle>
+          <a:effectLst>
+            <a:outerShdw blurRad="63500" dist="25400" dir="14700000" algn="t" rotWithShape="0">
+              <a:srgbClr val="000000">
+                <a:alpha val="50000"/>
+              </a:srgbClr>
+            </a:outerShdw>
+          </a:effectLst>
+        </a:effectStyle>
+        <a:effectStyle>
+          <a:effectLst>
+            <a:outerShdw blurRad="50800" dist="38100" dir="14700000" algn="t" rotWithShape="0">
+              <a:srgbClr val="000000">
+                <a:alpha val="60000"/>
+              </a:srgbClr>
+            </a:outerShdw>
+          </a:effectLst>
+        </a:effectStyle>
+        <a:effectStyle>
+          <a:effectLst>
+            <a:outerShdw blurRad="53975" dist="41275" dir="14700000" algn="t" rotWithShape="0">
+              <a:srgbClr val="000000">
+                <a:alpha val="60000"/>
+              </a:srgbClr>
+            </a:outerShdw>
+          </a:effectLst>
+          <a:scene3d>
+            <a:camera prst="orthographicFront">
+              <a:rot lat="0" lon="0" rev="0"/>
+            </a:camera>
+            <a:lightRig rig="contrasting" dir="t">
+              <a:rot lat="0" lon="0" rev="3600000"/>
+            </a:lightRig>
+          </a:scene3d>
+          <a:sp3d prstMaterial="plastic">
+            <a:bevelT w="127000" h="38200" prst="relaxedInset"/>
+          </a:sp3d>
+        </a:effectStyle>
+      </a:effectStyleLst>
+      <a:bgFillStyleLst>
+        <a:solidFill>
+          <a:schemeClr val="phClr"/>
+        </a:solidFill>
+        <a:solidFill>
+          <a:schemeClr val="phClr">
+            <a:tint val="95000"/>
+            <a:satMod val="170000"/>
+          </a:schemeClr>
+        </a:solidFill>
+        <a:gradFill rotWithShape="1">
+          <a:gsLst>
+            <a:gs pos="0">
+              <a:schemeClr val="phClr">
+                <a:tint val="93000"/>
+                <a:satMod val="150000"/>
+                <a:shade val="98000"/>
+                <a:lumMod val="102000"/>
+              </a:schemeClr>
+            </a:gs>
+            <a:gs pos="50000">
+              <a:schemeClr val="phClr">
+                <a:tint val="98000"/>
+                <a:satMod val="130000"/>
+                <a:shade val="90000"/>
+                <a:lumMod val="103000"/>
+              </a:schemeClr>
+            </a:gs>
+            <a:gs pos="100000">
+              <a:schemeClr val="phClr">
+                <a:shade val="63000"/>
+                <a:satMod val="120000"/>
+              </a:schemeClr>
+            </a:gs>
+          </a:gsLst>
+          <a:lin ang="5400000" scaled="0"/>
+        </a:gradFill>
+      </a:bgFillStyleLst>
+    </a:fmtScheme>
+  </a:themeElements>
+  <a:objectDefaults/>
+  <a:extraClrSchemeLst/>
+  <a:extLst>
+    <a:ext uri="{05A4C25C-085E-4340-85A3-A5531E510DB2}">
+      <thm15:themeFamily xmlns:thm15="http://schemas.microsoft.com/office/thememl/2012/main" name="Office Theme" id="{62F939B6-93AF-4DB8-9C6B-D6C7DFDC589F}" vid="{4A3C46E8-61CC-4603-A589-7422A47A8E4A}"/>
+    </a:ext>
+  </a:extLst>
+</a:theme>
+</file>
+
+<file path=customXml/item1.xml><?xml version="1.0" encoding="utf-8"?>
+<?mso-contentType ?>
+<FormTemplates xmlns="http://schemas.microsoft.com/sharepoint/v3/contenttype/forms">
+  <Display>DocumentLibraryForm</Display>
+  <Edit>DocumentLibraryForm</Edit>
+  <New>DocumentLibraryForm</New>
+</FormTemplates>
+</file>
+
+<file path=customXml/item2.xml><?xml version="1.0" encoding="utf-8"?>
+<p:properties xmlns:p="http://schemas.microsoft.com/office/2006/metadata/properties" xmlns:xsi="http://www.w3.org/2001/XMLSchema-instance" xmlns:pc="http://schemas.microsoft.com/office/infopath/2007/PartnerControls">
+  <documentManagement>
+    <NotebookType xmlns="bf3e1746-bde1-4d6e-9c3f-7182572f7502" xsi:nil="true"/>
+    <CultureName xmlns="bf3e1746-bde1-4d6e-9c3f-7182572f7502" xsi:nil="true"/>
+    <Students xmlns="bf3e1746-bde1-4d6e-9c3f-7182572f7502">
+      <UserInfo>
+        <DisplayName/>
+        <AccountId xsi:nil="true"/>
+        <AccountType/>
+      </UserInfo>
+    </Students>
+    <Distribution_Groups xmlns="bf3e1746-bde1-4d6e-9c3f-7182572f7502" xsi:nil="true"/>
+    <FolderType xmlns="bf3e1746-bde1-4d6e-9c3f-7182572f7502" xsi:nil="true"/>
+    <Student_Groups xmlns="bf3e1746-bde1-4d6e-9c3f-7182572f7502">
+      <UserInfo>
+        <DisplayName/>
+        <AccountId xsi:nil="true"/>
+        <AccountType/>
+      </UserInfo>
+    </Student_Groups>
+    <Self_Registration_Enabled xmlns="bf3e1746-bde1-4d6e-9c3f-7182572f7502" xsi:nil="true"/>
+    <TeamsChannelId xmlns="bf3e1746-bde1-4d6e-9c3f-7182572f7502" xsi:nil="true"/>
+    <IsNotebookLocked xmlns="bf3e1746-bde1-4d6e-9c3f-7182572f7502" xsi:nil="true"/>
+    <DefaultSectionNames xmlns="bf3e1746-bde1-4d6e-9c3f-7182572f7502" xsi:nil="true"/>
+    <Is_Collaboration_Space_Locked xmlns="bf3e1746-bde1-4d6e-9c3f-7182572f7502" xsi:nil="true"/>
+    <Invited_Teachers xmlns="bf3e1746-bde1-4d6e-9c3f-7182572f7502" xsi:nil="true"/>
+    <Math_Settings xmlns="bf3e1746-bde1-4d6e-9c3f-7182572f7502" xsi:nil="true"/>
+    <Templates xmlns="bf3e1746-bde1-4d6e-9c3f-7182572f7502" xsi:nil="true"/>
+    <Has_Teacher_Only_SectionGroup xmlns="bf3e1746-bde1-4d6e-9c3f-7182572f7502" xsi:nil="true"/>
+    <AppVersion xmlns="bf3e1746-bde1-4d6e-9c3f-7182572f7502" xsi:nil="true"/>
+    <Invited_Students xmlns="bf3e1746-bde1-4d6e-9c3f-7182572f7502" xsi:nil="true"/>
+    <Owner xmlns="bf3e1746-bde1-4d6e-9c3f-7182572f7502">
+      <UserInfo>
+        <DisplayName/>
+        <AccountId xsi:nil="true"/>
+        <AccountType/>
+      </UserInfo>
+    </Owner>
+    <Teachers xmlns="bf3e1746-bde1-4d6e-9c3f-7182572f7502">
+      <UserInfo>
+        <DisplayName/>
+        <AccountId xsi:nil="true"/>
+        <AccountType/>
+      </UserInfo>
+    </Teachers>
+    <LMS_Mappings xmlns="bf3e1746-bde1-4d6e-9c3f-7182572f7502" xsi:nil="true"/>
+  </documentManagement>
+</p:properties>
+</file>
+
+<file path=customXml/item3.xml><?xml version="1.0" encoding="utf-8"?>
+<ct:contentTypeSchema xmlns:ct="http://schemas.microsoft.com/office/2006/metadata/contentType" xmlns:ma="http://schemas.microsoft.com/office/2006/metadata/properties/metaAttributes" ct:_="" ma:_="" ma:contentTypeName="Document" ma:contentTypeID="0x010100C089011499791B4EB69D0A56FFA67F2B" ma:contentTypeVersion="30" ma:contentTypeDescription="Create a new document." ma:contentTypeScope="" ma:versionID="f76dc847e91b26043a9f85409c9c8da8">
+  <xsd:schema xmlns:xsd="http://www.w3.org/2001/XMLSchema" xmlns:xs="http://www.w3.org/2001/XMLSchema" xmlns:p="http://schemas.microsoft.com/office/2006/metadata/properties" xmlns:ns3="bf3e1746-bde1-4d6e-9c3f-7182572f7502" xmlns:ns4="14224164-2045-4b51-92bb-313d0f626d83" targetNamespace="http://schemas.microsoft.com/office/2006/metadata/properties" ma:root="true" ma:fieldsID="e77e75136ac7a83ebab10a30c2d6fe6c" ns3:_="" ns4:_="">
+    <xsd:import namespace="bf3e1746-bde1-4d6e-9c3f-7182572f7502"/>
+    <xsd:import namespace="14224164-2045-4b51-92bb-313d0f626d83"/>
+    <xsd:element name="properties">
+      <xsd:complexType>
+        <xsd:sequence>
+          <xsd:element name="documentManagement">
+            <xsd:complexType>
+              <xsd:all>
+                <xsd:element ref="ns3:MediaServiceMetadata" minOccurs="0"/>
+                <xsd:element ref="ns3:MediaServiceFastMetadata" minOccurs="0"/>
+                <xsd:element ref="ns3:NotebookType" minOccurs="0"/>
+                <xsd:element ref="ns3:FolderType" minOccurs="0"/>
+                <xsd:element ref="ns3:CultureName" minOccurs="0"/>
+                <xsd:element ref="ns3:AppVersion" minOccurs="0"/>
+                <xsd:element ref="ns3:TeamsChannelId" minOccurs="0"/>
+                <xsd:element ref="ns3:Owner" minOccurs="0"/>
+                <xsd:element ref="ns3:Math_Settings" minOccurs="0"/>
+                <xsd:element ref="ns3:DefaultSectionNames" minOccurs="0"/>
+                <xsd:element ref="ns3:Templates" minOccurs="0"/>
+                <xsd:element ref="ns3:Teachers" minOccurs="0"/>
+                <xsd:element ref="ns3:Students" minOccurs="0"/>
+                <xsd:element ref="ns3:Student_Groups" minOccurs="0"/>
+                <xsd:element ref="ns3:Distribution_Groups" minOccurs="0"/>
+                <xsd:element ref="ns3:LMS_Mappings" minOccurs="0"/>
+                <xsd:element ref="ns3:Invited_Teachers" minOccurs="0"/>
+                <xsd:element ref="ns3:Invited_Students" minOccurs="0"/>
+                <xsd:element ref="ns3:Self_Registration_Enabled" minOccurs="0"/>
+                <xsd:element ref="ns3:Has_Teacher_Only_SectionGroup" minOccurs="0"/>
+                <xsd:element ref="ns3:Is_Collaboration_Space_Locked" minOccurs="0"/>
+                <xsd:element ref="ns3:IsNotebookLocked" minOccurs="0"/>
+                <xsd:element ref="ns4:SharedWithUsers" minOccurs="0"/>
+                <xsd:element ref="ns4:SharedWithDetails" minOccurs="0"/>
+                <xsd:element ref="ns4:SharingHintHash" minOccurs="0"/>
+                <xsd:element ref="ns3:MediaServiceAutoTags" minOccurs="0"/>
+                <xsd:element ref="ns3:MediaServiceOCR" minOccurs="0"/>
+                <xsd:element ref="ns3:MediaServiceGenerationTime" minOccurs="0"/>
+                <xsd:element ref="ns3:MediaServiceEventHashCode" minOccurs="0"/>
+                <xsd:element ref="ns3:MediaServiceDateTaken" minOccurs="0"/>
+              </xsd:all>
+            </xsd:complexType>
+          </xsd:element>
+        </xsd:sequence>
+      </xsd:complexType>
+    </xsd:element>
+  </xsd:schema>
+  <xsd:schema xmlns:xsd="http://www.w3.org/2001/XMLSchema" xmlns:xs="http://www.w3.org/2001/XMLSchema" xmlns:dms="http://schemas.microsoft.com/office/2006/documentManagement/types" xmlns:pc="http://schemas.microsoft.com/office/infopath/2007/PartnerControls" targetNamespace="bf3e1746-bde1-4d6e-9c3f-7182572f7502" elementFormDefault="qualified">
+    <xsd:import namespace="http://schemas.microsoft.com/office/2006/documentManagement/types"/>
+    <xsd:import namespace="http://schemas.microsoft.com/office/infopath/2007/PartnerControls"/>
+    <xsd:element name="MediaServiceMetadata" ma:index="8" nillable="true" ma:displayName="MediaServiceMetadata" ma:hidden="true" ma:internalName="MediaServiceMetadata" ma:readOnly="true">
+      <xsd:simpleType>
+        <xsd:restriction base="dms:Note"/>
+      </xsd:simpleType>
+    </xsd:element>
+    <xsd:element name="MediaServiceFastMetadata" ma:index="9" nillable="true" ma:displayName="MediaServiceFastMetadata" ma:hidden="true" ma:internalName="MediaServiceFastMetadata" ma:readOnly="true">
+      <xsd:simpleType>
+        <xsd:restriction base="dms:Note"/>
+      </xsd:simpleType>
+    </xsd:element>
+    <xsd:element name="NotebookType" ma:index="10" nillable="true" ma:displayName="Notebook Type" ma:internalName="NotebookType">
+      <xsd:simpleType>
+        <xsd:restriction base="dms:Text"/>
+      </xsd:simpleType>
+    </xsd:element>
+    <xsd:element name="FolderType" ma:index="11" nillable="true" ma:displayName="Folder Type" ma:internalName="FolderType">
+      <xsd:simpleType>
+        <xsd:restriction base="dms:Text"/>
+      </xsd:simpleType>
+    </xsd:element>
+    <xsd:element name="CultureName" ma:index="12" nillable="true" ma:displayName="Culture Name" ma:internalName="CultureName">
+      <xsd:simpleType>
+        <xsd:restriction base="dms:Text"/>
+      </xsd:simpleType>
+    </xsd:element>
+    <xsd:element name="AppVersion" ma:index="13" nillable="true" ma:displayName="App Version" ma:internalName="AppVersion">
+      <xsd:simpleType>
+        <xsd:restriction base="dms:Text"/>
+      </xsd:simpleType>
+    </xsd:element>
+    <xsd:element name="TeamsChannelId" ma:index="14" nillable="true" ma:displayName="Teams Channel Id" ma:internalName="TeamsChannelId">
+      <xsd:simpleType>
+        <xsd:restriction base="dms:Text"/>
+      </xsd:simpleType>
+    </xsd:element>
+    <xsd:element name="Owner" ma:index="15" nillable="true" ma:displayName="Owner" ma:internalName="Owner">
+      <xsd:complexType>
+        <xsd:complexContent>
+          <xsd:extension base="dms:User">
+            <xsd:sequence>
+              <xsd:element name="UserInfo" minOccurs="0" maxOccurs="unbounded">
+                <xsd:complexType>
+                  <xsd:sequence>
+                    <xsd:element name="DisplayName" type="xsd:string" minOccurs="0"/>
+                    <xsd:element name="AccountId" type="dms:UserId" minOccurs="0" nillable="true"/>
+                    <xsd:element name="AccountType" type="xsd:string" minOccurs="0"/>
+                  </xsd:sequence>
+                </xsd:complexType>
+              </xsd:element>
+            </xsd:sequence>
+          </xsd:extension>
+        </xsd:complexContent>
+      </xsd:complexType>
+    </xsd:element>
+    <xsd:element name="Math_Settings" ma:index="16" nillable="true" ma:displayName="Math Settings" ma:internalName="Math_Settings">
+      <xsd:simpleType>
+        <xsd:restriction base="dms:Text"/>
+      </xsd:simpleType>
+    </xsd:element>
+    <xsd:element name="DefaultSectionNames" ma:index="17" nillable="true" ma:displayName="Default Section Names" ma:internalName="DefaultSectionNames">
+      <xsd:simpleType>
+        <xsd:restriction base="dms:Note">
+          <xsd:maxLength value="255"/>
+        </xsd:restriction>
+      </xsd:simpleType>
+    </xsd:element>
+    <xsd:element name="Templates" ma:index="18" nillable="true" ma:displayName="Templates" ma:internalName="Templates">
+      <xsd:simpleType>
+        <xsd:restriction base="dms:Note">
+          <xsd:maxLength value="255"/>
+        </xsd:restriction>
+      </xsd:simpleType>
+    </xsd:element>
+    <xsd:element name="Teachers" ma:index="19" nillable="true" ma:displayName="Teachers" ma:internalName="Teachers">
+      <xsd:complexType>
+        <xsd:complexContent>
+          <xsd:extension base="dms:UserMulti">
+            <xsd:sequence>
+              <xsd:element name="UserInfo" minOccurs="0" maxOccurs="unbounded">
+                <xsd:complexType>
+                  <xsd:sequence>
+                    <xsd:element name="DisplayName" type="xsd:string" minOccurs="0"/>
+                    <xsd:element name="AccountId" type="dms:UserId" minOccurs="0" nillable="true"/>
+                    <xsd:element name="AccountType" type="xsd:string" minOccurs="0"/>
+                  </xsd:sequence>
+                </xsd:complexType>
+              </xsd:element>
+            </xsd:sequence>
+          </xsd:extension>
+        </xsd:complexContent>
+      </xsd:complexType>
+    </xsd:element>
+    <xsd:element name="Students" ma:index="20" nillable="true" ma:displayName="Students" ma:internalName="Students">
+      <xsd:complexType>
+        <xsd:complexContent>
+          <xsd:extension base="dms:UserMulti">
+            <xsd:sequence>
+              <xsd:element name="UserInfo" minOccurs="0" maxOccurs="unbounded">
+                <xsd:complexType>
+                  <xsd:sequence>
+                    <xsd:element name="DisplayName" type="xsd:string" minOccurs="0"/>
+                    <xsd:element name="AccountId" type="dms:UserId" minOccurs="0" nillable="true"/>
+                    <xsd:element name="AccountType" type="xsd:string" minOccurs="0"/>
+                  </xsd:sequence>
+                </xsd:complexType>
+              </xsd:element>
+            </xsd:sequence>
+          </xsd:extension>
+        </xsd:complexContent>
+      </xsd:complexType>
+    </xsd:element>
+    <xsd:element name="Student_Groups" ma:index="21" nillable="true" ma:displayName="Student Groups" ma:internalName="Student_Groups">
+      <xsd:complexType>
+        <xsd:complexContent>
+          <xsd:extension base="dms:UserMulti">
+            <xsd:sequence>
+              <xsd:element name="UserInfo" minOccurs="0" maxOccurs="unbounded">
+                <xsd:complexType>
+                  <xsd:sequence>
+                    <xsd:element name="DisplayName" type="xsd:string" minOccurs="0"/>
+                    <xsd:element name="AccountId" type="dms:UserId" minOccurs="0" nillable="true"/>
+                    <xsd:element name="AccountType" type="xsd:string" minOccurs="0"/>
+                  </xsd:sequence>
+                </xsd:complexType>
+              </xsd:element>
+            </xsd:sequence>
+          </xsd:extension>
+        </xsd:complexContent>
+      </xsd:complexType>
+    </xsd:element>
+    <xsd:element name="Distribution_Groups" ma:index="22" nillable="true" ma:displayName="Distribution Groups" ma:internalName="Distribution_Groups">
+      <xsd:simpleType>
+        <xsd:restriction base="dms:Note">
+          <xsd:maxLength value="255"/>
+        </xsd:restriction>
+      </xsd:simpleType>
+    </xsd:element>
+    <xsd:element name="LMS_Mappings" ma:index="23" nillable="true" ma:displayName="LMS Mappings" ma:internalName="LMS_Mappings">
+      <xsd:simpleType>
+        <xsd:restriction base="dms:Note">
+          <xsd:maxLength value="255"/>
+        </xsd:restriction>
+      </xsd:simpleType>
+    </xsd:element>
+    <xsd:element name="Invited_Teachers" ma:index="24" nillable="true" ma:displayName="Invited Teachers" ma:internalName="Invited_Teachers">
+      <xsd:simpleType>
+        <xsd:restriction base="dms:Note">
+          <xsd:maxLength value="255"/>
+        </xsd:restriction>
+      </xsd:simpleType>
+    </xsd:element>
+    <xsd:element name="Invited_Students" ma:index="25" nillable="true" ma:displayName="Invited Students" ma:internalName="Invited_Students">
+      <xsd:simpleType>
+        <xsd:restriction base="dms:Note">
+          <xsd:maxLength value="255"/>
+        </xsd:restriction>
+      </xsd:simpleType>
+    </xsd:element>
+    <xsd:element name="Self_Registration_Enabled" ma:index="26" nillable="true" ma:displayName="Self Registration Enabled" ma:internalName="Self_Registration_Enabled">
+      <xsd:simpleType>
+        <xsd:restriction base="dms:Boolean"/>
+      </xsd:simpleType>
+    </xsd:element>
+    <xsd:element name="Has_Teacher_Only_SectionGroup" ma:index="27" nillable="true" ma:displayName="Has Teacher Only SectionGroup" ma:internalName="Has_Teacher_Only_SectionGroup">
+      <xsd:simpleType>
+        <xsd:restriction base="dms:Boolean"/>
+      </xsd:simpleType>
+    </xsd:element>
+    <xsd:element name="Is_Collaboration_Space_Locked" ma:index="28" nillable="true" ma:displayName="Is Collaboration Space Locked" ma:internalName="Is_Collaboration_Space_Locked">
+      <xsd:simpleType>
+        <xsd:restriction base="dms:Boolean"/>
+      </xsd:simpleType>
+    </xsd:element>
+    <xsd:element name="IsNotebookLocked" ma:index="29" nillable="true" ma:displayName="Is Notebook Locked" ma:internalName="IsNotebookLocked">
+      <xsd:simpleType>
+        <xsd:restriction base="dms:Boolean"/>
+      </xsd:simpleType>
+    </xsd:element>
+    <xsd:element name="MediaServiceAutoTags" ma:index="33" nillable="true" ma:displayName="Tags" ma:internalName="MediaServiceAutoTags" ma:readOnly="true">
+      <xsd:simpleType>
+        <xsd:restriction base="dms:Text"/>
+      </xsd:simpleType>
+    </xsd:element>
+    <xsd:element name="MediaServiceOCR" ma:index="34" nillable="true" ma:displayName="Extracted Text" ma:internalName="MediaServiceOCR" ma:readOnly="true">
+      <xsd:simpleType>
+        <xsd:restriction base="dms:Note">
+          <xsd:maxLength value="255"/>
+        </xsd:restriction>
+      </xsd:simpleType>
+    </xsd:element>
+    <xsd:element name="MediaServiceGenerationTime" ma:index="35" nillable="true" ma:displayName="MediaServiceGenerationTime" ma:hidden="true" ma:internalName="MediaServiceGenerationTime" ma:readOnly="true">
+      <xsd:simpleType>
+        <xsd:restriction base="dms:Text"/>
+      </xsd:simpleType>
+    </xsd:element>
+    <xsd:element name="MediaServiceEventHashCode" ma:index="36" nillable="true" ma:displayName="MediaServiceEventHashCode" ma:hidden="true" ma:internalName="MediaServiceEventHashCode" ma:readOnly="true">
+      <xsd:simpleType>
+        <xsd:restriction base="dms:Text"/>
+      </xsd:simpleType>
+    </xsd:element>
+    <xsd:element name="MediaServiceDateTaken" ma:index="37" nillable="true" ma:displayName="MediaServiceDateTaken" ma:hidden="true" ma:internalName="MediaServiceDateTaken" ma:readOnly="true">
+      <xsd:simpleType>
+        <xsd:restriction base="dms:Text"/>
+      </xsd:simpleType>
+    </xsd:element>
+  </xsd:schema>
+  <xsd:schema xmlns:xsd="http://www.w3.org/2001/XMLSchema" xmlns:xs="http://www.w3.org/2001/XMLSchema" xmlns:dms="http://schemas.microsoft.com/office/2006/documentManagement/types" xmlns:pc="http://schemas.microsoft.com/office/infopath/2007/PartnerControls" targetNamespace="14224164-2045-4b51-92bb-313d0f626d83" elementFormDefault="qualified">
+    <xsd:import namespace="http://schemas.microsoft.com/office/2006/documentManagement/types"/>
+    <xsd:import namespace="http://schemas.microsoft.com/office/infopath/2007/PartnerControls"/>
+    <xsd:element name="SharedWithUsers" ma:index="30" nillable="true" ma:displayName="Shared With" ma:internalName="SharedWithUsers" ma:readOnly="true">
+      <xsd:complexType>
+        <xsd:complexContent>
+          <xsd:extension base="dms:UserMulti">
+            <xsd:sequence>
+              <xsd:element name="UserInfo" minOccurs="0" maxOccurs="unbounded">
+                <xsd:complexType>
+                  <xsd:sequence>
+                    <xsd:element name="DisplayName" type="xsd:string" minOccurs="0"/>
+                    <xsd:element name="AccountId" type="dms:UserId" minOccurs="0" nillable="true"/>
+                    <xsd:element name="AccountType" type="xsd:string" minOccurs="0"/>
+                  </xsd:sequence>
+                </xsd:complexType>
+              </xsd:element>
+            </xsd:sequence>
+          </xsd:extension>
+        </xsd:complexContent>
+      </xsd:complexType>
+    </xsd:element>
+    <xsd:element name="SharedWithDetails" ma:index="31" nillable="true" ma:displayName="Shared With Details" ma:internalName="SharedWithDetails" ma:readOnly="true">
+      <xsd:simpleType>
+        <xsd:restriction base="dms:Note">
+          <xsd:maxLength value="255"/>
+        </xsd:restriction>
+      </xsd:simpleType>
+    </xsd:element>
+    <xsd:element name="SharingHintHash" ma:index="32" nillable="true" ma:displayName="Sharing Hint Hash" ma:hidden="true" ma:internalName="SharingHintHash" ma:readOnly="true">
+      <xsd:simpleType>
+        <xsd:restriction base="dms:Text"/>
+      </xsd:simpleType>
+    </xsd:element>
+  </xsd:schema>
+  <xsd:schema xmlns="http://schemas.openxmlformats.org/package/2006/metadata/core-properties" xmlns:xsd="http://www.w3.org/2001/XMLSchema" xmlns:xsi="http://www.w3.org/2001/XMLSchema-instance" xmlns:dc="http://purl.org/dc/elements/1.1/" xmlns:dcterms="http://purl.org/dc/terms/" xmlns:odoc="http://schemas.microsoft.com/internal/obd" targetNamespace="http://schemas.openxmlformats.org/package/2006/metadata/core-properties" elementFormDefault="qualified" attributeFormDefault="unqualified" blockDefault="#all">
+    <xsd:import namespace="http://purl.org/dc/elements/1.1/" schemaLocation="http://dublincore.org/schemas/xmls/qdc/2003/04/02/dc.xsd"/>
+    <xsd:import namespace="http://purl.org/dc/terms/" schemaLocation="http://dublincore.org/schemas/xmls/qdc/2003/04/02/dcterms.xsd"/>
+    <xsd:element name="coreProperties" type="CT_coreProperties"/>
+    <xsd:complexType name="CT_coreProperties">
+      <xsd:all>
+        <xsd:element ref="dc:creator" minOccurs="0" maxOccurs="1"/>
+        <xsd:element ref="dcterms:created" minOccurs="0" maxOccurs="1"/>
+        <xsd:element ref="dc:identifier" minOccurs="0" maxOccurs="1"/>
+        <xsd:element name="contentType" minOccurs="0" maxOccurs="1" type="xsd:string" ma:index="0" ma:displayName="Content Type"/>
+        <xsd:element ref="dc:title" minOccurs="0" maxOccurs="1" ma:index="4" ma:displayName="Title"/>
+        <xsd:element ref="dc:subject" minOccurs="0" maxOccurs="1"/>
+        <xsd:element ref="dc:description" minOccurs="0" maxOccurs="1"/>
+        <xsd:element name="keywords" minOccurs="0" maxOccurs="1" type="xsd:string"/>
+        <xsd:element ref="dc:language" minOccurs="0" maxOccurs="1"/>
+        <xsd:element name="category" minOccurs="0" maxOccurs="1" type="xsd:string"/>
+        <xsd:element name="version" minOccurs="0" maxOccurs="1" type="xsd:string"/>
+        <xsd:element name="revision" minOccurs="0" maxOccurs="1" type="xsd:string">
+          <xsd:annotation>
+            <xsd:documentation>
+                        This value indicates the number of saves or revisions. The application is responsible for updating this value after each revision.
+                    </xsd:documentation>
+          </xsd:annotation>
+        </xsd:element>
+        <xsd:element name="lastModifiedBy" minOccurs="0" maxOccurs="1" type="xsd:string"/>
+        <xsd:element ref="dcterms:modified" minOccurs="0" maxOccurs="1"/>
+        <xsd:element name="contentStatus" minOccurs="0" maxOccurs="1" type="xsd:string"/>
+      </xsd:all>
+    </xsd:complexType>
+  </xsd:schema>
+  <xs:schema xmlns:pc="http://schemas.microsoft.com/office/infopath/2007/PartnerControls" xmlns:xs="http://www.w3.org/2001/XMLSchema" targetNamespace="http://schemas.microsoft.com/office/infopath/2007/PartnerControls" elementFormDefault="qualified" attributeFormDefault="unqualified">
+    <xs:element name="Person">
+      <xs:complexType>
+        <xs:sequence>
+          <xs:element ref="pc:DisplayName" minOccurs="0"/>
+          <xs:element ref="pc:AccountId" minOccurs="0"/>
+          <xs:element ref="pc:AccountType" minOccurs="0"/>
+        </xs:sequence>
+      </xs:complexType>
+    </xs:element>
+    <xs:element name="DisplayName" type="xs:string"/>
+    <xs:element name="AccountId" type="xs:string"/>
+    <xs:element name="AccountType" type="xs:string"/>
+    <xs:element name="BDCAssociatedEntity">
+      <xs:complexType>
+        <xs:sequence>
+          <xs:element ref="pc:BDCEntity" minOccurs="0" maxOccurs="unbounded"/>
+        </xs:sequence>
+        <xs:attribute ref="pc:EntityNamespace"/>
+        <xs:attribute ref="pc:EntityName"/>
+        <xs:attribute ref="pc:SystemInstanceName"/>
+        <xs:attribute ref="pc:AssociationName"/>
+      </xs:complexType>
+    </xs:element>
+    <xs:attribute name="EntityNamespace" type="xs:string"/>
+    <xs:attribute name="EntityName" type="xs:string"/>
+    <xs:attribute name="SystemInstanceName" type="xs:string"/>
+    <xs:attribute name="AssociationName" type="xs:string"/>
+    <xs:element name="BDCEntity">
+      <xs:complexType>
+        <xs:sequence>
+          <xs:element ref="pc:EntityDisplayName" minOccurs="0"/>
+          <xs:element ref="pc:EntityInstanceReference" minOccurs="0"/>
+          <xs:element ref="pc:EntityId1" minOccurs="0"/>
+          <xs:element ref="pc:EntityId2" minOccurs="0"/>
+          <xs:element ref="pc:EntityId3" minOccurs="0"/>
+          <xs:element ref="pc:EntityId4" minOccurs="0"/>
+          <xs:element ref="pc:EntityId5" minOccurs="0"/>
+        </xs:sequence>
+      </xs:complexType>
+    </xs:element>
+    <xs:element name="EntityDisplayName" type="xs:string"/>
+    <xs:element name="EntityInstanceReference" type="xs:string"/>
+    <xs:element name="EntityId1" type="xs:string"/>
+    <xs:element name="EntityId2" type="xs:string"/>
+    <xs:element name="EntityId3" type="xs:string"/>
+    <xs:element name="EntityId4" type="xs:string"/>
+    <xs:element name="EntityId5" type="xs:string"/>
+    <xs:element name="Terms">
+      <xs:complexType>
+        <xs:sequence>
+          <xs:element ref="pc:TermInfo" minOccurs="0" maxOccurs="unbounded"/>
+        </xs:sequence>
+      </xs:complexType>
+    </xs:element>
+    <xs:element name="TermInfo">
+      <xs:complexType>
+        <xs:sequence>
+          <xs:element ref="pc:TermName" minOccurs="0"/>
+          <xs:element ref="pc:TermId" minOccurs="0"/>
+        </xs:sequence>
+      </xs:complexType>
+    </xs:element>
+    <xs:element name="TermName" type="xs:string"/>
+    <xs:element name="TermId" type="xs:string"/>
+  </xs:schema>
+</ct:contentTypeSchema>
+</file>
+
+<file path=customXml/itemProps1.xml><?xml version="1.0" encoding="utf-8"?>
+<ds:datastoreItem xmlns:ds="http://schemas.openxmlformats.org/officeDocument/2006/customXml" ds:itemID="{B024FD56-CE1B-42FC-9E83-BFBF160724C6}">
+  <ds:schemaRefs>
+    <ds:schemaRef ds:uri="http://schemas.microsoft.com/sharepoint/v3/contenttype/forms"/>
+  </ds:schemaRefs>
+</ds:datastoreItem>
+</file>
+
+<file path=customXml/itemProps2.xml><?xml version="1.0" encoding="utf-8"?>
+<ds:datastoreItem xmlns:ds="http://schemas.openxmlformats.org/officeDocument/2006/customXml" ds:itemID="{DEDD01B8-816B-49B7-8C81-03AB51D87C54}">
+  <ds:schemaRefs>
+    <ds:schemaRef ds:uri="http://schemas.microsoft.com/office/2006/metadata/properties"/>
+    <ds:schemaRef ds:uri="http://schemas.microsoft.com/office/infopath/2007/PartnerControls"/>
+    <ds:schemaRef ds:uri="bf3e1746-bde1-4d6e-9c3f-7182572f7502"/>
+  </ds:schemaRefs>
+</ds:datastoreItem>
+</file>
+
+<file path=customXml/itemProps3.xml><?xml version="1.0" encoding="utf-8"?>
+<ds:datastoreItem xmlns:ds="http://schemas.openxmlformats.org/officeDocument/2006/customXml" ds:itemID="{A129B439-51BE-4A7D-9272-FBD057297E66}">
+  <ds:schemaRefs>
+    <ds:schemaRef ds:uri="http://schemas.microsoft.com/office/2006/metadata/contentType"/>
+    <ds:schemaRef ds:uri="http://schemas.microsoft.com/office/2006/metadata/properties/metaAttributes"/>
+    <ds:schemaRef ds:uri="http://www.w3.org/2001/XMLSchema"/>
+    <ds:schemaRef ds:uri="http://schemas.microsoft.com/office/2006/metadata/properties"/>
+    <ds:schemaRef ds:uri="bf3e1746-bde1-4d6e-9c3f-7182572f7502"/>
+    <ds:schemaRef ds:uri="14224164-2045-4b51-92bb-313d0f626d83"/>
+    <ds:schemaRef ds:uri="http://schemas.microsoft.com/office/2006/documentManagement/types"/>
+    <ds:schemaRef ds:uri="http://schemas.microsoft.com/office/infopath/2007/PartnerControls"/>
+    <ds:schemaRef ds:uri="http://schemas.openxmlformats.org/package/2006/metadata/core-properties"/>
+    <ds:schemaRef ds:uri="http://purl.org/dc/elements/1.1/"/>
+    <ds:schemaRef ds:uri="http://purl.org/dc/terms/"/>
+    <ds:schemaRef ds:uri="http://schemas.microsoft.com/internal/obd"/>
+  </ds:schemaRefs>
+</ds:datastoreItem>
 </file>